--- a/src/JAVA_GitHub연동.pptx
+++ b/src/JAVA_GitHub연동.pptx
@@ -5,25 +5,37 @@
     <p:sldMasterId id="2147483648" r:id="rId1"/>
   </p:sldMasterIdLst>
   <p:notesMasterIdLst>
-    <p:notesMasterId r:id="rId18"/>
+    <p:notesMasterId r:id="rId30"/>
   </p:notesMasterIdLst>
   <p:sldIdLst>
-    <p:sldId id="297" r:id="rId2"/>
-    <p:sldId id="298" r:id="rId3"/>
-    <p:sldId id="299" r:id="rId4"/>
-    <p:sldId id="300" r:id="rId5"/>
-    <p:sldId id="301" r:id="rId6"/>
-    <p:sldId id="302" r:id="rId7"/>
-    <p:sldId id="303" r:id="rId8"/>
-    <p:sldId id="305" r:id="rId9"/>
-    <p:sldId id="306" r:id="rId10"/>
-    <p:sldId id="308" r:id="rId11"/>
-    <p:sldId id="307" r:id="rId12"/>
-    <p:sldId id="309" r:id="rId13"/>
-    <p:sldId id="310" r:id="rId14"/>
-    <p:sldId id="313" r:id="rId15"/>
-    <p:sldId id="312" r:id="rId16"/>
-    <p:sldId id="314" r:id="rId17"/>
+    <p:sldId id="316" r:id="rId2"/>
+    <p:sldId id="297" r:id="rId3"/>
+    <p:sldId id="298" r:id="rId4"/>
+    <p:sldId id="299" r:id="rId5"/>
+    <p:sldId id="300" r:id="rId6"/>
+    <p:sldId id="301" r:id="rId7"/>
+    <p:sldId id="302" r:id="rId8"/>
+    <p:sldId id="303" r:id="rId9"/>
+    <p:sldId id="305" r:id="rId10"/>
+    <p:sldId id="306" r:id="rId11"/>
+    <p:sldId id="308" r:id="rId12"/>
+    <p:sldId id="307" r:id="rId13"/>
+    <p:sldId id="309" r:id="rId14"/>
+    <p:sldId id="310" r:id="rId15"/>
+    <p:sldId id="313" r:id="rId16"/>
+    <p:sldId id="312" r:id="rId17"/>
+    <p:sldId id="314" r:id="rId18"/>
+    <p:sldId id="317" r:id="rId19"/>
+    <p:sldId id="320" r:id="rId20"/>
+    <p:sldId id="315" r:id="rId21"/>
+    <p:sldId id="318" r:id="rId22"/>
+    <p:sldId id="319" r:id="rId23"/>
+    <p:sldId id="322" r:id="rId24"/>
+    <p:sldId id="321" r:id="rId25"/>
+    <p:sldId id="323" r:id="rId26"/>
+    <p:sldId id="324" r:id="rId27"/>
+    <p:sldId id="325" r:id="rId28"/>
+    <p:sldId id="326" r:id="rId29"/>
   </p:sldIdLst>
   <p:sldSz cx="12192000" cy="6858000"/>
   <p:notesSz cx="6858000" cy="9144000"/>
@@ -212,7 +224,7 @@
           <a:p>
             <a:fld id="{7EB2AFC3-04D0-465A-BF6B-87FD4A4591A7}" type="datetimeFigureOut">
               <a:rPr lang="ko-KR" altLang="en-US" smtClean="0"/>
-              <a:t>2023-03-26</a:t>
+              <a:t>2023-05-15</a:t>
             </a:fld>
             <a:endParaRPr lang="ko-KR" altLang="en-US"/>
           </a:p>
@@ -544,7 +556,7 @@
           <a:p>
             <a:fld id="{96BCD374-3550-491A-9011-331780053567}" type="slidenum">
               <a:rPr lang="ko-KR" altLang="en-US" smtClean="0"/>
-              <a:t>1</a:t>
+              <a:t>2</a:t>
             </a:fld>
             <a:endParaRPr lang="ko-KR" altLang="en-US"/>
           </a:p>
@@ -628,7 +640,7 @@
           <a:p>
             <a:fld id="{96BCD374-3550-491A-9011-331780053567}" type="slidenum">
               <a:rPr lang="ko-KR" altLang="en-US" smtClean="0"/>
-              <a:t>10</a:t>
+              <a:t>11</a:t>
             </a:fld>
             <a:endParaRPr lang="ko-KR" altLang="en-US"/>
           </a:p>
@@ -712,7 +724,7 @@
           <a:p>
             <a:fld id="{96BCD374-3550-491A-9011-331780053567}" type="slidenum">
               <a:rPr lang="ko-KR" altLang="en-US" smtClean="0"/>
-              <a:t>11</a:t>
+              <a:t>12</a:t>
             </a:fld>
             <a:endParaRPr lang="ko-KR" altLang="en-US"/>
           </a:p>
@@ -796,7 +808,7 @@
           <a:p>
             <a:fld id="{96BCD374-3550-491A-9011-331780053567}" type="slidenum">
               <a:rPr lang="ko-KR" altLang="en-US" smtClean="0"/>
-              <a:t>12</a:t>
+              <a:t>13</a:t>
             </a:fld>
             <a:endParaRPr lang="ko-KR" altLang="en-US"/>
           </a:p>
@@ -880,7 +892,7 @@
           <a:p>
             <a:fld id="{96BCD374-3550-491A-9011-331780053567}" type="slidenum">
               <a:rPr lang="ko-KR" altLang="en-US" smtClean="0"/>
-              <a:t>13</a:t>
+              <a:t>14</a:t>
             </a:fld>
             <a:endParaRPr lang="ko-KR" altLang="en-US"/>
           </a:p>
@@ -964,7 +976,7 @@
           <a:p>
             <a:fld id="{96BCD374-3550-491A-9011-331780053567}" type="slidenum">
               <a:rPr lang="ko-KR" altLang="en-US" smtClean="0"/>
-              <a:t>14</a:t>
+              <a:t>15</a:t>
             </a:fld>
             <a:endParaRPr lang="ko-KR" altLang="en-US"/>
           </a:p>
@@ -1048,7 +1060,7 @@
           <a:p>
             <a:fld id="{96BCD374-3550-491A-9011-331780053567}" type="slidenum">
               <a:rPr lang="ko-KR" altLang="en-US" smtClean="0"/>
-              <a:t>15</a:t>
+              <a:t>16</a:t>
             </a:fld>
             <a:endParaRPr lang="ko-KR" altLang="en-US"/>
           </a:p>
@@ -1058,6 +1070,369 @@
     <p:extLst>
       <p:ext uri="{BB962C8B-B14F-4D97-AF65-F5344CB8AC3E}">
         <p14:creationId xmlns:p14="http://schemas.microsoft.com/office/powerpoint/2010/main" val="195544854"/>
+      </p:ext>
+    </p:extLst>
+  </p:cSld>
+  <p:clrMapOvr>
+    <a:masterClrMapping/>
+  </p:clrMapOvr>
+</p:notes>
+</file>
+
+<file path=ppt/notesSlides/notesSlide16.xml><?xml version="1.0" encoding="utf-8"?>
+<p:notes xmlns:a="http://schemas.openxmlformats.org/drawingml/2006/main" xmlns:r="http://schemas.openxmlformats.org/officeDocument/2006/relationships" xmlns:p="http://schemas.openxmlformats.org/presentationml/2006/main">
+  <p:cSld>
+    <p:spTree>
+      <p:nvGrpSpPr>
+        <p:cNvPr id="1" name=""/>
+        <p:cNvGrpSpPr/>
+        <p:nvPr/>
+      </p:nvGrpSpPr>
+      <p:grpSpPr>
+        <a:xfrm>
+          <a:off x="0" y="0"/>
+          <a:ext cx="0" cy="0"/>
+          <a:chOff x="0" y="0"/>
+          <a:chExt cx="0" cy="0"/>
+        </a:xfrm>
+      </p:grpSpPr>
+      <p:sp>
+        <p:nvSpPr>
+          <p:cNvPr id="2" name="슬라이드 이미지 개체 틀 1"/>
+          <p:cNvSpPr>
+            <a:spLocks noGrp="1" noRot="1" noChangeAspect="1"/>
+          </p:cNvSpPr>
+          <p:nvPr>
+            <p:ph type="sldImg"/>
+          </p:nvPr>
+        </p:nvSpPr>
+        <p:spPr/>
+      </p:sp>
+      <p:sp>
+        <p:nvSpPr>
+          <p:cNvPr id="3" name="슬라이드 노트 개체 틀 2"/>
+          <p:cNvSpPr>
+            <a:spLocks noGrp="1"/>
+          </p:cNvSpPr>
+          <p:nvPr>
+            <p:ph type="body" idx="1"/>
+          </p:nvPr>
+        </p:nvSpPr>
+        <p:spPr/>
+        <p:txBody>
+          <a:bodyPr/>
+          <a:lstStyle/>
+          <a:p>
+            <a:pPr marL="0" marR="0" lvl="0" indent="0" algn="l" defTabSz="914400" rtl="0" eaLnBrk="1" fontAlgn="auto" latinLnBrk="1" hangingPunct="1">
+              <a:lnSpc>
+                <a:spcPct val="100000"/>
+              </a:lnSpc>
+              <a:spcBef>
+                <a:spcPts val="0"/>
+              </a:spcBef>
+              <a:spcAft>
+                <a:spcPts val="0"/>
+              </a:spcAft>
+              <a:buClrTx/>
+              <a:buSzTx/>
+              <a:buFontTx/>
+              <a:buNone/>
+              <a:tabLst/>
+              <a:defRPr/>
+            </a:pPr>
+            <a:r>
+              <a:rPr lang="en-US" altLang="ko-KR" dirty="0"/>
+              <a:t>Code -&gt; URI </a:t>
+            </a:r>
+            <a:r>
+              <a:rPr lang="ko-KR" altLang="en-US" dirty="0"/>
+              <a:t>복사</a:t>
+            </a:r>
+          </a:p>
+          <a:p>
+            <a:endParaRPr lang="ko-KR" altLang="en-US" dirty="0"/>
+          </a:p>
+        </p:txBody>
+      </p:sp>
+      <p:sp>
+        <p:nvSpPr>
+          <p:cNvPr id="4" name="슬라이드 번호 개체 틀 3"/>
+          <p:cNvSpPr>
+            <a:spLocks noGrp="1"/>
+          </p:cNvSpPr>
+          <p:nvPr>
+            <p:ph type="sldNum" sz="quarter" idx="5"/>
+          </p:nvPr>
+        </p:nvSpPr>
+        <p:spPr/>
+        <p:txBody>
+          <a:bodyPr/>
+          <a:lstStyle/>
+          <a:p>
+            <a:fld id="{96BCD374-3550-491A-9011-331780053567}" type="slidenum">
+              <a:rPr lang="ko-KR" altLang="en-US" smtClean="0"/>
+              <a:t>19</a:t>
+            </a:fld>
+            <a:endParaRPr lang="ko-KR" altLang="en-US"/>
+          </a:p>
+        </p:txBody>
+      </p:sp>
+    </p:spTree>
+    <p:extLst>
+      <p:ext uri="{BB962C8B-B14F-4D97-AF65-F5344CB8AC3E}">
+        <p14:creationId xmlns:p14="http://schemas.microsoft.com/office/powerpoint/2010/main" val="1940974513"/>
+      </p:ext>
+    </p:extLst>
+  </p:cSld>
+  <p:clrMapOvr>
+    <a:masterClrMapping/>
+  </p:clrMapOvr>
+</p:notes>
+</file>
+
+<file path=ppt/notesSlides/notesSlide17.xml><?xml version="1.0" encoding="utf-8"?>
+<p:notes xmlns:a="http://schemas.openxmlformats.org/drawingml/2006/main" xmlns:r="http://schemas.openxmlformats.org/officeDocument/2006/relationships" xmlns:p="http://schemas.openxmlformats.org/presentationml/2006/main">
+  <p:cSld>
+    <p:spTree>
+      <p:nvGrpSpPr>
+        <p:cNvPr id="1" name=""/>
+        <p:cNvGrpSpPr/>
+        <p:nvPr/>
+      </p:nvGrpSpPr>
+      <p:grpSpPr>
+        <a:xfrm>
+          <a:off x="0" y="0"/>
+          <a:ext cx="0" cy="0"/>
+          <a:chOff x="0" y="0"/>
+          <a:chExt cx="0" cy="0"/>
+        </a:xfrm>
+      </p:grpSpPr>
+      <p:sp>
+        <p:nvSpPr>
+          <p:cNvPr id="2" name="슬라이드 이미지 개체 틀 1"/>
+          <p:cNvSpPr>
+            <a:spLocks noGrp="1" noRot="1" noChangeAspect="1"/>
+          </p:cNvSpPr>
+          <p:nvPr>
+            <p:ph type="sldImg"/>
+          </p:nvPr>
+        </p:nvSpPr>
+        <p:spPr/>
+      </p:sp>
+      <p:sp>
+        <p:nvSpPr>
+          <p:cNvPr id="3" name="슬라이드 노트 개체 틀 2"/>
+          <p:cNvSpPr>
+            <a:spLocks noGrp="1"/>
+          </p:cNvSpPr>
+          <p:nvPr>
+            <p:ph type="body" idx="1"/>
+          </p:nvPr>
+        </p:nvSpPr>
+        <p:spPr/>
+        <p:txBody>
+          <a:bodyPr/>
+          <a:lstStyle/>
+          <a:p>
+            <a:endParaRPr lang="ko-KR" altLang="en-US" dirty="0"/>
+          </a:p>
+        </p:txBody>
+      </p:sp>
+      <p:sp>
+        <p:nvSpPr>
+          <p:cNvPr id="4" name="슬라이드 번호 개체 틀 3"/>
+          <p:cNvSpPr>
+            <a:spLocks noGrp="1"/>
+          </p:cNvSpPr>
+          <p:nvPr>
+            <p:ph type="sldNum" sz="quarter" idx="5"/>
+          </p:nvPr>
+        </p:nvSpPr>
+        <p:spPr/>
+        <p:txBody>
+          <a:bodyPr/>
+          <a:lstStyle/>
+          <a:p>
+            <a:fld id="{96BCD374-3550-491A-9011-331780053567}" type="slidenum">
+              <a:rPr lang="ko-KR" altLang="en-US" smtClean="0"/>
+              <a:t>20</a:t>
+            </a:fld>
+            <a:endParaRPr lang="ko-KR" altLang="en-US"/>
+          </a:p>
+        </p:txBody>
+      </p:sp>
+    </p:spTree>
+    <p:extLst>
+      <p:ext uri="{BB962C8B-B14F-4D97-AF65-F5344CB8AC3E}">
+        <p14:creationId xmlns:p14="http://schemas.microsoft.com/office/powerpoint/2010/main" val="455931981"/>
+      </p:ext>
+    </p:extLst>
+  </p:cSld>
+  <p:clrMapOvr>
+    <a:masterClrMapping/>
+  </p:clrMapOvr>
+</p:notes>
+</file>
+
+<file path=ppt/notesSlides/notesSlide18.xml><?xml version="1.0" encoding="utf-8"?>
+<p:notes xmlns:a="http://schemas.openxmlformats.org/drawingml/2006/main" xmlns:r="http://schemas.openxmlformats.org/officeDocument/2006/relationships" xmlns:p="http://schemas.openxmlformats.org/presentationml/2006/main">
+  <p:cSld>
+    <p:spTree>
+      <p:nvGrpSpPr>
+        <p:cNvPr id="1" name=""/>
+        <p:cNvGrpSpPr/>
+        <p:nvPr/>
+      </p:nvGrpSpPr>
+      <p:grpSpPr>
+        <a:xfrm>
+          <a:off x="0" y="0"/>
+          <a:ext cx="0" cy="0"/>
+          <a:chOff x="0" y="0"/>
+          <a:chExt cx="0" cy="0"/>
+        </a:xfrm>
+      </p:grpSpPr>
+      <p:sp>
+        <p:nvSpPr>
+          <p:cNvPr id="2" name="슬라이드 이미지 개체 틀 1"/>
+          <p:cNvSpPr>
+            <a:spLocks noGrp="1" noRot="1" noChangeAspect="1"/>
+          </p:cNvSpPr>
+          <p:nvPr>
+            <p:ph type="sldImg"/>
+          </p:nvPr>
+        </p:nvSpPr>
+        <p:spPr/>
+      </p:sp>
+      <p:sp>
+        <p:nvSpPr>
+          <p:cNvPr id="3" name="슬라이드 노트 개체 틀 2"/>
+          <p:cNvSpPr>
+            <a:spLocks noGrp="1"/>
+          </p:cNvSpPr>
+          <p:nvPr>
+            <p:ph type="body" idx="1"/>
+          </p:nvPr>
+        </p:nvSpPr>
+        <p:spPr/>
+        <p:txBody>
+          <a:bodyPr/>
+          <a:lstStyle/>
+          <a:p>
+            <a:endParaRPr lang="ko-KR" altLang="en-US" dirty="0"/>
+          </a:p>
+        </p:txBody>
+      </p:sp>
+      <p:sp>
+        <p:nvSpPr>
+          <p:cNvPr id="4" name="슬라이드 번호 개체 틀 3"/>
+          <p:cNvSpPr>
+            <a:spLocks noGrp="1"/>
+          </p:cNvSpPr>
+          <p:nvPr>
+            <p:ph type="sldNum" sz="quarter" idx="5"/>
+          </p:nvPr>
+        </p:nvSpPr>
+        <p:spPr/>
+        <p:txBody>
+          <a:bodyPr/>
+          <a:lstStyle/>
+          <a:p>
+            <a:fld id="{96BCD374-3550-491A-9011-331780053567}" type="slidenum">
+              <a:rPr lang="ko-KR" altLang="en-US" smtClean="0"/>
+              <a:t>21</a:t>
+            </a:fld>
+            <a:endParaRPr lang="ko-KR" altLang="en-US"/>
+          </a:p>
+        </p:txBody>
+      </p:sp>
+    </p:spTree>
+    <p:extLst>
+      <p:ext uri="{BB962C8B-B14F-4D97-AF65-F5344CB8AC3E}">
+        <p14:creationId xmlns:p14="http://schemas.microsoft.com/office/powerpoint/2010/main" val="1704475822"/>
+      </p:ext>
+    </p:extLst>
+  </p:cSld>
+  <p:clrMapOvr>
+    <a:masterClrMapping/>
+  </p:clrMapOvr>
+</p:notes>
+</file>
+
+<file path=ppt/notesSlides/notesSlide19.xml><?xml version="1.0" encoding="utf-8"?>
+<p:notes xmlns:a="http://schemas.openxmlformats.org/drawingml/2006/main" xmlns:r="http://schemas.openxmlformats.org/officeDocument/2006/relationships" xmlns:p="http://schemas.openxmlformats.org/presentationml/2006/main">
+  <p:cSld>
+    <p:spTree>
+      <p:nvGrpSpPr>
+        <p:cNvPr id="1" name=""/>
+        <p:cNvGrpSpPr/>
+        <p:nvPr/>
+      </p:nvGrpSpPr>
+      <p:grpSpPr>
+        <a:xfrm>
+          <a:off x="0" y="0"/>
+          <a:ext cx="0" cy="0"/>
+          <a:chOff x="0" y="0"/>
+          <a:chExt cx="0" cy="0"/>
+        </a:xfrm>
+      </p:grpSpPr>
+      <p:sp>
+        <p:nvSpPr>
+          <p:cNvPr id="2" name="슬라이드 이미지 개체 틀 1"/>
+          <p:cNvSpPr>
+            <a:spLocks noGrp="1" noRot="1" noChangeAspect="1"/>
+          </p:cNvSpPr>
+          <p:nvPr>
+            <p:ph type="sldImg"/>
+          </p:nvPr>
+        </p:nvSpPr>
+        <p:spPr/>
+      </p:sp>
+      <p:sp>
+        <p:nvSpPr>
+          <p:cNvPr id="3" name="슬라이드 노트 개체 틀 2"/>
+          <p:cNvSpPr>
+            <a:spLocks noGrp="1"/>
+          </p:cNvSpPr>
+          <p:nvPr>
+            <p:ph type="body" idx="1"/>
+          </p:nvPr>
+        </p:nvSpPr>
+        <p:spPr/>
+        <p:txBody>
+          <a:bodyPr/>
+          <a:lstStyle/>
+          <a:p>
+            <a:endParaRPr lang="ko-KR" altLang="en-US" dirty="0"/>
+          </a:p>
+        </p:txBody>
+      </p:sp>
+      <p:sp>
+        <p:nvSpPr>
+          <p:cNvPr id="4" name="슬라이드 번호 개체 틀 3"/>
+          <p:cNvSpPr>
+            <a:spLocks noGrp="1"/>
+          </p:cNvSpPr>
+          <p:nvPr>
+            <p:ph type="sldNum" sz="quarter" idx="5"/>
+          </p:nvPr>
+        </p:nvSpPr>
+        <p:spPr/>
+        <p:txBody>
+          <a:bodyPr/>
+          <a:lstStyle/>
+          <a:p>
+            <a:fld id="{96BCD374-3550-491A-9011-331780053567}" type="slidenum">
+              <a:rPr lang="ko-KR" altLang="en-US" smtClean="0"/>
+              <a:t>22</a:t>
+            </a:fld>
+            <a:endParaRPr lang="ko-KR" altLang="en-US"/>
+          </a:p>
+        </p:txBody>
+      </p:sp>
+    </p:spTree>
+    <p:extLst>
+      <p:ext uri="{BB962C8B-B14F-4D97-AF65-F5344CB8AC3E}">
+        <p14:creationId xmlns:p14="http://schemas.microsoft.com/office/powerpoint/2010/main" val="2556817609"/>
       </p:ext>
     </p:extLst>
   </p:cSld>
@@ -1132,7 +1507,7 @@
           <a:p>
             <a:fld id="{96BCD374-3550-491A-9011-331780053567}" type="slidenum">
               <a:rPr lang="ko-KR" altLang="en-US" smtClean="0"/>
-              <a:t>2</a:t>
+              <a:t>3</a:t>
             </a:fld>
             <a:endParaRPr lang="ko-KR" altLang="en-US"/>
           </a:p>
@@ -1142,6 +1517,510 @@
     <p:extLst>
       <p:ext uri="{BB962C8B-B14F-4D97-AF65-F5344CB8AC3E}">
         <p14:creationId xmlns:p14="http://schemas.microsoft.com/office/powerpoint/2010/main" val="3811758787"/>
+      </p:ext>
+    </p:extLst>
+  </p:cSld>
+  <p:clrMapOvr>
+    <a:masterClrMapping/>
+  </p:clrMapOvr>
+</p:notes>
+</file>
+
+<file path=ppt/notesSlides/notesSlide20.xml><?xml version="1.0" encoding="utf-8"?>
+<p:notes xmlns:a="http://schemas.openxmlformats.org/drawingml/2006/main" xmlns:r="http://schemas.openxmlformats.org/officeDocument/2006/relationships" xmlns:p="http://schemas.openxmlformats.org/presentationml/2006/main">
+  <p:cSld>
+    <p:spTree>
+      <p:nvGrpSpPr>
+        <p:cNvPr id="1" name=""/>
+        <p:cNvGrpSpPr/>
+        <p:nvPr/>
+      </p:nvGrpSpPr>
+      <p:grpSpPr>
+        <a:xfrm>
+          <a:off x="0" y="0"/>
+          <a:ext cx="0" cy="0"/>
+          <a:chOff x="0" y="0"/>
+          <a:chExt cx="0" cy="0"/>
+        </a:xfrm>
+      </p:grpSpPr>
+      <p:sp>
+        <p:nvSpPr>
+          <p:cNvPr id="2" name="슬라이드 이미지 개체 틀 1"/>
+          <p:cNvSpPr>
+            <a:spLocks noGrp="1" noRot="1" noChangeAspect="1"/>
+          </p:cNvSpPr>
+          <p:nvPr>
+            <p:ph type="sldImg"/>
+          </p:nvPr>
+        </p:nvSpPr>
+        <p:spPr/>
+      </p:sp>
+      <p:sp>
+        <p:nvSpPr>
+          <p:cNvPr id="3" name="슬라이드 노트 개체 틀 2"/>
+          <p:cNvSpPr>
+            <a:spLocks noGrp="1"/>
+          </p:cNvSpPr>
+          <p:nvPr>
+            <p:ph type="body" idx="1"/>
+          </p:nvPr>
+        </p:nvSpPr>
+        <p:spPr/>
+        <p:txBody>
+          <a:bodyPr/>
+          <a:lstStyle/>
+          <a:p>
+            <a:endParaRPr lang="ko-KR" altLang="en-US" dirty="0"/>
+          </a:p>
+        </p:txBody>
+      </p:sp>
+      <p:sp>
+        <p:nvSpPr>
+          <p:cNvPr id="4" name="슬라이드 번호 개체 틀 3"/>
+          <p:cNvSpPr>
+            <a:spLocks noGrp="1"/>
+          </p:cNvSpPr>
+          <p:nvPr>
+            <p:ph type="sldNum" sz="quarter" idx="5"/>
+          </p:nvPr>
+        </p:nvSpPr>
+        <p:spPr/>
+        <p:txBody>
+          <a:bodyPr/>
+          <a:lstStyle/>
+          <a:p>
+            <a:fld id="{96BCD374-3550-491A-9011-331780053567}" type="slidenum">
+              <a:rPr lang="ko-KR" altLang="en-US" smtClean="0"/>
+              <a:t>23</a:t>
+            </a:fld>
+            <a:endParaRPr lang="ko-KR" altLang="en-US"/>
+          </a:p>
+        </p:txBody>
+      </p:sp>
+    </p:spTree>
+    <p:extLst>
+      <p:ext uri="{BB962C8B-B14F-4D97-AF65-F5344CB8AC3E}">
+        <p14:creationId xmlns:p14="http://schemas.microsoft.com/office/powerpoint/2010/main" val="2421167859"/>
+      </p:ext>
+    </p:extLst>
+  </p:cSld>
+  <p:clrMapOvr>
+    <a:masterClrMapping/>
+  </p:clrMapOvr>
+</p:notes>
+</file>
+
+<file path=ppt/notesSlides/notesSlide21.xml><?xml version="1.0" encoding="utf-8"?>
+<p:notes xmlns:a="http://schemas.openxmlformats.org/drawingml/2006/main" xmlns:r="http://schemas.openxmlformats.org/officeDocument/2006/relationships" xmlns:p="http://schemas.openxmlformats.org/presentationml/2006/main">
+  <p:cSld>
+    <p:spTree>
+      <p:nvGrpSpPr>
+        <p:cNvPr id="1" name=""/>
+        <p:cNvGrpSpPr/>
+        <p:nvPr/>
+      </p:nvGrpSpPr>
+      <p:grpSpPr>
+        <a:xfrm>
+          <a:off x="0" y="0"/>
+          <a:ext cx="0" cy="0"/>
+          <a:chOff x="0" y="0"/>
+          <a:chExt cx="0" cy="0"/>
+        </a:xfrm>
+      </p:grpSpPr>
+      <p:sp>
+        <p:nvSpPr>
+          <p:cNvPr id="2" name="슬라이드 이미지 개체 틀 1"/>
+          <p:cNvSpPr>
+            <a:spLocks noGrp="1" noRot="1" noChangeAspect="1"/>
+          </p:cNvSpPr>
+          <p:nvPr>
+            <p:ph type="sldImg"/>
+          </p:nvPr>
+        </p:nvSpPr>
+        <p:spPr/>
+      </p:sp>
+      <p:sp>
+        <p:nvSpPr>
+          <p:cNvPr id="3" name="슬라이드 노트 개체 틀 2"/>
+          <p:cNvSpPr>
+            <a:spLocks noGrp="1"/>
+          </p:cNvSpPr>
+          <p:nvPr>
+            <p:ph type="body" idx="1"/>
+          </p:nvPr>
+        </p:nvSpPr>
+        <p:spPr/>
+        <p:txBody>
+          <a:bodyPr/>
+          <a:lstStyle/>
+          <a:p>
+            <a:endParaRPr lang="ko-KR" altLang="en-US" dirty="0"/>
+          </a:p>
+        </p:txBody>
+      </p:sp>
+      <p:sp>
+        <p:nvSpPr>
+          <p:cNvPr id="4" name="슬라이드 번호 개체 틀 3"/>
+          <p:cNvSpPr>
+            <a:spLocks noGrp="1"/>
+          </p:cNvSpPr>
+          <p:nvPr>
+            <p:ph type="sldNum" sz="quarter" idx="5"/>
+          </p:nvPr>
+        </p:nvSpPr>
+        <p:spPr/>
+        <p:txBody>
+          <a:bodyPr/>
+          <a:lstStyle/>
+          <a:p>
+            <a:fld id="{96BCD374-3550-491A-9011-331780053567}" type="slidenum">
+              <a:rPr lang="ko-KR" altLang="en-US" smtClean="0"/>
+              <a:t>24</a:t>
+            </a:fld>
+            <a:endParaRPr lang="ko-KR" altLang="en-US"/>
+          </a:p>
+        </p:txBody>
+      </p:sp>
+    </p:spTree>
+    <p:extLst>
+      <p:ext uri="{BB962C8B-B14F-4D97-AF65-F5344CB8AC3E}">
+        <p14:creationId xmlns:p14="http://schemas.microsoft.com/office/powerpoint/2010/main" val="2308661167"/>
+      </p:ext>
+    </p:extLst>
+  </p:cSld>
+  <p:clrMapOvr>
+    <a:masterClrMapping/>
+  </p:clrMapOvr>
+</p:notes>
+</file>
+
+<file path=ppt/notesSlides/notesSlide22.xml><?xml version="1.0" encoding="utf-8"?>
+<p:notes xmlns:a="http://schemas.openxmlformats.org/drawingml/2006/main" xmlns:r="http://schemas.openxmlformats.org/officeDocument/2006/relationships" xmlns:p="http://schemas.openxmlformats.org/presentationml/2006/main">
+  <p:cSld>
+    <p:spTree>
+      <p:nvGrpSpPr>
+        <p:cNvPr id="1" name=""/>
+        <p:cNvGrpSpPr/>
+        <p:nvPr/>
+      </p:nvGrpSpPr>
+      <p:grpSpPr>
+        <a:xfrm>
+          <a:off x="0" y="0"/>
+          <a:ext cx="0" cy="0"/>
+          <a:chOff x="0" y="0"/>
+          <a:chExt cx="0" cy="0"/>
+        </a:xfrm>
+      </p:grpSpPr>
+      <p:sp>
+        <p:nvSpPr>
+          <p:cNvPr id="2" name="슬라이드 이미지 개체 틀 1"/>
+          <p:cNvSpPr>
+            <a:spLocks noGrp="1" noRot="1" noChangeAspect="1"/>
+          </p:cNvSpPr>
+          <p:nvPr>
+            <p:ph type="sldImg"/>
+          </p:nvPr>
+        </p:nvSpPr>
+        <p:spPr/>
+      </p:sp>
+      <p:sp>
+        <p:nvSpPr>
+          <p:cNvPr id="3" name="슬라이드 노트 개체 틀 2"/>
+          <p:cNvSpPr>
+            <a:spLocks noGrp="1"/>
+          </p:cNvSpPr>
+          <p:nvPr>
+            <p:ph type="body" idx="1"/>
+          </p:nvPr>
+        </p:nvSpPr>
+        <p:spPr/>
+        <p:txBody>
+          <a:bodyPr/>
+          <a:lstStyle/>
+          <a:p>
+            <a:endParaRPr lang="ko-KR" altLang="en-US" dirty="0"/>
+          </a:p>
+        </p:txBody>
+      </p:sp>
+      <p:sp>
+        <p:nvSpPr>
+          <p:cNvPr id="4" name="슬라이드 번호 개체 틀 3"/>
+          <p:cNvSpPr>
+            <a:spLocks noGrp="1"/>
+          </p:cNvSpPr>
+          <p:nvPr>
+            <p:ph type="sldNum" sz="quarter" idx="5"/>
+          </p:nvPr>
+        </p:nvSpPr>
+        <p:spPr/>
+        <p:txBody>
+          <a:bodyPr/>
+          <a:lstStyle/>
+          <a:p>
+            <a:fld id="{96BCD374-3550-491A-9011-331780053567}" type="slidenum">
+              <a:rPr lang="ko-KR" altLang="en-US" smtClean="0"/>
+              <a:t>25</a:t>
+            </a:fld>
+            <a:endParaRPr lang="ko-KR" altLang="en-US"/>
+          </a:p>
+        </p:txBody>
+      </p:sp>
+    </p:spTree>
+    <p:extLst>
+      <p:ext uri="{BB962C8B-B14F-4D97-AF65-F5344CB8AC3E}">
+        <p14:creationId xmlns:p14="http://schemas.microsoft.com/office/powerpoint/2010/main" val="1370230365"/>
+      </p:ext>
+    </p:extLst>
+  </p:cSld>
+  <p:clrMapOvr>
+    <a:masterClrMapping/>
+  </p:clrMapOvr>
+</p:notes>
+</file>
+
+<file path=ppt/notesSlides/notesSlide23.xml><?xml version="1.0" encoding="utf-8"?>
+<p:notes xmlns:a="http://schemas.openxmlformats.org/drawingml/2006/main" xmlns:r="http://schemas.openxmlformats.org/officeDocument/2006/relationships" xmlns:p="http://schemas.openxmlformats.org/presentationml/2006/main">
+  <p:cSld>
+    <p:spTree>
+      <p:nvGrpSpPr>
+        <p:cNvPr id="1" name=""/>
+        <p:cNvGrpSpPr/>
+        <p:nvPr/>
+      </p:nvGrpSpPr>
+      <p:grpSpPr>
+        <a:xfrm>
+          <a:off x="0" y="0"/>
+          <a:ext cx="0" cy="0"/>
+          <a:chOff x="0" y="0"/>
+          <a:chExt cx="0" cy="0"/>
+        </a:xfrm>
+      </p:grpSpPr>
+      <p:sp>
+        <p:nvSpPr>
+          <p:cNvPr id="2" name="슬라이드 이미지 개체 틀 1"/>
+          <p:cNvSpPr>
+            <a:spLocks noGrp="1" noRot="1" noChangeAspect="1"/>
+          </p:cNvSpPr>
+          <p:nvPr>
+            <p:ph type="sldImg"/>
+          </p:nvPr>
+        </p:nvSpPr>
+        <p:spPr/>
+      </p:sp>
+      <p:sp>
+        <p:nvSpPr>
+          <p:cNvPr id="3" name="슬라이드 노트 개체 틀 2"/>
+          <p:cNvSpPr>
+            <a:spLocks noGrp="1"/>
+          </p:cNvSpPr>
+          <p:nvPr>
+            <p:ph type="body" idx="1"/>
+          </p:nvPr>
+        </p:nvSpPr>
+        <p:spPr/>
+        <p:txBody>
+          <a:bodyPr/>
+          <a:lstStyle/>
+          <a:p>
+            <a:endParaRPr lang="ko-KR" altLang="en-US" dirty="0"/>
+          </a:p>
+        </p:txBody>
+      </p:sp>
+      <p:sp>
+        <p:nvSpPr>
+          <p:cNvPr id="4" name="슬라이드 번호 개체 틀 3"/>
+          <p:cNvSpPr>
+            <a:spLocks noGrp="1"/>
+          </p:cNvSpPr>
+          <p:nvPr>
+            <p:ph type="sldNum" sz="quarter" idx="5"/>
+          </p:nvPr>
+        </p:nvSpPr>
+        <p:spPr/>
+        <p:txBody>
+          <a:bodyPr/>
+          <a:lstStyle/>
+          <a:p>
+            <a:fld id="{96BCD374-3550-491A-9011-331780053567}" type="slidenum">
+              <a:rPr lang="ko-KR" altLang="en-US" smtClean="0"/>
+              <a:t>26</a:t>
+            </a:fld>
+            <a:endParaRPr lang="ko-KR" altLang="en-US"/>
+          </a:p>
+        </p:txBody>
+      </p:sp>
+    </p:spTree>
+    <p:extLst>
+      <p:ext uri="{BB962C8B-B14F-4D97-AF65-F5344CB8AC3E}">
+        <p14:creationId xmlns:p14="http://schemas.microsoft.com/office/powerpoint/2010/main" val="864862858"/>
+      </p:ext>
+    </p:extLst>
+  </p:cSld>
+  <p:clrMapOvr>
+    <a:masterClrMapping/>
+  </p:clrMapOvr>
+</p:notes>
+</file>
+
+<file path=ppt/notesSlides/notesSlide24.xml><?xml version="1.0" encoding="utf-8"?>
+<p:notes xmlns:a="http://schemas.openxmlformats.org/drawingml/2006/main" xmlns:r="http://schemas.openxmlformats.org/officeDocument/2006/relationships" xmlns:p="http://schemas.openxmlformats.org/presentationml/2006/main">
+  <p:cSld>
+    <p:spTree>
+      <p:nvGrpSpPr>
+        <p:cNvPr id="1" name=""/>
+        <p:cNvGrpSpPr/>
+        <p:nvPr/>
+      </p:nvGrpSpPr>
+      <p:grpSpPr>
+        <a:xfrm>
+          <a:off x="0" y="0"/>
+          <a:ext cx="0" cy="0"/>
+          <a:chOff x="0" y="0"/>
+          <a:chExt cx="0" cy="0"/>
+        </a:xfrm>
+      </p:grpSpPr>
+      <p:sp>
+        <p:nvSpPr>
+          <p:cNvPr id="2" name="슬라이드 이미지 개체 틀 1"/>
+          <p:cNvSpPr>
+            <a:spLocks noGrp="1" noRot="1" noChangeAspect="1"/>
+          </p:cNvSpPr>
+          <p:nvPr>
+            <p:ph type="sldImg"/>
+          </p:nvPr>
+        </p:nvSpPr>
+        <p:spPr/>
+      </p:sp>
+      <p:sp>
+        <p:nvSpPr>
+          <p:cNvPr id="3" name="슬라이드 노트 개체 틀 2"/>
+          <p:cNvSpPr>
+            <a:spLocks noGrp="1"/>
+          </p:cNvSpPr>
+          <p:nvPr>
+            <p:ph type="body" idx="1"/>
+          </p:nvPr>
+        </p:nvSpPr>
+        <p:spPr/>
+        <p:txBody>
+          <a:bodyPr/>
+          <a:lstStyle/>
+          <a:p>
+            <a:endParaRPr lang="ko-KR" altLang="en-US" dirty="0"/>
+          </a:p>
+        </p:txBody>
+      </p:sp>
+      <p:sp>
+        <p:nvSpPr>
+          <p:cNvPr id="4" name="슬라이드 번호 개체 틀 3"/>
+          <p:cNvSpPr>
+            <a:spLocks noGrp="1"/>
+          </p:cNvSpPr>
+          <p:nvPr>
+            <p:ph type="sldNum" sz="quarter" idx="5"/>
+          </p:nvPr>
+        </p:nvSpPr>
+        <p:spPr/>
+        <p:txBody>
+          <a:bodyPr/>
+          <a:lstStyle/>
+          <a:p>
+            <a:fld id="{96BCD374-3550-491A-9011-331780053567}" type="slidenum">
+              <a:rPr lang="ko-KR" altLang="en-US" smtClean="0"/>
+              <a:t>27</a:t>
+            </a:fld>
+            <a:endParaRPr lang="ko-KR" altLang="en-US"/>
+          </a:p>
+        </p:txBody>
+      </p:sp>
+    </p:spTree>
+    <p:extLst>
+      <p:ext uri="{BB962C8B-B14F-4D97-AF65-F5344CB8AC3E}">
+        <p14:creationId xmlns:p14="http://schemas.microsoft.com/office/powerpoint/2010/main" val="4043960555"/>
+      </p:ext>
+    </p:extLst>
+  </p:cSld>
+  <p:clrMapOvr>
+    <a:masterClrMapping/>
+  </p:clrMapOvr>
+</p:notes>
+</file>
+
+<file path=ppt/notesSlides/notesSlide25.xml><?xml version="1.0" encoding="utf-8"?>
+<p:notes xmlns:a="http://schemas.openxmlformats.org/drawingml/2006/main" xmlns:r="http://schemas.openxmlformats.org/officeDocument/2006/relationships" xmlns:p="http://schemas.openxmlformats.org/presentationml/2006/main">
+  <p:cSld>
+    <p:spTree>
+      <p:nvGrpSpPr>
+        <p:cNvPr id="1" name=""/>
+        <p:cNvGrpSpPr/>
+        <p:nvPr/>
+      </p:nvGrpSpPr>
+      <p:grpSpPr>
+        <a:xfrm>
+          <a:off x="0" y="0"/>
+          <a:ext cx="0" cy="0"/>
+          <a:chOff x="0" y="0"/>
+          <a:chExt cx="0" cy="0"/>
+        </a:xfrm>
+      </p:grpSpPr>
+      <p:sp>
+        <p:nvSpPr>
+          <p:cNvPr id="2" name="슬라이드 이미지 개체 틀 1"/>
+          <p:cNvSpPr>
+            <a:spLocks noGrp="1" noRot="1" noChangeAspect="1"/>
+          </p:cNvSpPr>
+          <p:nvPr>
+            <p:ph type="sldImg"/>
+          </p:nvPr>
+        </p:nvSpPr>
+        <p:spPr/>
+      </p:sp>
+      <p:sp>
+        <p:nvSpPr>
+          <p:cNvPr id="3" name="슬라이드 노트 개체 틀 2"/>
+          <p:cNvSpPr>
+            <a:spLocks noGrp="1"/>
+          </p:cNvSpPr>
+          <p:nvPr>
+            <p:ph type="body" idx="1"/>
+          </p:nvPr>
+        </p:nvSpPr>
+        <p:spPr/>
+        <p:txBody>
+          <a:bodyPr/>
+          <a:lstStyle/>
+          <a:p>
+            <a:endParaRPr lang="ko-KR" altLang="en-US" dirty="0"/>
+          </a:p>
+        </p:txBody>
+      </p:sp>
+      <p:sp>
+        <p:nvSpPr>
+          <p:cNvPr id="4" name="슬라이드 번호 개체 틀 3"/>
+          <p:cNvSpPr>
+            <a:spLocks noGrp="1"/>
+          </p:cNvSpPr>
+          <p:nvPr>
+            <p:ph type="sldNum" sz="quarter" idx="5"/>
+          </p:nvPr>
+        </p:nvSpPr>
+        <p:spPr/>
+        <p:txBody>
+          <a:bodyPr/>
+          <a:lstStyle/>
+          <a:p>
+            <a:fld id="{96BCD374-3550-491A-9011-331780053567}" type="slidenum">
+              <a:rPr lang="ko-KR" altLang="en-US" smtClean="0"/>
+              <a:t>28</a:t>
+            </a:fld>
+            <a:endParaRPr lang="ko-KR" altLang="en-US"/>
+          </a:p>
+        </p:txBody>
+      </p:sp>
+    </p:spTree>
+    <p:extLst>
+      <p:ext uri="{BB962C8B-B14F-4D97-AF65-F5344CB8AC3E}">
+        <p14:creationId xmlns:p14="http://schemas.microsoft.com/office/powerpoint/2010/main" val="3424456999"/>
       </p:ext>
     </p:extLst>
   </p:cSld>
@@ -1216,7 +2095,7 @@
           <a:p>
             <a:fld id="{96BCD374-3550-491A-9011-331780053567}" type="slidenum">
               <a:rPr lang="ko-KR" altLang="en-US" smtClean="0"/>
-              <a:t>3</a:t>
+              <a:t>4</a:t>
             </a:fld>
             <a:endParaRPr lang="ko-KR" altLang="en-US"/>
           </a:p>
@@ -1300,7 +2179,7 @@
           <a:p>
             <a:fld id="{96BCD374-3550-491A-9011-331780053567}" type="slidenum">
               <a:rPr lang="ko-KR" altLang="en-US" smtClean="0"/>
-              <a:t>4</a:t>
+              <a:t>5</a:t>
             </a:fld>
             <a:endParaRPr lang="ko-KR" altLang="en-US"/>
           </a:p>
@@ -1384,7 +2263,7 @@
           <a:p>
             <a:fld id="{96BCD374-3550-491A-9011-331780053567}" type="slidenum">
               <a:rPr lang="ko-KR" altLang="en-US" smtClean="0"/>
-              <a:t>5</a:t>
+              <a:t>6</a:t>
             </a:fld>
             <a:endParaRPr lang="ko-KR" altLang="en-US"/>
           </a:p>
@@ -1468,7 +2347,7 @@
           <a:p>
             <a:fld id="{96BCD374-3550-491A-9011-331780053567}" type="slidenum">
               <a:rPr lang="ko-KR" altLang="en-US" smtClean="0"/>
-              <a:t>6</a:t>
+              <a:t>7</a:t>
             </a:fld>
             <a:endParaRPr lang="ko-KR" altLang="en-US"/>
           </a:p>
@@ -1552,7 +2431,7 @@
           <a:p>
             <a:fld id="{96BCD374-3550-491A-9011-331780053567}" type="slidenum">
               <a:rPr lang="ko-KR" altLang="en-US" smtClean="0"/>
-              <a:t>7</a:t>
+              <a:t>8</a:t>
             </a:fld>
             <a:endParaRPr lang="ko-KR" altLang="en-US"/>
           </a:p>
@@ -1636,7 +2515,7 @@
           <a:p>
             <a:fld id="{96BCD374-3550-491A-9011-331780053567}" type="slidenum">
               <a:rPr lang="ko-KR" altLang="en-US" smtClean="0"/>
-              <a:t>8</a:t>
+              <a:t>9</a:t>
             </a:fld>
             <a:endParaRPr lang="ko-KR" altLang="en-US"/>
           </a:p>
@@ -1720,7 +2599,7 @@
           <a:p>
             <a:fld id="{96BCD374-3550-491A-9011-331780053567}" type="slidenum">
               <a:rPr lang="ko-KR" altLang="en-US" smtClean="0"/>
-              <a:t>9</a:t>
+              <a:t>10</a:t>
             </a:fld>
             <a:endParaRPr lang="ko-KR" altLang="en-US"/>
           </a:p>
@@ -1886,7 +2765,7 @@
           <a:p>
             <a:fld id="{90775BE1-9027-4D7F-92AC-3DE3C283D292}" type="datetimeFigureOut">
               <a:rPr lang="ko-KR" altLang="en-US" smtClean="0"/>
-              <a:t>2023-03-26</a:t>
+              <a:t>2023-05-15</a:t>
             </a:fld>
             <a:endParaRPr lang="ko-KR" altLang="en-US"/>
           </a:p>
@@ -2084,7 +2963,7 @@
           <a:p>
             <a:fld id="{90775BE1-9027-4D7F-92AC-3DE3C283D292}" type="datetimeFigureOut">
               <a:rPr lang="ko-KR" altLang="en-US" smtClean="0"/>
-              <a:t>2023-03-26</a:t>
+              <a:t>2023-05-15</a:t>
             </a:fld>
             <a:endParaRPr lang="ko-KR" altLang="en-US"/>
           </a:p>
@@ -2292,7 +3171,7 @@
           <a:p>
             <a:fld id="{90775BE1-9027-4D7F-92AC-3DE3C283D292}" type="datetimeFigureOut">
               <a:rPr lang="ko-KR" altLang="en-US" smtClean="0"/>
-              <a:t>2023-03-26</a:t>
+              <a:t>2023-05-15</a:t>
             </a:fld>
             <a:endParaRPr lang="ko-KR" altLang="en-US"/>
           </a:p>
@@ -2490,7 +3369,7 @@
           <a:p>
             <a:fld id="{90775BE1-9027-4D7F-92AC-3DE3C283D292}" type="datetimeFigureOut">
               <a:rPr lang="ko-KR" altLang="en-US" smtClean="0"/>
-              <a:t>2023-03-26</a:t>
+              <a:t>2023-05-15</a:t>
             </a:fld>
             <a:endParaRPr lang="ko-KR" altLang="en-US"/>
           </a:p>
@@ -2765,7 +3644,7 @@
           <a:p>
             <a:fld id="{90775BE1-9027-4D7F-92AC-3DE3C283D292}" type="datetimeFigureOut">
               <a:rPr lang="ko-KR" altLang="en-US" smtClean="0"/>
-              <a:t>2023-03-26</a:t>
+              <a:t>2023-05-15</a:t>
             </a:fld>
             <a:endParaRPr lang="ko-KR" altLang="en-US"/>
           </a:p>
@@ -3030,7 +3909,7 @@
           <a:p>
             <a:fld id="{90775BE1-9027-4D7F-92AC-3DE3C283D292}" type="datetimeFigureOut">
               <a:rPr lang="ko-KR" altLang="en-US" smtClean="0"/>
-              <a:t>2023-03-26</a:t>
+              <a:t>2023-05-15</a:t>
             </a:fld>
             <a:endParaRPr lang="ko-KR" altLang="en-US"/>
           </a:p>
@@ -3442,7 +4321,7 @@
           <a:p>
             <a:fld id="{90775BE1-9027-4D7F-92AC-3DE3C283D292}" type="datetimeFigureOut">
               <a:rPr lang="ko-KR" altLang="en-US" smtClean="0"/>
-              <a:t>2023-03-26</a:t>
+              <a:t>2023-05-15</a:t>
             </a:fld>
             <a:endParaRPr lang="ko-KR" altLang="en-US"/>
           </a:p>
@@ -3583,7 +4462,7 @@
           <a:p>
             <a:fld id="{90775BE1-9027-4D7F-92AC-3DE3C283D292}" type="datetimeFigureOut">
               <a:rPr lang="ko-KR" altLang="en-US" smtClean="0"/>
-              <a:t>2023-03-26</a:t>
+              <a:t>2023-05-15</a:t>
             </a:fld>
             <a:endParaRPr lang="ko-KR" altLang="en-US"/>
           </a:p>
@@ -3696,7 +4575,7 @@
           <a:p>
             <a:fld id="{90775BE1-9027-4D7F-92AC-3DE3C283D292}" type="datetimeFigureOut">
               <a:rPr lang="ko-KR" altLang="en-US" smtClean="0"/>
-              <a:t>2023-03-26</a:t>
+              <a:t>2023-05-15</a:t>
             </a:fld>
             <a:endParaRPr lang="ko-KR" altLang="en-US"/>
           </a:p>
@@ -4007,7 +4886,7 @@
           <a:p>
             <a:fld id="{90775BE1-9027-4D7F-92AC-3DE3C283D292}" type="datetimeFigureOut">
               <a:rPr lang="ko-KR" altLang="en-US" smtClean="0"/>
-              <a:t>2023-03-26</a:t>
+              <a:t>2023-05-15</a:t>
             </a:fld>
             <a:endParaRPr lang="ko-KR" altLang="en-US"/>
           </a:p>
@@ -4295,7 +5174,7 @@
           <a:p>
             <a:fld id="{90775BE1-9027-4D7F-92AC-3DE3C283D292}" type="datetimeFigureOut">
               <a:rPr lang="ko-KR" altLang="en-US" smtClean="0"/>
-              <a:t>2023-03-26</a:t>
+              <a:t>2023-05-15</a:t>
             </a:fld>
             <a:endParaRPr lang="ko-KR" altLang="en-US"/>
           </a:p>
@@ -4545,7 +5424,7 @@
           <a:p>
             <a:fld id="{90775BE1-9027-4D7F-92AC-3DE3C283D292}" type="datetimeFigureOut">
               <a:rPr lang="ko-KR" altLang="en-US" smtClean="0"/>
-              <a:t>2023-03-26</a:t>
+              <a:t>2023-05-15</a:t>
             </a:fld>
             <a:endParaRPr lang="ko-KR" altLang="en-US"/>
           </a:p>
@@ -4962,12 +5841,78 @@
           <a:chExt cx="0" cy="0"/>
         </a:xfrm>
       </p:grpSpPr>
+      <p:sp>
+        <p:nvSpPr>
+          <p:cNvPr id="2" name="제목 1">
+            <a:extLst>
+              <a:ext uri="{FF2B5EF4-FFF2-40B4-BE49-F238E27FC236}">
+                <a16:creationId xmlns:a16="http://schemas.microsoft.com/office/drawing/2014/main" id="{D943AC2E-BF90-4E1D-D9F2-1799C370D894}"/>
+              </a:ext>
+            </a:extLst>
+          </p:cNvPr>
+          <p:cNvSpPr>
+            <a:spLocks noGrp="1"/>
+          </p:cNvSpPr>
+          <p:nvPr>
+            <p:ph type="ctrTitle"/>
+          </p:nvPr>
+        </p:nvSpPr>
+        <p:spPr/>
+        <p:txBody>
+          <a:bodyPr/>
+          <a:lstStyle/>
+          <a:p>
+            <a:r>
+              <a:rPr lang="en-US" altLang="ko-KR" b="1" dirty="0">
+                <a:latin typeface="+mj-ea"/>
+              </a:rPr>
+              <a:t>GitHub - eclipse </a:t>
+            </a:r>
+            <a:r>
+              <a:rPr lang="ko-KR" altLang="en-US" b="1" dirty="0">
+                <a:latin typeface="+mj-ea"/>
+              </a:rPr>
+              <a:t>연동</a:t>
+            </a:r>
+          </a:p>
+        </p:txBody>
+      </p:sp>
+    </p:spTree>
+    <p:extLst>
+      <p:ext uri="{BB962C8B-B14F-4D97-AF65-F5344CB8AC3E}">
+        <p14:creationId xmlns:p14="http://schemas.microsoft.com/office/powerpoint/2010/main" val="2482489418"/>
+      </p:ext>
+    </p:extLst>
+  </p:cSld>
+  <p:clrMapOvr>
+    <a:masterClrMapping/>
+  </p:clrMapOvr>
+</p:sld>
+</file>
+
+<file path=ppt/slides/slide10.xml><?xml version="1.0" encoding="utf-8"?>
+<p:sld xmlns:a="http://schemas.openxmlformats.org/drawingml/2006/main" xmlns:r="http://schemas.openxmlformats.org/officeDocument/2006/relationships" xmlns:p="http://schemas.openxmlformats.org/presentationml/2006/main">
+  <p:cSld>
+    <p:spTree>
+      <p:nvGrpSpPr>
+        <p:cNvPr id="1" name=""/>
+        <p:cNvGrpSpPr/>
+        <p:nvPr/>
+      </p:nvGrpSpPr>
+      <p:grpSpPr>
+        <a:xfrm>
+          <a:off x="0" y="0"/>
+          <a:ext cx="0" cy="0"/>
+          <a:chOff x="0" y="0"/>
+          <a:chExt cx="0" cy="0"/>
+        </a:xfrm>
+      </p:grpSpPr>
       <p:pic>
         <p:nvPicPr>
-          <p:cNvPr id="6" name="그림 5">
-            <a:extLst>
-              <a:ext uri="{FF2B5EF4-FFF2-40B4-BE49-F238E27FC236}">
-                <a16:creationId xmlns:a16="http://schemas.microsoft.com/office/drawing/2014/main" id="{28BEB5C8-E4A4-37FF-A3A0-81F0BBDF4E7A}"/>
+          <p:cNvPr id="11" name="그림 10">
+            <a:extLst>
+              <a:ext uri="{FF2B5EF4-FFF2-40B4-BE49-F238E27FC236}">
+                <a16:creationId xmlns:a16="http://schemas.microsoft.com/office/drawing/2014/main" id="{A4FD75BA-4E13-4485-B844-4A6092DBE9F0}"/>
               </a:ext>
             </a:extLst>
           </p:cNvPr>
@@ -4984,17 +5929,12 @@
         </p:blipFill>
         <p:spPr>
           <a:xfrm>
-            <a:off x="1252424" y="1608208"/>
-            <a:ext cx="4347219" cy="2644055"/>
+            <a:off x="2342313" y="831274"/>
+            <a:ext cx="7507373" cy="5667768"/>
           </a:xfrm>
           <a:prstGeom prst="rect">
             <a:avLst/>
           </a:prstGeom>
-          <a:ln>
-            <a:solidFill>
-              <a:schemeClr val="tx1"/>
-            </a:solidFill>
-          </a:ln>
         </p:spPr>
       </p:pic>
       <p:sp>
@@ -5045,28 +5985,20 @@
           </a:lstStyle>
           <a:p>
             <a:r>
+              <a:rPr lang="ko-KR" altLang="en-US" b="1" dirty="0">
+                <a:solidFill>
+                  <a:srgbClr val="00153E"/>
+                </a:solidFill>
+              </a:rPr>
+              <a:t>이클립스 </a:t>
+            </a:r>
+            <a:r>
               <a:rPr lang="en-US" altLang="ko-KR" b="1" dirty="0">
                 <a:solidFill>
                   <a:srgbClr val="00153E"/>
                 </a:solidFill>
               </a:rPr>
-              <a:t>GitHub </a:t>
-            </a:r>
-            <a:r>
-              <a:rPr lang="ko-KR" altLang="en-US" b="1" dirty="0">
-                <a:solidFill>
-                  <a:srgbClr val="00153E"/>
-                </a:solidFill>
-              </a:rPr>
-              <a:t>토큰발행 </a:t>
-            </a:r>
-            <a:r>
-              <a:rPr lang="en-US" altLang="ko-KR" b="1" dirty="0">
-                <a:solidFill>
-                  <a:srgbClr val="00153E"/>
-                </a:solidFill>
-              </a:rPr>
-              <a:t>- 1</a:t>
+              <a:t>Share Project</a:t>
             </a:r>
             <a:endParaRPr lang="ko-KR" altLang="en-US" b="1" dirty="0">
               <a:solidFill>
@@ -5078,132 +6010,10 @@
       </p:sp>
       <p:sp>
         <p:nvSpPr>
-          <p:cNvPr id="11" name="TextBox 10">
-            <a:extLst>
-              <a:ext uri="{FF2B5EF4-FFF2-40B4-BE49-F238E27FC236}">
-                <a16:creationId xmlns:a16="http://schemas.microsoft.com/office/drawing/2014/main" id="{50CADB60-6EA3-9C85-B75F-02B7F5F5404E}"/>
-              </a:ext>
-            </a:extLst>
-          </p:cNvPr>
-          <p:cNvSpPr txBox="1"/>
-          <p:nvPr/>
-        </p:nvSpPr>
-        <p:spPr>
-          <a:xfrm>
-            <a:off x="1252424" y="4339770"/>
-            <a:ext cx="4347219" cy="369332"/>
-          </a:xfrm>
-          <a:prstGeom prst="rect">
-            <a:avLst/>
-          </a:prstGeom>
-          <a:noFill/>
-        </p:spPr>
-        <p:txBody>
-          <a:bodyPr wrap="square">
-            <a:spAutoFit/>
-          </a:bodyPr>
-          <a:lstStyle/>
-          <a:p>
-            <a:r>
-              <a:rPr lang="en-US" altLang="ko-KR" dirty="0">
-                <a:highlight>
-                  <a:srgbClr val="FFFF00"/>
-                </a:highlight>
-              </a:rPr>
-              <a:t>Settings</a:t>
-            </a:r>
-            <a:endParaRPr lang="ko-KR" altLang="en-US" dirty="0">
-              <a:highlight>
-                <a:srgbClr val="FFFF00"/>
-              </a:highlight>
-            </a:endParaRPr>
-          </a:p>
-        </p:txBody>
-      </p:sp>
-      <p:pic>
-        <p:nvPicPr>
-          <p:cNvPr id="13" name="그림 12">
-            <a:extLst>
-              <a:ext uri="{FF2B5EF4-FFF2-40B4-BE49-F238E27FC236}">
-                <a16:creationId xmlns:a16="http://schemas.microsoft.com/office/drawing/2014/main" id="{2107A158-416D-0C1E-AC46-F2E5ED3944D3}"/>
-              </a:ext>
-            </a:extLst>
-          </p:cNvPr>
-          <p:cNvPicPr>
-            <a:picLocks noChangeAspect="1"/>
-          </p:cNvPicPr>
-          <p:nvPr/>
-        </p:nvPicPr>
-        <p:blipFill rotWithShape="1">
-          <a:blip r:embed="rId4"/>
-          <a:srcRect l="943"/>
-          <a:stretch/>
-        </p:blipFill>
-        <p:spPr>
-          <a:xfrm>
-            <a:off x="6570275" y="1608208"/>
-            <a:ext cx="4457389" cy="3871161"/>
-          </a:xfrm>
-          <a:prstGeom prst="rect">
-            <a:avLst/>
-          </a:prstGeom>
-          <a:ln>
-            <a:solidFill>
-              <a:schemeClr val="tx1"/>
-            </a:solidFill>
-          </a:ln>
-        </p:spPr>
-      </p:pic>
-      <p:sp>
-        <p:nvSpPr>
-          <p:cNvPr id="14" name="TextBox 13">
-            <a:extLst>
-              <a:ext uri="{FF2B5EF4-FFF2-40B4-BE49-F238E27FC236}">
-                <a16:creationId xmlns:a16="http://schemas.microsoft.com/office/drawing/2014/main" id="{B08A4FC9-3D0D-40F8-D403-7E5FD5FCE762}"/>
-              </a:ext>
-            </a:extLst>
-          </p:cNvPr>
-          <p:cNvSpPr txBox="1"/>
-          <p:nvPr/>
-        </p:nvSpPr>
-        <p:spPr>
-          <a:xfrm>
-            <a:off x="6570275" y="5646764"/>
-            <a:ext cx="4457389" cy="369332"/>
-          </a:xfrm>
-          <a:prstGeom prst="rect">
-            <a:avLst/>
-          </a:prstGeom>
-          <a:noFill/>
-        </p:spPr>
-        <p:txBody>
-          <a:bodyPr wrap="square">
-            <a:spAutoFit/>
-          </a:bodyPr>
-          <a:lstStyle/>
-          <a:p>
-            <a:r>
-              <a:rPr lang="en-US" altLang="ko-KR" dirty="0">
-                <a:highlight>
-                  <a:srgbClr val="FFFF00"/>
-                </a:highlight>
-              </a:rPr>
-              <a:t>Developer settings</a:t>
-            </a:r>
-            <a:endParaRPr lang="ko-KR" altLang="en-US" dirty="0">
-              <a:highlight>
-                <a:srgbClr val="FFFF00"/>
-              </a:highlight>
-            </a:endParaRPr>
-          </a:p>
-        </p:txBody>
-      </p:sp>
-      <p:sp>
-        <p:nvSpPr>
-          <p:cNvPr id="15" name="직사각형 14">
-            <a:extLst>
-              <a:ext uri="{FF2B5EF4-FFF2-40B4-BE49-F238E27FC236}">
-                <a16:creationId xmlns:a16="http://schemas.microsoft.com/office/drawing/2014/main" id="{7709D30D-C669-79CC-55C1-3D3D3E12270D}"/>
+          <p:cNvPr id="6" name="직사각형 5">
+            <a:extLst>
+              <a:ext uri="{FF2B5EF4-FFF2-40B4-BE49-F238E27FC236}">
+                <a16:creationId xmlns:a16="http://schemas.microsoft.com/office/drawing/2014/main" id="{1AEB0DA1-D9CD-1CA0-6F33-8F74D654E61B}"/>
               </a:ext>
             </a:extLst>
           </p:cNvPr>
@@ -5212,8 +6022,8 @@
         </p:nvSpPr>
         <p:spPr>
           <a:xfrm>
-            <a:off x="4682836" y="3500582"/>
-            <a:ext cx="729674" cy="138545"/>
+            <a:off x="2580640" y="5557521"/>
+            <a:ext cx="2275840" cy="223520"/>
           </a:xfrm>
           <a:prstGeom prst="rect">
             <a:avLst/>
@@ -5246,16 +6056,86 @@
           <a:lstStyle/>
           <a:p>
             <a:pPr algn="ctr"/>
-            <a:endParaRPr lang="ko-KR" altLang="en-US"/>
-          </a:p>
-        </p:txBody>
-      </p:sp>
-      <p:sp>
-        <p:nvSpPr>
-          <p:cNvPr id="16" name="직사각형 15">
-            <a:extLst>
-              <a:ext uri="{FF2B5EF4-FFF2-40B4-BE49-F238E27FC236}">
-                <a16:creationId xmlns:a16="http://schemas.microsoft.com/office/drawing/2014/main" id="{43E02637-37E4-317E-0592-B5D8CC93C844}"/>
+            <a:endParaRPr lang="ko-KR" altLang="en-US" dirty="0"/>
+          </a:p>
+        </p:txBody>
+      </p:sp>
+      <p:sp>
+        <p:nvSpPr>
+          <p:cNvPr id="8" name="TextBox 7">
+            <a:extLst>
+              <a:ext uri="{FF2B5EF4-FFF2-40B4-BE49-F238E27FC236}">
+                <a16:creationId xmlns:a16="http://schemas.microsoft.com/office/drawing/2014/main" id="{675F65E3-F3DC-FEB0-2523-02567BE09DD5}"/>
+              </a:ext>
+            </a:extLst>
+          </p:cNvPr>
+          <p:cNvSpPr txBox="1"/>
+          <p:nvPr/>
+        </p:nvSpPr>
+        <p:spPr>
+          <a:xfrm>
+            <a:off x="3535679" y="6181202"/>
+            <a:ext cx="5120640" cy="369332"/>
+          </a:xfrm>
+          <a:prstGeom prst="rect">
+            <a:avLst/>
+          </a:prstGeom>
+          <a:noFill/>
+        </p:spPr>
+        <p:txBody>
+          <a:bodyPr wrap="square">
+            <a:spAutoFit/>
+          </a:bodyPr>
+          <a:lstStyle/>
+          <a:p>
+            <a:pPr algn="ctr"/>
+            <a:r>
+              <a:rPr lang="en-US" altLang="ko-KR" dirty="0">
+                <a:highlight>
+                  <a:srgbClr val="FFFF00"/>
+                </a:highlight>
+              </a:rPr>
+              <a:t>Project </a:t>
+            </a:r>
+            <a:r>
+              <a:rPr lang="ko-KR" altLang="en-US" dirty="0" err="1">
+                <a:highlight>
+                  <a:srgbClr val="FFFF00"/>
+                </a:highlight>
+              </a:rPr>
+              <a:t>우클릭</a:t>
+            </a:r>
+            <a:r>
+              <a:rPr lang="en-US" altLang="ko-KR" dirty="0">
+                <a:highlight>
+                  <a:srgbClr val="FFFF00"/>
+                </a:highlight>
+              </a:rPr>
+              <a:t> </a:t>
+            </a:r>
+            <a:r>
+              <a:rPr lang="en-US" altLang="ko-KR" dirty="0">
+                <a:highlight>
+                  <a:srgbClr val="FFFF00"/>
+                </a:highlight>
+                <a:sym typeface="Wingdings" panose="05000000000000000000" pitchFamily="2" charset="2"/>
+              </a:rPr>
+              <a:t> [Team]  [Share Project]</a:t>
+            </a:r>
+            <a:endParaRPr lang="ko-KR" altLang="en-US" dirty="0">
+              <a:highlight>
+                <a:srgbClr val="FFFF00"/>
+              </a:highlight>
+            </a:endParaRPr>
+          </a:p>
+        </p:txBody>
+      </p:sp>
+      <p:sp>
+        <p:nvSpPr>
+          <p:cNvPr id="12" name="직사각형 11">
+            <a:extLst>
+              <a:ext uri="{FF2B5EF4-FFF2-40B4-BE49-F238E27FC236}">
+                <a16:creationId xmlns:a16="http://schemas.microsoft.com/office/drawing/2014/main" id="{07250474-DCC0-E76B-41BB-E6ACB3790302}"/>
               </a:ext>
             </a:extLst>
           </p:cNvPr>
@@ -5264,8 +6144,8 @@
         </p:nvSpPr>
         <p:spPr>
           <a:xfrm>
-            <a:off x="6570275" y="4927601"/>
-            <a:ext cx="781870" cy="170872"/>
+            <a:off x="4856480" y="5803206"/>
+            <a:ext cx="1310640" cy="223520"/>
           </a:xfrm>
           <a:prstGeom prst="rect">
             <a:avLst/>
@@ -5298,102 +6178,14 @@
           <a:lstStyle/>
           <a:p>
             <a:pPr algn="ctr"/>
-            <a:endParaRPr lang="ko-KR" altLang="en-US"/>
-          </a:p>
-        </p:txBody>
-      </p:sp>
-      <p:sp>
-        <p:nvSpPr>
-          <p:cNvPr id="18" name="TextBox 17">
-            <a:extLst>
-              <a:ext uri="{FF2B5EF4-FFF2-40B4-BE49-F238E27FC236}">
-                <a16:creationId xmlns:a16="http://schemas.microsoft.com/office/drawing/2014/main" id="{90E9E037-28D9-94F7-FF4F-782ACD5F9B39}"/>
-              </a:ext>
-            </a:extLst>
-          </p:cNvPr>
-          <p:cNvSpPr txBox="1"/>
-          <p:nvPr/>
-        </p:nvSpPr>
-        <p:spPr>
-          <a:xfrm>
-            <a:off x="1252424" y="857980"/>
-            <a:ext cx="6096000" cy="369332"/>
-          </a:xfrm>
-          <a:prstGeom prst="rect">
-            <a:avLst/>
-          </a:prstGeom>
-          <a:noFill/>
-        </p:spPr>
-        <p:txBody>
-          <a:bodyPr wrap="square">
-            <a:spAutoFit/>
-          </a:bodyPr>
-          <a:lstStyle/>
-          <a:p>
-            <a:r>
-              <a:rPr lang="en-US" altLang="ko-KR" dirty="0"/>
-              <a:t>https://github.com/</a:t>
-            </a:r>
             <a:endParaRPr lang="ko-KR" altLang="en-US" dirty="0"/>
-          </a:p>
-        </p:txBody>
-      </p:sp>
-      <p:sp>
-        <p:nvSpPr>
-          <p:cNvPr id="19" name="직사각형 18">
-            <a:extLst>
-              <a:ext uri="{FF2B5EF4-FFF2-40B4-BE49-F238E27FC236}">
-                <a16:creationId xmlns:a16="http://schemas.microsoft.com/office/drawing/2014/main" id="{BD9B46F1-6646-AD0D-BBB2-5E58F9CC753A}"/>
-              </a:ext>
-            </a:extLst>
-          </p:cNvPr>
-          <p:cNvSpPr/>
-          <p:nvPr/>
-        </p:nvSpPr>
-        <p:spPr>
-          <a:xfrm>
-            <a:off x="5242559" y="1608208"/>
-            <a:ext cx="169951" cy="138545"/>
-          </a:xfrm>
-          <a:prstGeom prst="rect">
-            <a:avLst/>
-          </a:prstGeom>
-          <a:noFill/>
-          <a:ln w="38100">
-            <a:solidFill>
-              <a:srgbClr val="FF0000"/>
-            </a:solidFill>
-          </a:ln>
-        </p:spPr>
-        <p:style>
-          <a:lnRef idx="2">
-            <a:schemeClr val="accent1">
-              <a:shade val="50000"/>
-            </a:schemeClr>
-          </a:lnRef>
-          <a:fillRef idx="1">
-            <a:schemeClr val="accent1"/>
-          </a:fillRef>
-          <a:effectRef idx="0">
-            <a:schemeClr val="accent1"/>
-          </a:effectRef>
-          <a:fontRef idx="minor">
-            <a:schemeClr val="lt1"/>
-          </a:fontRef>
-        </p:style>
-        <p:txBody>
-          <a:bodyPr rtlCol="0" anchor="ctr"/>
-          <a:lstStyle/>
-          <a:p>
-            <a:pPr algn="ctr"/>
-            <a:endParaRPr lang="ko-KR" altLang="en-US"/>
           </a:p>
         </p:txBody>
       </p:sp>
     </p:spTree>
     <p:extLst>
       <p:ext uri="{BB962C8B-B14F-4D97-AF65-F5344CB8AC3E}">
-        <p14:creationId xmlns:p14="http://schemas.microsoft.com/office/powerpoint/2010/main" val="1034945129"/>
+        <p14:creationId xmlns:p14="http://schemas.microsoft.com/office/powerpoint/2010/main" val="3849307582"/>
       </p:ext>
     </p:extLst>
   </p:cSld>
@@ -5403,7 +6195,7 @@
 </p:sld>
 </file>
 
-<file path=ppt/slides/slide10.xml><?xml version="1.0" encoding="utf-8"?>
+<file path=ppt/slides/slide11.xml><?xml version="1.0" encoding="utf-8"?>
 <p:sld xmlns:a="http://schemas.openxmlformats.org/drawingml/2006/main" xmlns:r="http://schemas.openxmlformats.org/officeDocument/2006/relationships" xmlns:p="http://schemas.openxmlformats.org/presentationml/2006/main">
   <p:cSld>
     <p:spTree>
@@ -5750,7 +6542,7 @@
 </p:sld>
 </file>
 
-<file path=ppt/slides/slide11.xml><?xml version="1.0" encoding="utf-8"?>
+<file path=ppt/slides/slide12.xml><?xml version="1.0" encoding="utf-8"?>
 <p:sld xmlns:a="http://schemas.openxmlformats.org/drawingml/2006/main" xmlns:r="http://schemas.openxmlformats.org/officeDocument/2006/relationships" xmlns:p="http://schemas.openxmlformats.org/presentationml/2006/main">
   <p:cSld>
     <p:spTree>
@@ -5974,189 +6766,6 @@
     <p:extLst>
       <p:ext uri="{BB962C8B-B14F-4D97-AF65-F5344CB8AC3E}">
         <p14:creationId xmlns:p14="http://schemas.microsoft.com/office/powerpoint/2010/main" val="2891791023"/>
-      </p:ext>
-    </p:extLst>
-  </p:cSld>
-  <p:clrMapOvr>
-    <a:masterClrMapping/>
-  </p:clrMapOvr>
-</p:sld>
-</file>
-
-<file path=ppt/slides/slide12.xml><?xml version="1.0" encoding="utf-8"?>
-<p:sld xmlns:a="http://schemas.openxmlformats.org/drawingml/2006/main" xmlns:r="http://schemas.openxmlformats.org/officeDocument/2006/relationships" xmlns:p="http://schemas.openxmlformats.org/presentationml/2006/main">
-  <p:cSld>
-    <p:spTree>
-      <p:nvGrpSpPr>
-        <p:cNvPr id="1" name=""/>
-        <p:cNvGrpSpPr/>
-        <p:nvPr/>
-      </p:nvGrpSpPr>
-      <p:grpSpPr>
-        <a:xfrm>
-          <a:off x="0" y="0"/>
-          <a:ext cx="0" cy="0"/>
-          <a:chOff x="0" y="0"/>
-          <a:chExt cx="0" cy="0"/>
-        </a:xfrm>
-      </p:grpSpPr>
-      <p:pic>
-        <p:nvPicPr>
-          <p:cNvPr id="3" name="그림 2">
-            <a:extLst>
-              <a:ext uri="{FF2B5EF4-FFF2-40B4-BE49-F238E27FC236}">
-                <a16:creationId xmlns:a16="http://schemas.microsoft.com/office/drawing/2014/main" id="{E7334A49-C04A-97DD-92FD-29B05324ECD0}"/>
-              </a:ext>
-            </a:extLst>
-          </p:cNvPr>
-          <p:cNvPicPr>
-            <a:picLocks noChangeAspect="1"/>
-          </p:cNvPicPr>
-          <p:nvPr/>
-        </p:nvPicPr>
-        <p:blipFill>
-          <a:blip r:embed="rId3"/>
-          <a:stretch>
-            <a:fillRect/>
-          </a:stretch>
-        </p:blipFill>
-        <p:spPr>
-          <a:xfrm>
-            <a:off x="2342511" y="831274"/>
-            <a:ext cx="7506977" cy="5667768"/>
-          </a:xfrm>
-          <a:prstGeom prst="rect">
-            <a:avLst/>
-          </a:prstGeom>
-        </p:spPr>
-      </p:pic>
-      <p:sp>
-        <p:nvSpPr>
-          <p:cNvPr id="9" name="제목 1">
-            <a:extLst>
-              <a:ext uri="{FF2B5EF4-FFF2-40B4-BE49-F238E27FC236}">
-                <a16:creationId xmlns:a16="http://schemas.microsoft.com/office/drawing/2014/main" id="{6628CBDC-D94D-D5A8-D1E5-5484076AF844}"/>
-              </a:ext>
-            </a:extLst>
-          </p:cNvPr>
-          <p:cNvSpPr txBox="1">
-            <a:spLocks/>
-          </p:cNvSpPr>
-          <p:nvPr/>
-        </p:nvSpPr>
-        <p:spPr>
-          <a:xfrm>
-            <a:off x="391961" y="186770"/>
-            <a:ext cx="10635703" cy="644504"/>
-          </a:xfrm>
-          <a:prstGeom prst="rect">
-            <a:avLst/>
-          </a:prstGeom>
-        </p:spPr>
-        <p:txBody>
-          <a:bodyPr vert="horz" lIns="91440" tIns="45720" rIns="91440" bIns="45720" rtlCol="0" anchor="ctr">
-            <a:noAutofit/>
-          </a:bodyPr>
-          <a:lstStyle>
-            <a:lvl1pPr algn="l" defTabSz="914400" rtl="0" eaLnBrk="1" latinLnBrk="1" hangingPunct="1">
-              <a:lnSpc>
-                <a:spcPct val="90000"/>
-              </a:lnSpc>
-              <a:spcBef>
-                <a:spcPct val="0"/>
-              </a:spcBef>
-              <a:buNone/>
-              <a:defRPr sz="3200" kern="1200">
-                <a:solidFill>
-                  <a:schemeClr val="tx1"/>
-                </a:solidFill>
-                <a:latin typeface="+mj-lt"/>
-                <a:ea typeface="+mj-ea"/>
-                <a:cs typeface="+mj-cs"/>
-              </a:defRPr>
-            </a:lvl1pPr>
-          </a:lstStyle>
-          <a:p>
-            <a:r>
-              <a:rPr lang="ko-KR" altLang="en-US" b="1" dirty="0">
-                <a:solidFill>
-                  <a:srgbClr val="00153E"/>
-                </a:solidFill>
-              </a:rPr>
-              <a:t>이클립스 </a:t>
-            </a:r>
-            <a:r>
-              <a:rPr lang="en-US" altLang="ko-KR" b="1" dirty="0">
-                <a:solidFill>
-                  <a:srgbClr val="00153E"/>
-                </a:solidFill>
-              </a:rPr>
-              <a:t>Commit</a:t>
-            </a:r>
-            <a:endParaRPr lang="ko-KR" altLang="en-US" b="1" dirty="0">
-              <a:solidFill>
-                <a:srgbClr val="00153E"/>
-              </a:solidFill>
-            </a:endParaRPr>
-          </a:p>
-        </p:txBody>
-      </p:sp>
-      <p:sp>
-        <p:nvSpPr>
-          <p:cNvPr id="14" name="직사각형 13">
-            <a:extLst>
-              <a:ext uri="{FF2B5EF4-FFF2-40B4-BE49-F238E27FC236}">
-                <a16:creationId xmlns:a16="http://schemas.microsoft.com/office/drawing/2014/main" id="{F3926135-8D99-D533-44F7-894073BEF113}"/>
-              </a:ext>
-            </a:extLst>
-          </p:cNvPr>
-          <p:cNvSpPr/>
-          <p:nvPr/>
-        </p:nvSpPr>
-        <p:spPr>
-          <a:xfrm>
-            <a:off x="6096000" y="3922971"/>
-            <a:ext cx="203200" cy="212149"/>
-          </a:xfrm>
-          <a:prstGeom prst="rect">
-            <a:avLst/>
-          </a:prstGeom>
-          <a:noFill/>
-          <a:ln w="38100">
-            <a:solidFill>
-              <a:srgbClr val="FF0000"/>
-            </a:solidFill>
-          </a:ln>
-        </p:spPr>
-        <p:style>
-          <a:lnRef idx="2">
-            <a:schemeClr val="accent1">
-              <a:shade val="50000"/>
-            </a:schemeClr>
-          </a:lnRef>
-          <a:fillRef idx="1">
-            <a:schemeClr val="accent1"/>
-          </a:fillRef>
-          <a:effectRef idx="0">
-            <a:schemeClr val="accent1"/>
-          </a:effectRef>
-          <a:fontRef idx="minor">
-            <a:schemeClr val="lt1"/>
-          </a:fontRef>
-        </p:style>
-        <p:txBody>
-          <a:bodyPr rtlCol="0" anchor="ctr"/>
-          <a:lstStyle/>
-          <a:p>
-            <a:pPr algn="ctr"/>
-            <a:endParaRPr lang="ko-KR" altLang="en-US" dirty="0"/>
-          </a:p>
-        </p:txBody>
-      </p:sp>
-    </p:spTree>
-    <p:extLst>
-      <p:ext uri="{BB962C8B-B14F-4D97-AF65-F5344CB8AC3E}">
-        <p14:creationId xmlns:p14="http://schemas.microsoft.com/office/powerpoint/2010/main" val="1336797104"/>
       </p:ext>
     </p:extLst>
   </p:cSld>
@@ -6183,6 +6792,36 @@
           <a:chExt cx="0" cy="0"/>
         </a:xfrm>
       </p:grpSpPr>
+      <p:pic>
+        <p:nvPicPr>
+          <p:cNvPr id="3" name="그림 2">
+            <a:extLst>
+              <a:ext uri="{FF2B5EF4-FFF2-40B4-BE49-F238E27FC236}">
+                <a16:creationId xmlns:a16="http://schemas.microsoft.com/office/drawing/2014/main" id="{E7334A49-C04A-97DD-92FD-29B05324ECD0}"/>
+              </a:ext>
+            </a:extLst>
+          </p:cNvPr>
+          <p:cNvPicPr>
+            <a:picLocks noChangeAspect="1"/>
+          </p:cNvPicPr>
+          <p:nvPr/>
+        </p:nvPicPr>
+        <p:blipFill>
+          <a:blip r:embed="rId3"/>
+          <a:stretch>
+            <a:fillRect/>
+          </a:stretch>
+        </p:blipFill>
+        <p:spPr>
+          <a:xfrm>
+            <a:off x="2342511" y="831274"/>
+            <a:ext cx="7506977" cy="5667768"/>
+          </a:xfrm>
+          <a:prstGeom prst="rect">
+            <a:avLst/>
+          </a:prstGeom>
+        </p:spPr>
+      </p:pic>
       <p:sp>
         <p:nvSpPr>
           <p:cNvPr id="9" name="제목 1">
@@ -6256,51 +6895,6 @@
       </p:sp>
       <p:sp>
         <p:nvSpPr>
-          <p:cNvPr id="8" name="TextBox 7">
-            <a:extLst>
-              <a:ext uri="{FF2B5EF4-FFF2-40B4-BE49-F238E27FC236}">
-                <a16:creationId xmlns:a16="http://schemas.microsoft.com/office/drawing/2014/main" id="{675F65E3-F3DC-FEB0-2523-02567BE09DD5}"/>
-              </a:ext>
-            </a:extLst>
-          </p:cNvPr>
-          <p:cNvSpPr txBox="1"/>
-          <p:nvPr/>
-        </p:nvSpPr>
-        <p:spPr>
-          <a:xfrm>
-            <a:off x="2639349" y="5346461"/>
-            <a:ext cx="6140919" cy="369332"/>
-          </a:xfrm>
-          <a:prstGeom prst="rect">
-            <a:avLst/>
-          </a:prstGeom>
-          <a:noFill/>
-        </p:spPr>
-        <p:txBody>
-          <a:bodyPr wrap="square">
-            <a:spAutoFit/>
-          </a:bodyPr>
-          <a:lstStyle/>
-          <a:p>
-            <a:pPr algn="ctr"/>
-            <a:r>
-              <a:rPr lang="en-US" altLang="ko-KR" dirty="0">
-                <a:highlight>
-                  <a:srgbClr val="FFFF00"/>
-                </a:highlight>
-              </a:rPr>
-              <a:t>Finish!</a:t>
-            </a:r>
-            <a:endParaRPr lang="ko-KR" altLang="en-US" dirty="0">
-              <a:highlight>
-                <a:srgbClr val="FFFF00"/>
-              </a:highlight>
-            </a:endParaRPr>
-          </a:p>
-        </p:txBody>
-      </p:sp>
-      <p:sp>
-        <p:nvSpPr>
           <p:cNvPr id="14" name="직사각형 13">
             <a:extLst>
               <a:ext uri="{FF2B5EF4-FFF2-40B4-BE49-F238E27FC236}">
@@ -6351,196 +6945,10 @@
           </a:p>
         </p:txBody>
       </p:sp>
-      <p:pic>
-        <p:nvPicPr>
-          <p:cNvPr id="4" name="그림 3">
-            <a:extLst>
-              <a:ext uri="{FF2B5EF4-FFF2-40B4-BE49-F238E27FC236}">
-                <a16:creationId xmlns:a16="http://schemas.microsoft.com/office/drawing/2014/main" id="{FD872641-8AA8-CA2D-FB1B-008C66283BA4}"/>
-              </a:ext>
-            </a:extLst>
-          </p:cNvPr>
-          <p:cNvPicPr>
-            <a:picLocks noChangeAspect="1"/>
-          </p:cNvPicPr>
-          <p:nvPr/>
-        </p:nvPicPr>
-        <p:blipFill>
-          <a:blip r:embed="rId3"/>
-          <a:stretch>
-            <a:fillRect/>
-          </a:stretch>
-        </p:blipFill>
-        <p:spPr>
-          <a:xfrm>
-            <a:off x="2318735" y="831274"/>
-            <a:ext cx="7554529" cy="5667768"/>
-          </a:xfrm>
-          <a:prstGeom prst="rect">
-            <a:avLst/>
-          </a:prstGeom>
-        </p:spPr>
-      </p:pic>
-      <p:sp>
-        <p:nvSpPr>
-          <p:cNvPr id="5" name="직사각형 4">
-            <a:extLst>
-              <a:ext uri="{FF2B5EF4-FFF2-40B4-BE49-F238E27FC236}">
-                <a16:creationId xmlns:a16="http://schemas.microsoft.com/office/drawing/2014/main" id="{46030022-7C4F-585D-022C-9949A62A81EC}"/>
-              </a:ext>
-            </a:extLst>
-          </p:cNvPr>
-          <p:cNvSpPr/>
-          <p:nvPr/>
-        </p:nvSpPr>
-        <p:spPr>
-          <a:xfrm>
-            <a:off x="4277360" y="5346461"/>
-            <a:ext cx="2600960" cy="680265"/>
-          </a:xfrm>
-          <a:prstGeom prst="rect">
-            <a:avLst/>
-          </a:prstGeom>
-          <a:noFill/>
-          <a:ln w="38100">
-            <a:solidFill>
-              <a:srgbClr val="FF0000"/>
-            </a:solidFill>
-          </a:ln>
-        </p:spPr>
-        <p:style>
-          <a:lnRef idx="2">
-            <a:schemeClr val="accent1">
-              <a:shade val="50000"/>
-            </a:schemeClr>
-          </a:lnRef>
-          <a:fillRef idx="1">
-            <a:schemeClr val="accent1"/>
-          </a:fillRef>
-          <a:effectRef idx="0">
-            <a:schemeClr val="accent1"/>
-          </a:effectRef>
-          <a:fontRef idx="minor">
-            <a:schemeClr val="lt1"/>
-          </a:fontRef>
-        </p:style>
-        <p:txBody>
-          <a:bodyPr rtlCol="0" anchor="ctr"/>
-          <a:lstStyle/>
-          <a:p>
-            <a:pPr algn="ctr"/>
-            <a:endParaRPr lang="ko-KR" altLang="en-US" dirty="0"/>
-          </a:p>
-        </p:txBody>
-      </p:sp>
-      <p:sp>
-        <p:nvSpPr>
-          <p:cNvPr id="6" name="직사각형 5">
-            <a:extLst>
-              <a:ext uri="{FF2B5EF4-FFF2-40B4-BE49-F238E27FC236}">
-                <a16:creationId xmlns:a16="http://schemas.microsoft.com/office/drawing/2014/main" id="{1D0F7376-C3FD-B78C-3125-0D6E01363A72}"/>
-              </a:ext>
-            </a:extLst>
-          </p:cNvPr>
-          <p:cNvSpPr/>
-          <p:nvPr/>
-        </p:nvSpPr>
-        <p:spPr>
-          <a:xfrm>
-            <a:off x="6959600" y="4477008"/>
-            <a:ext cx="2712720" cy="369332"/>
-          </a:xfrm>
-          <a:prstGeom prst="rect">
-            <a:avLst/>
-          </a:prstGeom>
-          <a:noFill/>
-          <a:ln w="38100">
-            <a:solidFill>
-              <a:srgbClr val="FF0000"/>
-            </a:solidFill>
-          </a:ln>
-        </p:spPr>
-        <p:style>
-          <a:lnRef idx="2">
-            <a:schemeClr val="accent1">
-              <a:shade val="50000"/>
-            </a:schemeClr>
-          </a:lnRef>
-          <a:fillRef idx="1">
-            <a:schemeClr val="accent1"/>
-          </a:fillRef>
-          <a:effectRef idx="0">
-            <a:schemeClr val="accent1"/>
-          </a:effectRef>
-          <a:fontRef idx="minor">
-            <a:schemeClr val="lt1"/>
-          </a:fontRef>
-        </p:style>
-        <p:txBody>
-          <a:bodyPr rtlCol="0" anchor="ctr"/>
-          <a:lstStyle/>
-          <a:p>
-            <a:pPr algn="ctr"/>
-            <a:endParaRPr lang="ko-KR" altLang="en-US" dirty="0"/>
-          </a:p>
-        </p:txBody>
-      </p:sp>
-      <p:sp>
-        <p:nvSpPr>
-          <p:cNvPr id="7" name="직사각형 6">
-            <a:extLst>
-              <a:ext uri="{FF2B5EF4-FFF2-40B4-BE49-F238E27FC236}">
-                <a16:creationId xmlns:a16="http://schemas.microsoft.com/office/drawing/2014/main" id="{16F87660-020A-F6D8-A08F-608D6C7E8973}"/>
-              </a:ext>
-            </a:extLst>
-          </p:cNvPr>
-          <p:cNvSpPr/>
-          <p:nvPr/>
-        </p:nvSpPr>
-        <p:spPr>
-          <a:xfrm>
-            <a:off x="8981440" y="6026726"/>
-            <a:ext cx="690880" cy="252154"/>
-          </a:xfrm>
-          <a:prstGeom prst="rect">
-            <a:avLst/>
-          </a:prstGeom>
-          <a:noFill/>
-          <a:ln w="38100">
-            <a:solidFill>
-              <a:srgbClr val="FF0000"/>
-            </a:solidFill>
-          </a:ln>
-        </p:spPr>
-        <p:style>
-          <a:lnRef idx="2">
-            <a:schemeClr val="accent1">
-              <a:shade val="50000"/>
-            </a:schemeClr>
-          </a:lnRef>
-          <a:fillRef idx="1">
-            <a:schemeClr val="accent1"/>
-          </a:fillRef>
-          <a:effectRef idx="0">
-            <a:schemeClr val="accent1"/>
-          </a:effectRef>
-          <a:fontRef idx="minor">
-            <a:schemeClr val="lt1"/>
-          </a:fontRef>
-        </p:style>
-        <p:txBody>
-          <a:bodyPr rtlCol="0" anchor="ctr"/>
-          <a:lstStyle/>
-          <a:p>
-            <a:pPr algn="ctr"/>
-            <a:endParaRPr lang="ko-KR" altLang="en-US" dirty="0"/>
-          </a:p>
-        </p:txBody>
-      </p:sp>
     </p:spTree>
     <p:extLst>
       <p:ext uri="{BB962C8B-B14F-4D97-AF65-F5344CB8AC3E}">
-        <p14:creationId xmlns:p14="http://schemas.microsoft.com/office/powerpoint/2010/main" val="1029630716"/>
+        <p14:creationId xmlns:p14="http://schemas.microsoft.com/office/powerpoint/2010/main" val="1336797104"/>
       </p:ext>
     </p:extLst>
   </p:cSld>
@@ -6628,7 +7036,7 @@
                   <a:srgbClr val="00153E"/>
                 </a:solidFill>
               </a:rPr>
-              <a:t>Push</a:t>
+              <a:t>Commit</a:t>
             </a:r>
             <a:endParaRPr lang="ko-KR" altLang="en-US" b="1" dirty="0">
               <a:solidFill>
@@ -6638,42 +7046,57 @@
           </a:p>
         </p:txBody>
       </p:sp>
-      <p:pic>
-        <p:nvPicPr>
-          <p:cNvPr id="3" name="그림 2">
-            <a:extLst>
-              <a:ext uri="{FF2B5EF4-FFF2-40B4-BE49-F238E27FC236}">
-                <a16:creationId xmlns:a16="http://schemas.microsoft.com/office/drawing/2014/main" id="{4995458C-F4B2-20B6-2B80-9EC4AF660574}"/>
-              </a:ext>
-            </a:extLst>
-          </p:cNvPr>
-          <p:cNvPicPr>
-            <a:picLocks noChangeAspect="1"/>
-          </p:cNvPicPr>
+      <p:sp>
+        <p:nvSpPr>
+          <p:cNvPr id="8" name="TextBox 7">
+            <a:extLst>
+              <a:ext uri="{FF2B5EF4-FFF2-40B4-BE49-F238E27FC236}">
+                <a16:creationId xmlns:a16="http://schemas.microsoft.com/office/drawing/2014/main" id="{675F65E3-F3DC-FEB0-2523-02567BE09DD5}"/>
+              </a:ext>
+            </a:extLst>
+          </p:cNvPr>
+          <p:cNvSpPr txBox="1"/>
           <p:nvPr/>
-        </p:nvPicPr>
-        <p:blipFill>
-          <a:blip r:embed="rId3"/>
-          <a:stretch>
-            <a:fillRect/>
-          </a:stretch>
-        </p:blipFill>
-        <p:spPr>
-          <a:xfrm>
-            <a:off x="2143754" y="831274"/>
-            <a:ext cx="7904492" cy="5566211"/>
+        </p:nvSpPr>
+        <p:spPr>
+          <a:xfrm>
+            <a:off x="2639349" y="5346461"/>
+            <a:ext cx="6140919" cy="369332"/>
           </a:xfrm>
           <a:prstGeom prst="rect">
             <a:avLst/>
           </a:prstGeom>
-        </p:spPr>
-      </p:pic>
-      <p:sp>
-        <p:nvSpPr>
-          <p:cNvPr id="4" name="직사각형 3">
-            <a:extLst>
-              <a:ext uri="{FF2B5EF4-FFF2-40B4-BE49-F238E27FC236}">
-                <a16:creationId xmlns:a16="http://schemas.microsoft.com/office/drawing/2014/main" id="{AC23DC62-8DB1-7C6E-44BA-04DE0BB7BD96}"/>
+          <a:noFill/>
+        </p:spPr>
+        <p:txBody>
+          <a:bodyPr wrap="square">
+            <a:spAutoFit/>
+          </a:bodyPr>
+          <a:lstStyle/>
+          <a:p>
+            <a:pPr algn="ctr"/>
+            <a:r>
+              <a:rPr lang="en-US" altLang="ko-KR" dirty="0">
+                <a:highlight>
+                  <a:srgbClr val="FFFF00"/>
+                </a:highlight>
+              </a:rPr>
+              <a:t>Finish!</a:t>
+            </a:r>
+            <a:endParaRPr lang="ko-KR" altLang="en-US" dirty="0">
+              <a:highlight>
+                <a:srgbClr val="FFFF00"/>
+              </a:highlight>
+            </a:endParaRPr>
+          </a:p>
+        </p:txBody>
+      </p:sp>
+      <p:sp>
+        <p:nvSpPr>
+          <p:cNvPr id="14" name="직사각형 13">
+            <a:extLst>
+              <a:ext uri="{FF2B5EF4-FFF2-40B4-BE49-F238E27FC236}">
+                <a16:creationId xmlns:a16="http://schemas.microsoft.com/office/drawing/2014/main" id="{F3926135-8D99-D533-44F7-894073BEF113}"/>
               </a:ext>
             </a:extLst>
           </p:cNvPr>
@@ -6682,8 +7105,8 @@
         </p:nvSpPr>
         <p:spPr>
           <a:xfrm>
-            <a:off x="2611120" y="5864621"/>
-            <a:ext cx="2428240" cy="241539"/>
+            <a:off x="6096000" y="3922971"/>
+            <a:ext cx="203200" cy="212149"/>
           </a:xfrm>
           <a:prstGeom prst="rect">
             <a:avLst/>
@@ -6720,12 +7143,42 @@
           </a:p>
         </p:txBody>
       </p:sp>
-      <p:sp>
-        <p:nvSpPr>
-          <p:cNvPr id="6" name="직사각형 5">
-            <a:extLst>
-              <a:ext uri="{FF2B5EF4-FFF2-40B4-BE49-F238E27FC236}">
-                <a16:creationId xmlns:a16="http://schemas.microsoft.com/office/drawing/2014/main" id="{6EE9621D-B191-D979-1842-0059CA657762}"/>
+      <p:pic>
+        <p:nvPicPr>
+          <p:cNvPr id="4" name="그림 3">
+            <a:extLst>
+              <a:ext uri="{FF2B5EF4-FFF2-40B4-BE49-F238E27FC236}">
+                <a16:creationId xmlns:a16="http://schemas.microsoft.com/office/drawing/2014/main" id="{FD872641-8AA8-CA2D-FB1B-008C66283BA4}"/>
+              </a:ext>
+            </a:extLst>
+          </p:cNvPr>
+          <p:cNvPicPr>
+            <a:picLocks noChangeAspect="1"/>
+          </p:cNvPicPr>
+          <p:nvPr/>
+        </p:nvPicPr>
+        <p:blipFill>
+          <a:blip r:embed="rId3"/>
+          <a:stretch>
+            <a:fillRect/>
+          </a:stretch>
+        </p:blipFill>
+        <p:spPr>
+          <a:xfrm>
+            <a:off x="2318735" y="831274"/>
+            <a:ext cx="7554529" cy="5667768"/>
+          </a:xfrm>
+          <a:prstGeom prst="rect">
+            <a:avLst/>
+          </a:prstGeom>
+        </p:spPr>
+      </p:pic>
+      <p:sp>
+        <p:nvSpPr>
+          <p:cNvPr id="5" name="직사각형 4">
+            <a:extLst>
+              <a:ext uri="{FF2B5EF4-FFF2-40B4-BE49-F238E27FC236}">
+                <a16:creationId xmlns:a16="http://schemas.microsoft.com/office/drawing/2014/main" id="{46030022-7C4F-585D-022C-9949A62A81EC}"/>
               </a:ext>
             </a:extLst>
           </p:cNvPr>
@@ -6734,8 +7187,8 @@
         </p:nvSpPr>
         <p:spPr>
           <a:xfrm>
-            <a:off x="5059680" y="2542301"/>
-            <a:ext cx="2052320" cy="241539"/>
+            <a:off x="4277360" y="5346461"/>
+            <a:ext cx="2600960" cy="680265"/>
           </a:xfrm>
           <a:prstGeom prst="rect">
             <a:avLst/>
@@ -6772,6 +7225,345 @@
           </a:p>
         </p:txBody>
       </p:sp>
+      <p:sp>
+        <p:nvSpPr>
+          <p:cNvPr id="6" name="직사각형 5">
+            <a:extLst>
+              <a:ext uri="{FF2B5EF4-FFF2-40B4-BE49-F238E27FC236}">
+                <a16:creationId xmlns:a16="http://schemas.microsoft.com/office/drawing/2014/main" id="{1D0F7376-C3FD-B78C-3125-0D6E01363A72}"/>
+              </a:ext>
+            </a:extLst>
+          </p:cNvPr>
+          <p:cNvSpPr/>
+          <p:nvPr/>
+        </p:nvSpPr>
+        <p:spPr>
+          <a:xfrm>
+            <a:off x="6959600" y="4477008"/>
+            <a:ext cx="2712720" cy="369332"/>
+          </a:xfrm>
+          <a:prstGeom prst="rect">
+            <a:avLst/>
+          </a:prstGeom>
+          <a:noFill/>
+          <a:ln w="38100">
+            <a:solidFill>
+              <a:srgbClr val="FF0000"/>
+            </a:solidFill>
+          </a:ln>
+        </p:spPr>
+        <p:style>
+          <a:lnRef idx="2">
+            <a:schemeClr val="accent1">
+              <a:shade val="50000"/>
+            </a:schemeClr>
+          </a:lnRef>
+          <a:fillRef idx="1">
+            <a:schemeClr val="accent1"/>
+          </a:fillRef>
+          <a:effectRef idx="0">
+            <a:schemeClr val="accent1"/>
+          </a:effectRef>
+          <a:fontRef idx="minor">
+            <a:schemeClr val="lt1"/>
+          </a:fontRef>
+        </p:style>
+        <p:txBody>
+          <a:bodyPr rtlCol="0" anchor="ctr"/>
+          <a:lstStyle/>
+          <a:p>
+            <a:pPr algn="ctr"/>
+            <a:endParaRPr lang="ko-KR" altLang="en-US" dirty="0"/>
+          </a:p>
+        </p:txBody>
+      </p:sp>
+      <p:sp>
+        <p:nvSpPr>
+          <p:cNvPr id="7" name="직사각형 6">
+            <a:extLst>
+              <a:ext uri="{FF2B5EF4-FFF2-40B4-BE49-F238E27FC236}">
+                <a16:creationId xmlns:a16="http://schemas.microsoft.com/office/drawing/2014/main" id="{16F87660-020A-F6D8-A08F-608D6C7E8973}"/>
+              </a:ext>
+            </a:extLst>
+          </p:cNvPr>
+          <p:cNvSpPr/>
+          <p:nvPr/>
+        </p:nvSpPr>
+        <p:spPr>
+          <a:xfrm>
+            <a:off x="8981440" y="6026726"/>
+            <a:ext cx="690880" cy="252154"/>
+          </a:xfrm>
+          <a:prstGeom prst="rect">
+            <a:avLst/>
+          </a:prstGeom>
+          <a:noFill/>
+          <a:ln w="38100">
+            <a:solidFill>
+              <a:srgbClr val="FF0000"/>
+            </a:solidFill>
+          </a:ln>
+        </p:spPr>
+        <p:style>
+          <a:lnRef idx="2">
+            <a:schemeClr val="accent1">
+              <a:shade val="50000"/>
+            </a:schemeClr>
+          </a:lnRef>
+          <a:fillRef idx="1">
+            <a:schemeClr val="accent1"/>
+          </a:fillRef>
+          <a:effectRef idx="0">
+            <a:schemeClr val="accent1"/>
+          </a:effectRef>
+          <a:fontRef idx="minor">
+            <a:schemeClr val="lt1"/>
+          </a:fontRef>
+        </p:style>
+        <p:txBody>
+          <a:bodyPr rtlCol="0" anchor="ctr"/>
+          <a:lstStyle/>
+          <a:p>
+            <a:pPr algn="ctr"/>
+            <a:endParaRPr lang="ko-KR" altLang="en-US" dirty="0"/>
+          </a:p>
+        </p:txBody>
+      </p:sp>
+    </p:spTree>
+    <p:extLst>
+      <p:ext uri="{BB962C8B-B14F-4D97-AF65-F5344CB8AC3E}">
+        <p14:creationId xmlns:p14="http://schemas.microsoft.com/office/powerpoint/2010/main" val="1029630716"/>
+      </p:ext>
+    </p:extLst>
+  </p:cSld>
+  <p:clrMapOvr>
+    <a:masterClrMapping/>
+  </p:clrMapOvr>
+</p:sld>
+</file>
+
+<file path=ppt/slides/slide15.xml><?xml version="1.0" encoding="utf-8"?>
+<p:sld xmlns:a="http://schemas.openxmlformats.org/drawingml/2006/main" xmlns:r="http://schemas.openxmlformats.org/officeDocument/2006/relationships" xmlns:p="http://schemas.openxmlformats.org/presentationml/2006/main">
+  <p:cSld>
+    <p:spTree>
+      <p:nvGrpSpPr>
+        <p:cNvPr id="1" name=""/>
+        <p:cNvGrpSpPr/>
+        <p:nvPr/>
+      </p:nvGrpSpPr>
+      <p:grpSpPr>
+        <a:xfrm>
+          <a:off x="0" y="0"/>
+          <a:ext cx="0" cy="0"/>
+          <a:chOff x="0" y="0"/>
+          <a:chExt cx="0" cy="0"/>
+        </a:xfrm>
+      </p:grpSpPr>
+      <p:sp>
+        <p:nvSpPr>
+          <p:cNvPr id="9" name="제목 1">
+            <a:extLst>
+              <a:ext uri="{FF2B5EF4-FFF2-40B4-BE49-F238E27FC236}">
+                <a16:creationId xmlns:a16="http://schemas.microsoft.com/office/drawing/2014/main" id="{6628CBDC-D94D-D5A8-D1E5-5484076AF844}"/>
+              </a:ext>
+            </a:extLst>
+          </p:cNvPr>
+          <p:cNvSpPr txBox="1">
+            <a:spLocks/>
+          </p:cNvSpPr>
+          <p:nvPr/>
+        </p:nvSpPr>
+        <p:spPr>
+          <a:xfrm>
+            <a:off x="391961" y="186770"/>
+            <a:ext cx="10635703" cy="644504"/>
+          </a:xfrm>
+          <a:prstGeom prst="rect">
+            <a:avLst/>
+          </a:prstGeom>
+        </p:spPr>
+        <p:txBody>
+          <a:bodyPr vert="horz" lIns="91440" tIns="45720" rIns="91440" bIns="45720" rtlCol="0" anchor="ctr">
+            <a:noAutofit/>
+          </a:bodyPr>
+          <a:lstStyle>
+            <a:lvl1pPr algn="l" defTabSz="914400" rtl="0" eaLnBrk="1" latinLnBrk="1" hangingPunct="1">
+              <a:lnSpc>
+                <a:spcPct val="90000"/>
+              </a:lnSpc>
+              <a:spcBef>
+                <a:spcPct val="0"/>
+              </a:spcBef>
+              <a:buNone/>
+              <a:defRPr sz="3200" kern="1200">
+                <a:solidFill>
+                  <a:schemeClr val="tx1"/>
+                </a:solidFill>
+                <a:latin typeface="+mj-lt"/>
+                <a:ea typeface="+mj-ea"/>
+                <a:cs typeface="+mj-cs"/>
+              </a:defRPr>
+            </a:lvl1pPr>
+          </a:lstStyle>
+          <a:p>
+            <a:r>
+              <a:rPr lang="ko-KR" altLang="en-US" b="1" dirty="0">
+                <a:solidFill>
+                  <a:srgbClr val="00153E"/>
+                </a:solidFill>
+              </a:rPr>
+              <a:t>이클립스 </a:t>
+            </a:r>
+            <a:r>
+              <a:rPr lang="en-US" altLang="ko-KR" b="1" dirty="0">
+                <a:solidFill>
+                  <a:srgbClr val="00153E"/>
+                </a:solidFill>
+              </a:rPr>
+              <a:t>Push</a:t>
+            </a:r>
+            <a:endParaRPr lang="ko-KR" altLang="en-US" b="1" dirty="0">
+              <a:solidFill>
+                <a:srgbClr val="00153E"/>
+              </a:solidFill>
+            </a:endParaRPr>
+          </a:p>
+        </p:txBody>
+      </p:sp>
+      <p:pic>
+        <p:nvPicPr>
+          <p:cNvPr id="3" name="그림 2">
+            <a:extLst>
+              <a:ext uri="{FF2B5EF4-FFF2-40B4-BE49-F238E27FC236}">
+                <a16:creationId xmlns:a16="http://schemas.microsoft.com/office/drawing/2014/main" id="{4995458C-F4B2-20B6-2B80-9EC4AF660574}"/>
+              </a:ext>
+            </a:extLst>
+          </p:cNvPr>
+          <p:cNvPicPr>
+            <a:picLocks noChangeAspect="1"/>
+          </p:cNvPicPr>
+          <p:nvPr/>
+        </p:nvPicPr>
+        <p:blipFill>
+          <a:blip r:embed="rId3"/>
+          <a:stretch>
+            <a:fillRect/>
+          </a:stretch>
+        </p:blipFill>
+        <p:spPr>
+          <a:xfrm>
+            <a:off x="2143754" y="831274"/>
+            <a:ext cx="7904492" cy="5566211"/>
+          </a:xfrm>
+          <a:prstGeom prst="rect">
+            <a:avLst/>
+          </a:prstGeom>
+        </p:spPr>
+      </p:pic>
+      <p:sp>
+        <p:nvSpPr>
+          <p:cNvPr id="4" name="직사각형 3">
+            <a:extLst>
+              <a:ext uri="{FF2B5EF4-FFF2-40B4-BE49-F238E27FC236}">
+                <a16:creationId xmlns:a16="http://schemas.microsoft.com/office/drawing/2014/main" id="{AC23DC62-8DB1-7C6E-44BA-04DE0BB7BD96}"/>
+              </a:ext>
+            </a:extLst>
+          </p:cNvPr>
+          <p:cNvSpPr/>
+          <p:nvPr/>
+        </p:nvSpPr>
+        <p:spPr>
+          <a:xfrm>
+            <a:off x="2611120" y="5864621"/>
+            <a:ext cx="2428240" cy="241539"/>
+          </a:xfrm>
+          <a:prstGeom prst="rect">
+            <a:avLst/>
+          </a:prstGeom>
+          <a:noFill/>
+          <a:ln w="38100">
+            <a:solidFill>
+              <a:srgbClr val="FF0000"/>
+            </a:solidFill>
+          </a:ln>
+        </p:spPr>
+        <p:style>
+          <a:lnRef idx="2">
+            <a:schemeClr val="accent1">
+              <a:shade val="50000"/>
+            </a:schemeClr>
+          </a:lnRef>
+          <a:fillRef idx="1">
+            <a:schemeClr val="accent1"/>
+          </a:fillRef>
+          <a:effectRef idx="0">
+            <a:schemeClr val="accent1"/>
+          </a:effectRef>
+          <a:fontRef idx="minor">
+            <a:schemeClr val="lt1"/>
+          </a:fontRef>
+        </p:style>
+        <p:txBody>
+          <a:bodyPr rtlCol="0" anchor="ctr"/>
+          <a:lstStyle/>
+          <a:p>
+            <a:pPr algn="ctr"/>
+            <a:endParaRPr lang="ko-KR" altLang="en-US" dirty="0"/>
+          </a:p>
+        </p:txBody>
+      </p:sp>
+      <p:sp>
+        <p:nvSpPr>
+          <p:cNvPr id="6" name="직사각형 5">
+            <a:extLst>
+              <a:ext uri="{FF2B5EF4-FFF2-40B4-BE49-F238E27FC236}">
+                <a16:creationId xmlns:a16="http://schemas.microsoft.com/office/drawing/2014/main" id="{6EE9621D-B191-D979-1842-0059CA657762}"/>
+              </a:ext>
+            </a:extLst>
+          </p:cNvPr>
+          <p:cNvSpPr/>
+          <p:nvPr/>
+        </p:nvSpPr>
+        <p:spPr>
+          <a:xfrm>
+            <a:off x="5059680" y="2542301"/>
+            <a:ext cx="2052320" cy="241539"/>
+          </a:xfrm>
+          <a:prstGeom prst="rect">
+            <a:avLst/>
+          </a:prstGeom>
+          <a:noFill/>
+          <a:ln w="38100">
+            <a:solidFill>
+              <a:srgbClr val="FF0000"/>
+            </a:solidFill>
+          </a:ln>
+        </p:spPr>
+        <p:style>
+          <a:lnRef idx="2">
+            <a:schemeClr val="accent1">
+              <a:shade val="50000"/>
+            </a:schemeClr>
+          </a:lnRef>
+          <a:fillRef idx="1">
+            <a:schemeClr val="accent1"/>
+          </a:fillRef>
+          <a:effectRef idx="0">
+            <a:schemeClr val="accent1"/>
+          </a:effectRef>
+          <a:fontRef idx="minor">
+            <a:schemeClr val="lt1"/>
+          </a:fontRef>
+        </p:style>
+        <p:txBody>
+          <a:bodyPr rtlCol="0" anchor="ctr"/>
+          <a:lstStyle/>
+          <a:p>
+            <a:pPr algn="ctr"/>
+            <a:endParaRPr lang="ko-KR" altLang="en-US" dirty="0"/>
+          </a:p>
+        </p:txBody>
+      </p:sp>
     </p:spTree>
     <p:extLst>
       <p:ext uri="{BB962C8B-B14F-4D97-AF65-F5344CB8AC3E}">
@@ -6785,7 +7577,7 @@
 </p:sld>
 </file>
 
-<file path=ppt/slides/slide15.xml><?xml version="1.0" encoding="utf-8"?>
+<file path=ppt/slides/slide16.xml><?xml version="1.0" encoding="utf-8"?>
 <p:sld xmlns:a="http://schemas.openxmlformats.org/drawingml/2006/main" xmlns:r="http://schemas.openxmlformats.org/officeDocument/2006/relationships" xmlns:p="http://schemas.openxmlformats.org/presentationml/2006/main">
   <p:cSld>
     <p:spTree>
@@ -7471,7 +8263,7 @@
 </p:sld>
 </file>
 
-<file path=ppt/slides/slide16.xml><?xml version="1.0" encoding="utf-8"?>
+<file path=ppt/slides/slide17.xml><?xml version="1.0" encoding="utf-8"?>
 <p:sld xmlns:a="http://schemas.openxmlformats.org/drawingml/2006/main" xmlns:r="http://schemas.openxmlformats.org/officeDocument/2006/relationships" xmlns:p="http://schemas.openxmlformats.org/presentationml/2006/main">
   <p:cSld>
     <p:spTree>
@@ -7601,6 +8393,373 @@
     <p:extLst>
       <p:ext uri="{BB962C8B-B14F-4D97-AF65-F5344CB8AC3E}">
         <p14:creationId xmlns:p14="http://schemas.microsoft.com/office/powerpoint/2010/main" val="4016113560"/>
+      </p:ext>
+    </p:extLst>
+  </p:cSld>
+  <p:clrMapOvr>
+    <a:masterClrMapping/>
+  </p:clrMapOvr>
+</p:sld>
+</file>
+
+<file path=ppt/slides/slide18.xml><?xml version="1.0" encoding="utf-8"?>
+<p:sld xmlns:a="http://schemas.openxmlformats.org/drawingml/2006/main" xmlns:r="http://schemas.openxmlformats.org/officeDocument/2006/relationships" xmlns:p="http://schemas.openxmlformats.org/presentationml/2006/main">
+  <p:cSld>
+    <p:spTree>
+      <p:nvGrpSpPr>
+        <p:cNvPr id="1" name=""/>
+        <p:cNvGrpSpPr/>
+        <p:nvPr/>
+      </p:nvGrpSpPr>
+      <p:grpSpPr>
+        <a:xfrm>
+          <a:off x="0" y="0"/>
+          <a:ext cx="0" cy="0"/>
+          <a:chOff x="0" y="0"/>
+          <a:chExt cx="0" cy="0"/>
+        </a:xfrm>
+      </p:grpSpPr>
+      <p:sp>
+        <p:nvSpPr>
+          <p:cNvPr id="2" name="제목 1">
+            <a:extLst>
+              <a:ext uri="{FF2B5EF4-FFF2-40B4-BE49-F238E27FC236}">
+                <a16:creationId xmlns:a16="http://schemas.microsoft.com/office/drawing/2014/main" id="{D943AC2E-BF90-4E1D-D9F2-1799C370D894}"/>
+              </a:ext>
+            </a:extLst>
+          </p:cNvPr>
+          <p:cNvSpPr>
+            <a:spLocks noGrp="1"/>
+          </p:cNvSpPr>
+          <p:nvPr>
+            <p:ph type="ctrTitle"/>
+          </p:nvPr>
+        </p:nvSpPr>
+        <p:spPr/>
+        <p:txBody>
+          <a:bodyPr/>
+          <a:lstStyle/>
+          <a:p>
+            <a:r>
+              <a:rPr lang="en-US" altLang="ko-KR" b="1" dirty="0">
+                <a:latin typeface="+mj-ea"/>
+              </a:rPr>
+              <a:t>GitHub </a:t>
+            </a:r>
+            <a:r>
+              <a:rPr lang="ko-KR" altLang="en-US" b="1" dirty="0">
+                <a:latin typeface="+mj-ea"/>
+              </a:rPr>
+              <a:t>프로젝트</a:t>
+            </a:r>
+            <a:br>
+              <a:rPr lang="en-US" altLang="ko-KR" b="1" dirty="0">
+                <a:latin typeface="+mj-ea"/>
+              </a:rPr>
+            </a:br>
+            <a:r>
+              <a:rPr lang="en-US" altLang="ko-KR" b="1" dirty="0">
+                <a:latin typeface="+mj-ea"/>
+              </a:rPr>
+              <a:t>eclipse</a:t>
+            </a:r>
+            <a:r>
+              <a:rPr lang="ko-KR" altLang="en-US" b="1" dirty="0">
+                <a:latin typeface="+mj-ea"/>
+              </a:rPr>
+              <a:t> </a:t>
+            </a:r>
+            <a:r>
+              <a:rPr lang="en-US" altLang="ko-KR" b="1" dirty="0">
+                <a:latin typeface="+mj-ea"/>
+              </a:rPr>
+              <a:t>import</a:t>
+            </a:r>
+            <a:endParaRPr lang="ko-KR" altLang="en-US" b="1" dirty="0">
+              <a:latin typeface="+mj-ea"/>
+            </a:endParaRPr>
+          </a:p>
+        </p:txBody>
+      </p:sp>
+    </p:spTree>
+    <p:extLst>
+      <p:ext uri="{BB962C8B-B14F-4D97-AF65-F5344CB8AC3E}">
+        <p14:creationId xmlns:p14="http://schemas.microsoft.com/office/powerpoint/2010/main" val="4077862793"/>
+      </p:ext>
+    </p:extLst>
+  </p:cSld>
+  <p:clrMapOvr>
+    <a:masterClrMapping/>
+  </p:clrMapOvr>
+</p:sld>
+</file>
+
+<file path=ppt/slides/slide19.xml><?xml version="1.0" encoding="utf-8"?>
+<p:sld xmlns:a="http://schemas.openxmlformats.org/drawingml/2006/main" xmlns:r="http://schemas.openxmlformats.org/officeDocument/2006/relationships" xmlns:p="http://schemas.openxmlformats.org/presentationml/2006/main">
+  <p:cSld>
+    <p:spTree>
+      <p:nvGrpSpPr>
+        <p:cNvPr id="1" name=""/>
+        <p:cNvGrpSpPr/>
+        <p:nvPr/>
+      </p:nvGrpSpPr>
+      <p:grpSpPr>
+        <a:xfrm>
+          <a:off x="0" y="0"/>
+          <a:ext cx="0" cy="0"/>
+          <a:chOff x="0" y="0"/>
+          <a:chExt cx="0" cy="0"/>
+        </a:xfrm>
+      </p:grpSpPr>
+      <p:sp>
+        <p:nvSpPr>
+          <p:cNvPr id="4" name="제목 1">
+            <a:extLst>
+              <a:ext uri="{FF2B5EF4-FFF2-40B4-BE49-F238E27FC236}">
+                <a16:creationId xmlns:a16="http://schemas.microsoft.com/office/drawing/2014/main" id="{8905473D-A778-D2EB-7359-A5F7271BF6F8}"/>
+              </a:ext>
+            </a:extLst>
+          </p:cNvPr>
+          <p:cNvSpPr txBox="1">
+            <a:spLocks/>
+          </p:cNvSpPr>
+          <p:nvPr/>
+        </p:nvSpPr>
+        <p:spPr>
+          <a:xfrm>
+            <a:off x="391961" y="186770"/>
+            <a:ext cx="10635703" cy="644504"/>
+          </a:xfrm>
+          <a:prstGeom prst="rect">
+            <a:avLst/>
+          </a:prstGeom>
+        </p:spPr>
+        <p:txBody>
+          <a:bodyPr vert="horz" lIns="91440" tIns="45720" rIns="91440" bIns="45720" rtlCol="0" anchor="ctr">
+            <a:noAutofit/>
+          </a:bodyPr>
+          <a:lstStyle>
+            <a:lvl1pPr algn="l" defTabSz="914400" rtl="0" eaLnBrk="1" latinLnBrk="1" hangingPunct="1">
+              <a:lnSpc>
+                <a:spcPct val="90000"/>
+              </a:lnSpc>
+              <a:spcBef>
+                <a:spcPct val="0"/>
+              </a:spcBef>
+              <a:buNone/>
+              <a:defRPr sz="3200" kern="1200">
+                <a:solidFill>
+                  <a:schemeClr val="tx1"/>
+                </a:solidFill>
+                <a:latin typeface="+mj-lt"/>
+                <a:ea typeface="+mj-ea"/>
+                <a:cs typeface="+mj-cs"/>
+              </a:defRPr>
+            </a:lvl1pPr>
+          </a:lstStyle>
+          <a:p>
+            <a:r>
+              <a:rPr lang="en-US" altLang="ko-KR" b="1" dirty="0">
+                <a:solidFill>
+                  <a:srgbClr val="00153E"/>
+                </a:solidFill>
+              </a:rPr>
+              <a:t>GitHub - eclipse import</a:t>
+            </a:r>
+            <a:endParaRPr lang="ko-KR" altLang="en-US" b="1" dirty="0">
+              <a:solidFill>
+                <a:srgbClr val="00153E"/>
+              </a:solidFill>
+            </a:endParaRPr>
+          </a:p>
+        </p:txBody>
+      </p:sp>
+      <p:pic>
+        <p:nvPicPr>
+          <p:cNvPr id="6" name="그림 5">
+            <a:extLst>
+              <a:ext uri="{FF2B5EF4-FFF2-40B4-BE49-F238E27FC236}">
+                <a16:creationId xmlns:a16="http://schemas.microsoft.com/office/drawing/2014/main" id="{E46887E6-6D20-4EF1-1E85-22355B550FF6}"/>
+              </a:ext>
+            </a:extLst>
+          </p:cNvPr>
+          <p:cNvPicPr>
+            <a:picLocks noChangeAspect="1"/>
+          </p:cNvPicPr>
+          <p:nvPr/>
+        </p:nvPicPr>
+        <p:blipFill>
+          <a:blip r:embed="rId3"/>
+          <a:stretch>
+            <a:fillRect/>
+          </a:stretch>
+        </p:blipFill>
+        <p:spPr>
+          <a:xfrm>
+            <a:off x="1604929" y="1066782"/>
+            <a:ext cx="8982141" cy="4724435"/>
+          </a:xfrm>
+          <a:prstGeom prst="rect">
+            <a:avLst/>
+          </a:prstGeom>
+        </p:spPr>
+      </p:pic>
+      <p:sp>
+        <p:nvSpPr>
+          <p:cNvPr id="7" name="직사각형 6">
+            <a:extLst>
+              <a:ext uri="{FF2B5EF4-FFF2-40B4-BE49-F238E27FC236}">
+                <a16:creationId xmlns:a16="http://schemas.microsoft.com/office/drawing/2014/main" id="{8F50E46A-9B7F-76E1-6CD1-412B35C7F77A}"/>
+              </a:ext>
+            </a:extLst>
+          </p:cNvPr>
+          <p:cNvSpPr/>
+          <p:nvPr/>
+        </p:nvSpPr>
+        <p:spPr>
+          <a:xfrm>
+            <a:off x="9634953" y="2111097"/>
+            <a:ext cx="889851" cy="300709"/>
+          </a:xfrm>
+          <a:prstGeom prst="rect">
+            <a:avLst/>
+          </a:prstGeom>
+          <a:noFill/>
+          <a:ln w="38100">
+            <a:solidFill>
+              <a:srgbClr val="FF0000"/>
+            </a:solidFill>
+          </a:ln>
+        </p:spPr>
+        <p:style>
+          <a:lnRef idx="2">
+            <a:schemeClr val="accent1">
+              <a:shade val="50000"/>
+            </a:schemeClr>
+          </a:lnRef>
+          <a:fillRef idx="1">
+            <a:schemeClr val="accent1"/>
+          </a:fillRef>
+          <a:effectRef idx="0">
+            <a:schemeClr val="accent1"/>
+          </a:effectRef>
+          <a:fontRef idx="minor">
+            <a:schemeClr val="lt1"/>
+          </a:fontRef>
+        </p:style>
+        <p:txBody>
+          <a:bodyPr rtlCol="0" anchor="ctr"/>
+          <a:lstStyle/>
+          <a:p>
+            <a:pPr algn="ctr"/>
+            <a:endParaRPr lang="ko-KR" altLang="en-US" dirty="0"/>
+          </a:p>
+        </p:txBody>
+      </p:sp>
+      <p:sp>
+        <p:nvSpPr>
+          <p:cNvPr id="8" name="직사각형 7">
+            <a:extLst>
+              <a:ext uri="{FF2B5EF4-FFF2-40B4-BE49-F238E27FC236}">
+                <a16:creationId xmlns:a16="http://schemas.microsoft.com/office/drawing/2014/main" id="{6C0AA371-17F1-36B5-4971-7A6DC17A2084}"/>
+              </a:ext>
+            </a:extLst>
+          </p:cNvPr>
+          <p:cNvSpPr/>
+          <p:nvPr/>
+        </p:nvSpPr>
+        <p:spPr>
+          <a:xfrm>
+            <a:off x="9960209" y="3650448"/>
+            <a:ext cx="367191" cy="300709"/>
+          </a:xfrm>
+          <a:prstGeom prst="rect">
+            <a:avLst/>
+          </a:prstGeom>
+          <a:noFill/>
+          <a:ln w="38100">
+            <a:solidFill>
+              <a:srgbClr val="FF0000"/>
+            </a:solidFill>
+          </a:ln>
+        </p:spPr>
+        <p:style>
+          <a:lnRef idx="2">
+            <a:schemeClr val="accent1">
+              <a:shade val="50000"/>
+            </a:schemeClr>
+          </a:lnRef>
+          <a:fillRef idx="1">
+            <a:schemeClr val="accent1"/>
+          </a:fillRef>
+          <a:effectRef idx="0">
+            <a:schemeClr val="accent1"/>
+          </a:effectRef>
+          <a:fontRef idx="minor">
+            <a:schemeClr val="lt1"/>
+          </a:fontRef>
+        </p:style>
+        <p:txBody>
+          <a:bodyPr rtlCol="0" anchor="ctr"/>
+          <a:lstStyle/>
+          <a:p>
+            <a:pPr algn="ctr"/>
+            <a:endParaRPr lang="ko-KR" altLang="en-US" dirty="0"/>
+          </a:p>
+        </p:txBody>
+      </p:sp>
+      <p:sp>
+        <p:nvSpPr>
+          <p:cNvPr id="10" name="TextBox 9">
+            <a:extLst>
+              <a:ext uri="{FF2B5EF4-FFF2-40B4-BE49-F238E27FC236}">
+                <a16:creationId xmlns:a16="http://schemas.microsoft.com/office/drawing/2014/main" id="{12C00F2A-DB2D-C53D-C22C-8E1CE4049E25}"/>
+              </a:ext>
+            </a:extLst>
+          </p:cNvPr>
+          <p:cNvSpPr txBox="1"/>
+          <p:nvPr/>
+        </p:nvSpPr>
+        <p:spPr>
+          <a:xfrm>
+            <a:off x="3047488" y="6111806"/>
+            <a:ext cx="6097022" cy="369332"/>
+          </a:xfrm>
+          <a:prstGeom prst="rect">
+            <a:avLst/>
+          </a:prstGeom>
+          <a:noFill/>
+        </p:spPr>
+        <p:txBody>
+          <a:bodyPr wrap="square">
+            <a:spAutoFit/>
+          </a:bodyPr>
+          <a:lstStyle/>
+          <a:p>
+            <a:pPr algn="ctr"/>
+            <a:r>
+              <a:rPr lang="en-US" altLang="ko-KR" b="1" dirty="0">
+                <a:highlight>
+                  <a:srgbClr val="FFFF00"/>
+                </a:highlight>
+              </a:rPr>
+              <a:t>Code -&gt; URI </a:t>
+            </a:r>
+            <a:r>
+              <a:rPr lang="ko-KR" altLang="en-US" b="1" dirty="0">
+                <a:highlight>
+                  <a:srgbClr val="FFFF00"/>
+                </a:highlight>
+              </a:rPr>
+              <a:t>복사</a:t>
+            </a:r>
+          </a:p>
+        </p:txBody>
+      </p:sp>
+    </p:spTree>
+    <p:extLst>
+      <p:ext uri="{BB962C8B-B14F-4D97-AF65-F5344CB8AC3E}">
+        <p14:creationId xmlns:p14="http://schemas.microsoft.com/office/powerpoint/2010/main" val="3660607235"/>
       </p:ext>
     </p:extLst>
   </p:cSld>
@@ -7629,10 +8788,10 @@
       </p:grpSpPr>
       <p:pic>
         <p:nvPicPr>
-          <p:cNvPr id="3" name="그림 2">
-            <a:extLst>
-              <a:ext uri="{FF2B5EF4-FFF2-40B4-BE49-F238E27FC236}">
-                <a16:creationId xmlns:a16="http://schemas.microsoft.com/office/drawing/2014/main" id="{E6ADDC7F-3CEB-8FA5-C353-A20D9004473F}"/>
+          <p:cNvPr id="6" name="그림 5">
+            <a:extLst>
+              <a:ext uri="{FF2B5EF4-FFF2-40B4-BE49-F238E27FC236}">
+                <a16:creationId xmlns:a16="http://schemas.microsoft.com/office/drawing/2014/main" id="{28BEB5C8-E4A4-37FF-A3A0-81F0BBDF4E7A}"/>
               </a:ext>
             </a:extLst>
           </p:cNvPr>
@@ -7641,19 +8800,25 @@
           </p:cNvPicPr>
           <p:nvPr/>
         </p:nvPicPr>
-        <p:blipFill rotWithShape="1">
+        <p:blipFill>
           <a:blip r:embed="rId3"/>
-          <a:srcRect b="9885"/>
-          <a:stretch/>
+          <a:stretch>
+            <a:fillRect/>
+          </a:stretch>
         </p:blipFill>
         <p:spPr>
           <a:xfrm>
-            <a:off x="1057984" y="1105226"/>
-            <a:ext cx="10076033" cy="4188134"/>
+            <a:off x="1252424" y="1608208"/>
+            <a:ext cx="4347219" cy="2644055"/>
           </a:xfrm>
           <a:prstGeom prst="rect">
             <a:avLst/>
           </a:prstGeom>
+          <a:ln>
+            <a:solidFill>
+              <a:schemeClr val="tx1"/>
+            </a:solidFill>
+          </a:ln>
         </p:spPr>
       </p:pic>
       <p:sp>
@@ -7725,7 +8890,7 @@
                   <a:srgbClr val="00153E"/>
                 </a:solidFill>
               </a:rPr>
-              <a:t>- 2</a:t>
+              <a:t>- 1</a:t>
             </a:r>
             <a:endParaRPr lang="ko-KR" altLang="en-US" b="1" dirty="0">
               <a:solidFill>
@@ -7737,6 +8902,128 @@
       </p:sp>
       <p:sp>
         <p:nvSpPr>
+          <p:cNvPr id="11" name="TextBox 10">
+            <a:extLst>
+              <a:ext uri="{FF2B5EF4-FFF2-40B4-BE49-F238E27FC236}">
+                <a16:creationId xmlns:a16="http://schemas.microsoft.com/office/drawing/2014/main" id="{50CADB60-6EA3-9C85-B75F-02B7F5F5404E}"/>
+              </a:ext>
+            </a:extLst>
+          </p:cNvPr>
+          <p:cNvSpPr txBox="1"/>
+          <p:nvPr/>
+        </p:nvSpPr>
+        <p:spPr>
+          <a:xfrm>
+            <a:off x="1252424" y="4339770"/>
+            <a:ext cx="4347219" cy="369332"/>
+          </a:xfrm>
+          <a:prstGeom prst="rect">
+            <a:avLst/>
+          </a:prstGeom>
+          <a:noFill/>
+        </p:spPr>
+        <p:txBody>
+          <a:bodyPr wrap="square">
+            <a:spAutoFit/>
+          </a:bodyPr>
+          <a:lstStyle/>
+          <a:p>
+            <a:r>
+              <a:rPr lang="en-US" altLang="ko-KR" dirty="0">
+                <a:highlight>
+                  <a:srgbClr val="FFFF00"/>
+                </a:highlight>
+              </a:rPr>
+              <a:t>Settings</a:t>
+            </a:r>
+            <a:endParaRPr lang="ko-KR" altLang="en-US" dirty="0">
+              <a:highlight>
+                <a:srgbClr val="FFFF00"/>
+              </a:highlight>
+            </a:endParaRPr>
+          </a:p>
+        </p:txBody>
+      </p:sp>
+      <p:pic>
+        <p:nvPicPr>
+          <p:cNvPr id="13" name="그림 12">
+            <a:extLst>
+              <a:ext uri="{FF2B5EF4-FFF2-40B4-BE49-F238E27FC236}">
+                <a16:creationId xmlns:a16="http://schemas.microsoft.com/office/drawing/2014/main" id="{2107A158-416D-0C1E-AC46-F2E5ED3944D3}"/>
+              </a:ext>
+            </a:extLst>
+          </p:cNvPr>
+          <p:cNvPicPr>
+            <a:picLocks noChangeAspect="1"/>
+          </p:cNvPicPr>
+          <p:nvPr/>
+        </p:nvPicPr>
+        <p:blipFill rotWithShape="1">
+          <a:blip r:embed="rId4"/>
+          <a:srcRect l="943"/>
+          <a:stretch/>
+        </p:blipFill>
+        <p:spPr>
+          <a:xfrm>
+            <a:off x="6570275" y="1608208"/>
+            <a:ext cx="4457389" cy="3871161"/>
+          </a:xfrm>
+          <a:prstGeom prst="rect">
+            <a:avLst/>
+          </a:prstGeom>
+          <a:ln>
+            <a:solidFill>
+              <a:schemeClr val="tx1"/>
+            </a:solidFill>
+          </a:ln>
+        </p:spPr>
+      </p:pic>
+      <p:sp>
+        <p:nvSpPr>
+          <p:cNvPr id="14" name="TextBox 13">
+            <a:extLst>
+              <a:ext uri="{FF2B5EF4-FFF2-40B4-BE49-F238E27FC236}">
+                <a16:creationId xmlns:a16="http://schemas.microsoft.com/office/drawing/2014/main" id="{B08A4FC9-3D0D-40F8-D403-7E5FD5FCE762}"/>
+              </a:ext>
+            </a:extLst>
+          </p:cNvPr>
+          <p:cNvSpPr txBox="1"/>
+          <p:nvPr/>
+        </p:nvSpPr>
+        <p:spPr>
+          <a:xfrm>
+            <a:off x="6570275" y="5646764"/>
+            <a:ext cx="4457389" cy="369332"/>
+          </a:xfrm>
+          <a:prstGeom prst="rect">
+            <a:avLst/>
+          </a:prstGeom>
+          <a:noFill/>
+        </p:spPr>
+        <p:txBody>
+          <a:bodyPr wrap="square">
+            <a:spAutoFit/>
+          </a:bodyPr>
+          <a:lstStyle/>
+          <a:p>
+            <a:r>
+              <a:rPr lang="en-US" altLang="ko-KR" dirty="0">
+                <a:highlight>
+                  <a:srgbClr val="FFFF00"/>
+                </a:highlight>
+              </a:rPr>
+              <a:t>Developer settings</a:t>
+            </a:r>
+            <a:endParaRPr lang="ko-KR" altLang="en-US" dirty="0">
+              <a:highlight>
+                <a:srgbClr val="FFFF00"/>
+              </a:highlight>
+            </a:endParaRPr>
+          </a:p>
+        </p:txBody>
+      </p:sp>
+      <p:sp>
+        <p:nvSpPr>
           <p:cNvPr id="15" name="직사각형 14">
             <a:extLst>
               <a:ext uri="{FF2B5EF4-FFF2-40B4-BE49-F238E27FC236}">
@@ -7749,8 +9036,8 @@
         </p:nvSpPr>
         <p:spPr>
           <a:xfrm>
-            <a:off x="1057982" y="3157555"/>
-            <a:ext cx="2701217" cy="271445"/>
+            <a:off x="4682836" y="3500582"/>
+            <a:ext cx="729674" cy="138545"/>
           </a:xfrm>
           <a:prstGeom prst="rect">
             <a:avLst/>
@@ -7801,8 +9088,8 @@
         </p:nvSpPr>
         <p:spPr>
           <a:xfrm>
-            <a:off x="1370201" y="3791527"/>
-            <a:ext cx="938889" cy="189345"/>
+            <a:off x="6570275" y="4927601"/>
+            <a:ext cx="781870" cy="170872"/>
           </a:xfrm>
           <a:prstGeom prst="rect">
             <a:avLst/>
@@ -7835,16 +9122,52 @@
           <a:lstStyle/>
           <a:p>
             <a:pPr algn="ctr"/>
+            <a:endParaRPr lang="ko-KR" altLang="en-US"/>
+          </a:p>
+        </p:txBody>
+      </p:sp>
+      <p:sp>
+        <p:nvSpPr>
+          <p:cNvPr id="18" name="TextBox 17">
+            <a:extLst>
+              <a:ext uri="{FF2B5EF4-FFF2-40B4-BE49-F238E27FC236}">
+                <a16:creationId xmlns:a16="http://schemas.microsoft.com/office/drawing/2014/main" id="{90E9E037-28D9-94F7-FF4F-782ACD5F9B39}"/>
+              </a:ext>
+            </a:extLst>
+          </p:cNvPr>
+          <p:cNvSpPr txBox="1"/>
+          <p:nvPr/>
+        </p:nvSpPr>
+        <p:spPr>
+          <a:xfrm>
+            <a:off x="1252424" y="857980"/>
+            <a:ext cx="6096000" cy="369332"/>
+          </a:xfrm>
+          <a:prstGeom prst="rect">
+            <a:avLst/>
+          </a:prstGeom>
+          <a:noFill/>
+        </p:spPr>
+        <p:txBody>
+          <a:bodyPr wrap="square">
+            <a:spAutoFit/>
+          </a:bodyPr>
+          <a:lstStyle/>
+          <a:p>
+            <a:r>
+              <a:rPr lang="en-US" altLang="ko-KR" dirty="0"/>
+              <a:t>https://github.com/</a:t>
+            </a:r>
             <a:endParaRPr lang="ko-KR" altLang="en-US" dirty="0"/>
           </a:p>
         </p:txBody>
       </p:sp>
       <p:sp>
         <p:nvSpPr>
-          <p:cNvPr id="4" name="직사각형 3">
-            <a:extLst>
-              <a:ext uri="{FF2B5EF4-FFF2-40B4-BE49-F238E27FC236}">
-                <a16:creationId xmlns:a16="http://schemas.microsoft.com/office/drawing/2014/main" id="{D5FF899F-1CB7-12AD-6B8E-C7399979CBCE}"/>
+          <p:cNvPr id="19" name="직사각형 18">
+            <a:extLst>
+              <a:ext uri="{FF2B5EF4-FFF2-40B4-BE49-F238E27FC236}">
+                <a16:creationId xmlns:a16="http://schemas.microsoft.com/office/drawing/2014/main" id="{BD9B46F1-6646-AD0D-BBB2-5E58F9CC753A}"/>
               </a:ext>
             </a:extLst>
           </p:cNvPr>
@@ -7853,8 +9176,8 @@
         </p:nvSpPr>
         <p:spPr>
           <a:xfrm>
-            <a:off x="9585946" y="2530764"/>
-            <a:ext cx="1441718" cy="258618"/>
+            <a:off x="5242559" y="1608208"/>
+            <a:ext cx="169951" cy="138545"/>
           </a:xfrm>
           <a:prstGeom prst="rect">
             <a:avLst/>
@@ -7887,6 +9210,2605 @@
           <a:lstStyle/>
           <a:p>
             <a:pPr algn="ctr"/>
+            <a:endParaRPr lang="ko-KR" altLang="en-US"/>
+          </a:p>
+        </p:txBody>
+      </p:sp>
+    </p:spTree>
+    <p:extLst>
+      <p:ext uri="{BB962C8B-B14F-4D97-AF65-F5344CB8AC3E}">
+        <p14:creationId xmlns:p14="http://schemas.microsoft.com/office/powerpoint/2010/main" val="1034945129"/>
+      </p:ext>
+    </p:extLst>
+  </p:cSld>
+  <p:clrMapOvr>
+    <a:masterClrMapping/>
+  </p:clrMapOvr>
+</p:sld>
+</file>
+
+<file path=ppt/slides/slide20.xml><?xml version="1.0" encoding="utf-8"?>
+<p:sld xmlns:a="http://schemas.openxmlformats.org/drawingml/2006/main" xmlns:r="http://schemas.openxmlformats.org/officeDocument/2006/relationships" xmlns:p="http://schemas.openxmlformats.org/presentationml/2006/main">
+  <p:cSld>
+    <p:spTree>
+      <p:nvGrpSpPr>
+        <p:cNvPr id="1" name=""/>
+        <p:cNvGrpSpPr/>
+        <p:nvPr/>
+      </p:nvGrpSpPr>
+      <p:grpSpPr>
+        <a:xfrm>
+          <a:off x="0" y="0"/>
+          <a:ext cx="0" cy="0"/>
+          <a:chOff x="0" y="0"/>
+          <a:chExt cx="0" cy="0"/>
+        </a:xfrm>
+      </p:grpSpPr>
+      <p:pic>
+        <p:nvPicPr>
+          <p:cNvPr id="5" name="그림 4">
+            <a:extLst>
+              <a:ext uri="{FF2B5EF4-FFF2-40B4-BE49-F238E27FC236}">
+                <a16:creationId xmlns:a16="http://schemas.microsoft.com/office/drawing/2014/main" id="{F5983E17-9C72-F1A5-9DD5-0C70377BE42C}"/>
+              </a:ext>
+            </a:extLst>
+          </p:cNvPr>
+          <p:cNvPicPr>
+            <a:picLocks noChangeAspect="1"/>
+          </p:cNvPicPr>
+          <p:nvPr/>
+        </p:nvPicPr>
+        <p:blipFill>
+          <a:blip r:embed="rId3"/>
+          <a:stretch>
+            <a:fillRect/>
+          </a:stretch>
+        </p:blipFill>
+        <p:spPr>
+          <a:xfrm>
+            <a:off x="3344750" y="1216353"/>
+            <a:ext cx="5502499" cy="5014437"/>
+          </a:xfrm>
+          <a:prstGeom prst="rect">
+            <a:avLst/>
+          </a:prstGeom>
+        </p:spPr>
+      </p:pic>
+      <p:sp>
+        <p:nvSpPr>
+          <p:cNvPr id="6" name="제목 1">
+            <a:extLst>
+              <a:ext uri="{FF2B5EF4-FFF2-40B4-BE49-F238E27FC236}">
+                <a16:creationId xmlns:a16="http://schemas.microsoft.com/office/drawing/2014/main" id="{1A9E6521-939D-B511-A530-A95EFFE5A88E}"/>
+              </a:ext>
+            </a:extLst>
+          </p:cNvPr>
+          <p:cNvSpPr txBox="1">
+            <a:spLocks/>
+          </p:cNvSpPr>
+          <p:nvPr/>
+        </p:nvSpPr>
+        <p:spPr>
+          <a:xfrm>
+            <a:off x="391961" y="186770"/>
+            <a:ext cx="10635703" cy="644504"/>
+          </a:xfrm>
+          <a:prstGeom prst="rect">
+            <a:avLst/>
+          </a:prstGeom>
+        </p:spPr>
+        <p:txBody>
+          <a:bodyPr vert="horz" lIns="91440" tIns="45720" rIns="91440" bIns="45720" rtlCol="0" anchor="ctr">
+            <a:noAutofit/>
+          </a:bodyPr>
+          <a:lstStyle>
+            <a:lvl1pPr algn="l" defTabSz="914400" rtl="0" eaLnBrk="1" latinLnBrk="1" hangingPunct="1">
+              <a:lnSpc>
+                <a:spcPct val="90000"/>
+              </a:lnSpc>
+              <a:spcBef>
+                <a:spcPct val="0"/>
+              </a:spcBef>
+              <a:buNone/>
+              <a:defRPr sz="3200" kern="1200">
+                <a:solidFill>
+                  <a:schemeClr val="tx1"/>
+                </a:solidFill>
+                <a:latin typeface="+mj-lt"/>
+                <a:ea typeface="+mj-ea"/>
+                <a:cs typeface="+mj-cs"/>
+              </a:defRPr>
+            </a:lvl1pPr>
+          </a:lstStyle>
+          <a:p>
+            <a:r>
+              <a:rPr lang="en-US" altLang="ko-KR" b="1" dirty="0">
+                <a:solidFill>
+                  <a:srgbClr val="00153E"/>
+                </a:solidFill>
+              </a:rPr>
+              <a:t>GitHub - eclipse import</a:t>
+            </a:r>
+            <a:endParaRPr lang="ko-KR" altLang="en-US" b="1" dirty="0">
+              <a:solidFill>
+                <a:srgbClr val="00153E"/>
+              </a:solidFill>
+            </a:endParaRPr>
+          </a:p>
+        </p:txBody>
+      </p:sp>
+      <p:sp>
+        <p:nvSpPr>
+          <p:cNvPr id="7" name="직사각형 6">
+            <a:extLst>
+              <a:ext uri="{FF2B5EF4-FFF2-40B4-BE49-F238E27FC236}">
+                <a16:creationId xmlns:a16="http://schemas.microsoft.com/office/drawing/2014/main" id="{BCB24039-34A5-E1C0-7EF6-6FC61B8D9F5D}"/>
+              </a:ext>
+            </a:extLst>
+          </p:cNvPr>
+          <p:cNvSpPr/>
+          <p:nvPr/>
+        </p:nvSpPr>
+        <p:spPr>
+          <a:xfrm>
+            <a:off x="3344750" y="1362396"/>
+            <a:ext cx="245344" cy="184802"/>
+          </a:xfrm>
+          <a:prstGeom prst="rect">
+            <a:avLst/>
+          </a:prstGeom>
+          <a:noFill/>
+          <a:ln w="38100">
+            <a:solidFill>
+              <a:srgbClr val="FF0000"/>
+            </a:solidFill>
+          </a:ln>
+        </p:spPr>
+        <p:style>
+          <a:lnRef idx="2">
+            <a:schemeClr val="accent1">
+              <a:shade val="50000"/>
+            </a:schemeClr>
+          </a:lnRef>
+          <a:fillRef idx="1">
+            <a:schemeClr val="accent1"/>
+          </a:fillRef>
+          <a:effectRef idx="0">
+            <a:schemeClr val="accent1"/>
+          </a:effectRef>
+          <a:fontRef idx="minor">
+            <a:schemeClr val="lt1"/>
+          </a:fontRef>
+        </p:style>
+        <p:txBody>
+          <a:bodyPr rtlCol="0" anchor="ctr"/>
+          <a:lstStyle/>
+          <a:p>
+            <a:pPr algn="ctr"/>
+            <a:endParaRPr lang="ko-KR" altLang="en-US" dirty="0"/>
+          </a:p>
+        </p:txBody>
+      </p:sp>
+      <p:sp>
+        <p:nvSpPr>
+          <p:cNvPr id="8" name="직사각형 7">
+            <a:extLst>
+              <a:ext uri="{FF2B5EF4-FFF2-40B4-BE49-F238E27FC236}">
+                <a16:creationId xmlns:a16="http://schemas.microsoft.com/office/drawing/2014/main" id="{0EA1A05C-D804-3723-CD47-F33794CCCC52}"/>
+              </a:ext>
+            </a:extLst>
+          </p:cNvPr>
+          <p:cNvSpPr/>
+          <p:nvPr/>
+        </p:nvSpPr>
+        <p:spPr>
+          <a:xfrm>
+            <a:off x="3344749" y="4343913"/>
+            <a:ext cx="2608055" cy="234224"/>
+          </a:xfrm>
+          <a:prstGeom prst="rect">
+            <a:avLst/>
+          </a:prstGeom>
+          <a:noFill/>
+          <a:ln w="38100">
+            <a:solidFill>
+              <a:srgbClr val="FF0000"/>
+            </a:solidFill>
+          </a:ln>
+        </p:spPr>
+        <p:style>
+          <a:lnRef idx="2">
+            <a:schemeClr val="accent1">
+              <a:shade val="50000"/>
+            </a:schemeClr>
+          </a:lnRef>
+          <a:fillRef idx="1">
+            <a:schemeClr val="accent1"/>
+          </a:fillRef>
+          <a:effectRef idx="0">
+            <a:schemeClr val="accent1"/>
+          </a:effectRef>
+          <a:fontRef idx="minor">
+            <a:schemeClr val="lt1"/>
+          </a:fontRef>
+        </p:style>
+        <p:txBody>
+          <a:bodyPr rtlCol="0" anchor="ctr"/>
+          <a:lstStyle/>
+          <a:p>
+            <a:pPr algn="ctr"/>
+            <a:endParaRPr lang="ko-KR" altLang="en-US" dirty="0"/>
+          </a:p>
+        </p:txBody>
+      </p:sp>
+      <p:sp>
+        <p:nvSpPr>
+          <p:cNvPr id="10" name="TextBox 9">
+            <a:extLst>
+              <a:ext uri="{FF2B5EF4-FFF2-40B4-BE49-F238E27FC236}">
+                <a16:creationId xmlns:a16="http://schemas.microsoft.com/office/drawing/2014/main" id="{982AC022-176A-DAAA-C25A-CD75253FE8A8}"/>
+              </a:ext>
+            </a:extLst>
+          </p:cNvPr>
+          <p:cNvSpPr txBox="1"/>
+          <p:nvPr/>
+        </p:nvSpPr>
+        <p:spPr>
+          <a:xfrm>
+            <a:off x="3035981" y="6278295"/>
+            <a:ext cx="6120036" cy="369332"/>
+          </a:xfrm>
+          <a:prstGeom prst="rect">
+            <a:avLst/>
+          </a:prstGeom>
+          <a:noFill/>
+        </p:spPr>
+        <p:txBody>
+          <a:bodyPr wrap="square">
+            <a:spAutoFit/>
+          </a:bodyPr>
+          <a:lstStyle/>
+          <a:p>
+            <a:pPr algn="ctr"/>
+            <a:r>
+              <a:rPr lang="en-US" altLang="ko-KR" b="1" dirty="0">
+                <a:highlight>
+                  <a:srgbClr val="FFFF00"/>
+                </a:highlight>
+              </a:rPr>
+              <a:t>File -&gt; Import</a:t>
+            </a:r>
+            <a:endParaRPr lang="ko-KR" altLang="en-US" b="1" dirty="0">
+              <a:highlight>
+                <a:srgbClr val="FFFF00"/>
+              </a:highlight>
+            </a:endParaRPr>
+          </a:p>
+        </p:txBody>
+      </p:sp>
+    </p:spTree>
+    <p:extLst>
+      <p:ext uri="{BB962C8B-B14F-4D97-AF65-F5344CB8AC3E}">
+        <p14:creationId xmlns:p14="http://schemas.microsoft.com/office/powerpoint/2010/main" val="829487842"/>
+      </p:ext>
+    </p:extLst>
+  </p:cSld>
+  <p:clrMapOvr>
+    <a:masterClrMapping/>
+  </p:clrMapOvr>
+</p:sld>
+</file>
+
+<file path=ppt/slides/slide21.xml><?xml version="1.0" encoding="utf-8"?>
+<p:sld xmlns:a="http://schemas.openxmlformats.org/drawingml/2006/main" xmlns:r="http://schemas.openxmlformats.org/officeDocument/2006/relationships" xmlns:p="http://schemas.openxmlformats.org/presentationml/2006/main">
+  <p:cSld>
+    <p:spTree>
+      <p:nvGrpSpPr>
+        <p:cNvPr id="1" name=""/>
+        <p:cNvGrpSpPr/>
+        <p:nvPr/>
+      </p:nvGrpSpPr>
+      <p:grpSpPr>
+        <a:xfrm>
+          <a:off x="0" y="0"/>
+          <a:ext cx="0" cy="0"/>
+          <a:chOff x="0" y="0"/>
+          <a:chExt cx="0" cy="0"/>
+        </a:xfrm>
+      </p:grpSpPr>
+      <p:pic>
+        <p:nvPicPr>
+          <p:cNvPr id="3" name="그림 2">
+            <a:extLst>
+              <a:ext uri="{FF2B5EF4-FFF2-40B4-BE49-F238E27FC236}">
+                <a16:creationId xmlns:a16="http://schemas.microsoft.com/office/drawing/2014/main" id="{B258079D-E273-5FBB-615E-3B40F8B3E483}"/>
+              </a:ext>
+            </a:extLst>
+          </p:cNvPr>
+          <p:cNvPicPr>
+            <a:picLocks noChangeAspect="1"/>
+          </p:cNvPicPr>
+          <p:nvPr/>
+        </p:nvPicPr>
+        <p:blipFill>
+          <a:blip r:embed="rId3"/>
+          <a:stretch>
+            <a:fillRect/>
+          </a:stretch>
+        </p:blipFill>
+        <p:spPr>
+          <a:xfrm>
+            <a:off x="3657582" y="861993"/>
+            <a:ext cx="4876836" cy="5134013"/>
+          </a:xfrm>
+          <a:prstGeom prst="rect">
+            <a:avLst/>
+          </a:prstGeom>
+        </p:spPr>
+      </p:pic>
+      <p:sp>
+        <p:nvSpPr>
+          <p:cNvPr id="6" name="제목 1">
+            <a:extLst>
+              <a:ext uri="{FF2B5EF4-FFF2-40B4-BE49-F238E27FC236}">
+                <a16:creationId xmlns:a16="http://schemas.microsoft.com/office/drawing/2014/main" id="{1A9E6521-939D-B511-A530-A95EFFE5A88E}"/>
+              </a:ext>
+            </a:extLst>
+          </p:cNvPr>
+          <p:cNvSpPr txBox="1">
+            <a:spLocks/>
+          </p:cNvSpPr>
+          <p:nvPr/>
+        </p:nvSpPr>
+        <p:spPr>
+          <a:xfrm>
+            <a:off x="391961" y="186770"/>
+            <a:ext cx="10635703" cy="644504"/>
+          </a:xfrm>
+          <a:prstGeom prst="rect">
+            <a:avLst/>
+          </a:prstGeom>
+        </p:spPr>
+        <p:txBody>
+          <a:bodyPr vert="horz" lIns="91440" tIns="45720" rIns="91440" bIns="45720" rtlCol="0" anchor="ctr">
+            <a:noAutofit/>
+          </a:bodyPr>
+          <a:lstStyle>
+            <a:lvl1pPr algn="l" defTabSz="914400" rtl="0" eaLnBrk="1" latinLnBrk="1" hangingPunct="1">
+              <a:lnSpc>
+                <a:spcPct val="90000"/>
+              </a:lnSpc>
+              <a:spcBef>
+                <a:spcPct val="0"/>
+              </a:spcBef>
+              <a:buNone/>
+              <a:defRPr sz="3200" kern="1200">
+                <a:solidFill>
+                  <a:schemeClr val="tx1"/>
+                </a:solidFill>
+                <a:latin typeface="+mj-lt"/>
+                <a:ea typeface="+mj-ea"/>
+                <a:cs typeface="+mj-cs"/>
+              </a:defRPr>
+            </a:lvl1pPr>
+          </a:lstStyle>
+          <a:p>
+            <a:r>
+              <a:rPr lang="en-US" altLang="ko-KR" b="1" dirty="0">
+                <a:solidFill>
+                  <a:srgbClr val="00153E"/>
+                </a:solidFill>
+              </a:rPr>
+              <a:t>GitHub - eclipse import</a:t>
+            </a:r>
+            <a:endParaRPr lang="ko-KR" altLang="en-US" b="1" dirty="0">
+              <a:solidFill>
+                <a:srgbClr val="00153E"/>
+              </a:solidFill>
+            </a:endParaRPr>
+          </a:p>
+        </p:txBody>
+      </p:sp>
+      <p:sp>
+        <p:nvSpPr>
+          <p:cNvPr id="8" name="직사각형 7">
+            <a:extLst>
+              <a:ext uri="{FF2B5EF4-FFF2-40B4-BE49-F238E27FC236}">
+                <a16:creationId xmlns:a16="http://schemas.microsoft.com/office/drawing/2014/main" id="{0EA1A05C-D804-3723-CD47-F33794CCCC52}"/>
+              </a:ext>
+            </a:extLst>
+          </p:cNvPr>
+          <p:cNvSpPr/>
+          <p:nvPr/>
+        </p:nvSpPr>
+        <p:spPr>
+          <a:xfrm>
+            <a:off x="4150632" y="2824183"/>
+            <a:ext cx="1127114" cy="182904"/>
+          </a:xfrm>
+          <a:prstGeom prst="rect">
+            <a:avLst/>
+          </a:prstGeom>
+          <a:noFill/>
+          <a:ln w="38100">
+            <a:solidFill>
+              <a:srgbClr val="FF0000"/>
+            </a:solidFill>
+          </a:ln>
+        </p:spPr>
+        <p:style>
+          <a:lnRef idx="2">
+            <a:schemeClr val="accent1">
+              <a:shade val="50000"/>
+            </a:schemeClr>
+          </a:lnRef>
+          <a:fillRef idx="1">
+            <a:schemeClr val="accent1"/>
+          </a:fillRef>
+          <a:effectRef idx="0">
+            <a:schemeClr val="accent1"/>
+          </a:effectRef>
+          <a:fontRef idx="minor">
+            <a:schemeClr val="lt1"/>
+          </a:fontRef>
+        </p:style>
+        <p:txBody>
+          <a:bodyPr rtlCol="0" anchor="ctr"/>
+          <a:lstStyle/>
+          <a:p>
+            <a:pPr algn="ctr"/>
+            <a:endParaRPr lang="ko-KR" altLang="en-US" dirty="0"/>
+          </a:p>
+        </p:txBody>
+      </p:sp>
+      <p:sp>
+        <p:nvSpPr>
+          <p:cNvPr id="10" name="TextBox 9">
+            <a:extLst>
+              <a:ext uri="{FF2B5EF4-FFF2-40B4-BE49-F238E27FC236}">
+                <a16:creationId xmlns:a16="http://schemas.microsoft.com/office/drawing/2014/main" id="{982AC022-176A-DAAA-C25A-CD75253FE8A8}"/>
+              </a:ext>
+            </a:extLst>
+          </p:cNvPr>
+          <p:cNvSpPr txBox="1"/>
+          <p:nvPr/>
+        </p:nvSpPr>
+        <p:spPr>
+          <a:xfrm>
+            <a:off x="3035981" y="6278295"/>
+            <a:ext cx="6120036" cy="369332"/>
+          </a:xfrm>
+          <a:prstGeom prst="rect">
+            <a:avLst/>
+          </a:prstGeom>
+          <a:noFill/>
+        </p:spPr>
+        <p:txBody>
+          <a:bodyPr wrap="square">
+            <a:spAutoFit/>
+          </a:bodyPr>
+          <a:lstStyle/>
+          <a:p>
+            <a:pPr algn="ctr"/>
+            <a:r>
+              <a:rPr lang="en-US" altLang="ko-KR" b="1" dirty="0">
+                <a:highlight>
+                  <a:srgbClr val="FFFF00"/>
+                </a:highlight>
+              </a:rPr>
+              <a:t>Git -&gt; Projects from Git</a:t>
+            </a:r>
+            <a:endParaRPr lang="ko-KR" altLang="en-US" b="1" dirty="0">
+              <a:highlight>
+                <a:srgbClr val="FFFF00"/>
+              </a:highlight>
+            </a:endParaRPr>
+          </a:p>
+        </p:txBody>
+      </p:sp>
+      <p:sp>
+        <p:nvSpPr>
+          <p:cNvPr id="4" name="직사각형 3">
+            <a:extLst>
+              <a:ext uri="{FF2B5EF4-FFF2-40B4-BE49-F238E27FC236}">
+                <a16:creationId xmlns:a16="http://schemas.microsoft.com/office/drawing/2014/main" id="{0B2B1C74-1652-E4E9-8459-684C9DA0570E}"/>
+              </a:ext>
+            </a:extLst>
+          </p:cNvPr>
+          <p:cNvSpPr/>
+          <p:nvPr/>
+        </p:nvSpPr>
+        <p:spPr>
+          <a:xfrm>
+            <a:off x="5709812" y="5683985"/>
+            <a:ext cx="868958" cy="231999"/>
+          </a:xfrm>
+          <a:prstGeom prst="rect">
+            <a:avLst/>
+          </a:prstGeom>
+          <a:noFill/>
+          <a:ln w="38100">
+            <a:solidFill>
+              <a:srgbClr val="FF0000"/>
+            </a:solidFill>
+          </a:ln>
+        </p:spPr>
+        <p:style>
+          <a:lnRef idx="2">
+            <a:schemeClr val="accent1">
+              <a:shade val="50000"/>
+            </a:schemeClr>
+          </a:lnRef>
+          <a:fillRef idx="1">
+            <a:schemeClr val="accent1"/>
+          </a:fillRef>
+          <a:effectRef idx="0">
+            <a:schemeClr val="accent1"/>
+          </a:effectRef>
+          <a:fontRef idx="minor">
+            <a:schemeClr val="lt1"/>
+          </a:fontRef>
+        </p:style>
+        <p:txBody>
+          <a:bodyPr rtlCol="0" anchor="ctr"/>
+          <a:lstStyle/>
+          <a:p>
+            <a:pPr algn="ctr"/>
+            <a:endParaRPr lang="ko-KR" altLang="en-US" dirty="0"/>
+          </a:p>
+        </p:txBody>
+      </p:sp>
+    </p:spTree>
+    <p:extLst>
+      <p:ext uri="{BB962C8B-B14F-4D97-AF65-F5344CB8AC3E}">
+        <p14:creationId xmlns:p14="http://schemas.microsoft.com/office/powerpoint/2010/main" val="1012901418"/>
+      </p:ext>
+    </p:extLst>
+  </p:cSld>
+  <p:clrMapOvr>
+    <a:masterClrMapping/>
+  </p:clrMapOvr>
+</p:sld>
+</file>
+
+<file path=ppt/slides/slide22.xml><?xml version="1.0" encoding="utf-8"?>
+<p:sld xmlns:a="http://schemas.openxmlformats.org/drawingml/2006/main" xmlns:r="http://schemas.openxmlformats.org/officeDocument/2006/relationships" xmlns:p="http://schemas.openxmlformats.org/presentationml/2006/main">
+  <p:cSld>
+    <p:spTree>
+      <p:nvGrpSpPr>
+        <p:cNvPr id="1" name=""/>
+        <p:cNvGrpSpPr/>
+        <p:nvPr/>
+      </p:nvGrpSpPr>
+      <p:grpSpPr>
+        <a:xfrm>
+          <a:off x="0" y="0"/>
+          <a:ext cx="0" cy="0"/>
+          <a:chOff x="0" y="0"/>
+          <a:chExt cx="0" cy="0"/>
+        </a:xfrm>
+      </p:grpSpPr>
+      <p:pic>
+        <p:nvPicPr>
+          <p:cNvPr id="7" name="그림 6">
+            <a:extLst>
+              <a:ext uri="{FF2B5EF4-FFF2-40B4-BE49-F238E27FC236}">
+                <a16:creationId xmlns:a16="http://schemas.microsoft.com/office/drawing/2014/main" id="{C96D3BDF-D133-E950-1C49-6B57CDB354ED}"/>
+              </a:ext>
+            </a:extLst>
+          </p:cNvPr>
+          <p:cNvPicPr>
+            <a:picLocks noChangeAspect="1"/>
+          </p:cNvPicPr>
+          <p:nvPr/>
+        </p:nvPicPr>
+        <p:blipFill>
+          <a:blip r:embed="rId3"/>
+          <a:stretch>
+            <a:fillRect/>
+          </a:stretch>
+        </p:blipFill>
+        <p:spPr>
+          <a:xfrm>
+            <a:off x="3648057" y="852468"/>
+            <a:ext cx="4895886" cy="5153063"/>
+          </a:xfrm>
+          <a:prstGeom prst="rect">
+            <a:avLst/>
+          </a:prstGeom>
+        </p:spPr>
+      </p:pic>
+      <p:sp>
+        <p:nvSpPr>
+          <p:cNvPr id="6" name="제목 1">
+            <a:extLst>
+              <a:ext uri="{FF2B5EF4-FFF2-40B4-BE49-F238E27FC236}">
+                <a16:creationId xmlns:a16="http://schemas.microsoft.com/office/drawing/2014/main" id="{1A9E6521-939D-B511-A530-A95EFFE5A88E}"/>
+              </a:ext>
+            </a:extLst>
+          </p:cNvPr>
+          <p:cNvSpPr txBox="1">
+            <a:spLocks/>
+          </p:cNvSpPr>
+          <p:nvPr/>
+        </p:nvSpPr>
+        <p:spPr>
+          <a:xfrm>
+            <a:off x="391961" y="186770"/>
+            <a:ext cx="10635703" cy="644504"/>
+          </a:xfrm>
+          <a:prstGeom prst="rect">
+            <a:avLst/>
+          </a:prstGeom>
+        </p:spPr>
+        <p:txBody>
+          <a:bodyPr vert="horz" lIns="91440" tIns="45720" rIns="91440" bIns="45720" rtlCol="0" anchor="ctr">
+            <a:noAutofit/>
+          </a:bodyPr>
+          <a:lstStyle>
+            <a:lvl1pPr algn="l" defTabSz="914400" rtl="0" eaLnBrk="1" latinLnBrk="1" hangingPunct="1">
+              <a:lnSpc>
+                <a:spcPct val="90000"/>
+              </a:lnSpc>
+              <a:spcBef>
+                <a:spcPct val="0"/>
+              </a:spcBef>
+              <a:buNone/>
+              <a:defRPr sz="3200" kern="1200">
+                <a:solidFill>
+                  <a:schemeClr val="tx1"/>
+                </a:solidFill>
+                <a:latin typeface="+mj-lt"/>
+                <a:ea typeface="+mj-ea"/>
+                <a:cs typeface="+mj-cs"/>
+              </a:defRPr>
+            </a:lvl1pPr>
+          </a:lstStyle>
+          <a:p>
+            <a:r>
+              <a:rPr lang="en-US" altLang="ko-KR" b="1" dirty="0">
+                <a:solidFill>
+                  <a:srgbClr val="00153E"/>
+                </a:solidFill>
+              </a:rPr>
+              <a:t>GitHub - eclipse import</a:t>
+            </a:r>
+            <a:endParaRPr lang="ko-KR" altLang="en-US" b="1" dirty="0">
+              <a:solidFill>
+                <a:srgbClr val="00153E"/>
+              </a:solidFill>
+            </a:endParaRPr>
+          </a:p>
+        </p:txBody>
+      </p:sp>
+      <p:sp>
+        <p:nvSpPr>
+          <p:cNvPr id="8" name="직사각형 7">
+            <a:extLst>
+              <a:ext uri="{FF2B5EF4-FFF2-40B4-BE49-F238E27FC236}">
+                <a16:creationId xmlns:a16="http://schemas.microsoft.com/office/drawing/2014/main" id="{0EA1A05C-D804-3723-CD47-F33794CCCC52}"/>
+              </a:ext>
+            </a:extLst>
+          </p:cNvPr>
+          <p:cNvSpPr/>
+          <p:nvPr/>
+        </p:nvSpPr>
+        <p:spPr>
+          <a:xfrm>
+            <a:off x="3764006" y="2210492"/>
+            <a:ext cx="1127114" cy="182904"/>
+          </a:xfrm>
+          <a:prstGeom prst="rect">
+            <a:avLst/>
+          </a:prstGeom>
+          <a:noFill/>
+          <a:ln w="38100">
+            <a:solidFill>
+              <a:srgbClr val="FF0000"/>
+            </a:solidFill>
+          </a:ln>
+        </p:spPr>
+        <p:style>
+          <a:lnRef idx="2">
+            <a:schemeClr val="accent1">
+              <a:shade val="50000"/>
+            </a:schemeClr>
+          </a:lnRef>
+          <a:fillRef idx="1">
+            <a:schemeClr val="accent1"/>
+          </a:fillRef>
+          <a:effectRef idx="0">
+            <a:schemeClr val="accent1"/>
+          </a:effectRef>
+          <a:fontRef idx="minor">
+            <a:schemeClr val="lt1"/>
+          </a:fontRef>
+        </p:style>
+        <p:txBody>
+          <a:bodyPr rtlCol="0" anchor="ctr"/>
+          <a:lstStyle/>
+          <a:p>
+            <a:pPr algn="ctr"/>
+            <a:endParaRPr lang="ko-KR" altLang="en-US" dirty="0"/>
+          </a:p>
+        </p:txBody>
+      </p:sp>
+      <p:sp>
+        <p:nvSpPr>
+          <p:cNvPr id="10" name="TextBox 9">
+            <a:extLst>
+              <a:ext uri="{FF2B5EF4-FFF2-40B4-BE49-F238E27FC236}">
+                <a16:creationId xmlns:a16="http://schemas.microsoft.com/office/drawing/2014/main" id="{982AC022-176A-DAAA-C25A-CD75253FE8A8}"/>
+              </a:ext>
+            </a:extLst>
+          </p:cNvPr>
+          <p:cNvSpPr txBox="1"/>
+          <p:nvPr/>
+        </p:nvSpPr>
+        <p:spPr>
+          <a:xfrm>
+            <a:off x="3035981" y="6278295"/>
+            <a:ext cx="6120036" cy="369332"/>
+          </a:xfrm>
+          <a:prstGeom prst="rect">
+            <a:avLst/>
+          </a:prstGeom>
+          <a:noFill/>
+        </p:spPr>
+        <p:txBody>
+          <a:bodyPr wrap="square">
+            <a:spAutoFit/>
+          </a:bodyPr>
+          <a:lstStyle/>
+          <a:p>
+            <a:pPr algn="ctr"/>
+            <a:r>
+              <a:rPr lang="en-US" altLang="ko-KR" b="1" dirty="0">
+                <a:highlight>
+                  <a:srgbClr val="FFFF00"/>
+                </a:highlight>
+              </a:rPr>
+              <a:t>Clone URI</a:t>
+            </a:r>
+            <a:endParaRPr lang="ko-KR" altLang="en-US" b="1" dirty="0">
+              <a:highlight>
+                <a:srgbClr val="FFFF00"/>
+              </a:highlight>
+            </a:endParaRPr>
+          </a:p>
+        </p:txBody>
+      </p:sp>
+      <p:sp>
+        <p:nvSpPr>
+          <p:cNvPr id="12" name="직사각형 11">
+            <a:extLst>
+              <a:ext uri="{FF2B5EF4-FFF2-40B4-BE49-F238E27FC236}">
+                <a16:creationId xmlns:a16="http://schemas.microsoft.com/office/drawing/2014/main" id="{492B5D29-1A24-4137-3C17-29D43BE4635B}"/>
+              </a:ext>
+            </a:extLst>
+          </p:cNvPr>
+          <p:cNvSpPr/>
+          <p:nvPr/>
+        </p:nvSpPr>
+        <p:spPr>
+          <a:xfrm>
+            <a:off x="5709812" y="5683985"/>
+            <a:ext cx="868958" cy="231999"/>
+          </a:xfrm>
+          <a:prstGeom prst="rect">
+            <a:avLst/>
+          </a:prstGeom>
+          <a:noFill/>
+          <a:ln w="38100">
+            <a:solidFill>
+              <a:srgbClr val="FF0000"/>
+            </a:solidFill>
+          </a:ln>
+        </p:spPr>
+        <p:style>
+          <a:lnRef idx="2">
+            <a:schemeClr val="accent1">
+              <a:shade val="50000"/>
+            </a:schemeClr>
+          </a:lnRef>
+          <a:fillRef idx="1">
+            <a:schemeClr val="accent1"/>
+          </a:fillRef>
+          <a:effectRef idx="0">
+            <a:schemeClr val="accent1"/>
+          </a:effectRef>
+          <a:fontRef idx="minor">
+            <a:schemeClr val="lt1"/>
+          </a:fontRef>
+        </p:style>
+        <p:txBody>
+          <a:bodyPr rtlCol="0" anchor="ctr"/>
+          <a:lstStyle/>
+          <a:p>
+            <a:pPr algn="ctr"/>
+            <a:endParaRPr lang="ko-KR" altLang="en-US" dirty="0"/>
+          </a:p>
+        </p:txBody>
+      </p:sp>
+    </p:spTree>
+    <p:extLst>
+      <p:ext uri="{BB962C8B-B14F-4D97-AF65-F5344CB8AC3E}">
+        <p14:creationId xmlns:p14="http://schemas.microsoft.com/office/powerpoint/2010/main" val="2741361249"/>
+      </p:ext>
+    </p:extLst>
+  </p:cSld>
+  <p:clrMapOvr>
+    <a:masterClrMapping/>
+  </p:clrMapOvr>
+</p:sld>
+</file>
+
+<file path=ppt/slides/slide23.xml><?xml version="1.0" encoding="utf-8"?>
+<p:sld xmlns:a="http://schemas.openxmlformats.org/drawingml/2006/main" xmlns:r="http://schemas.openxmlformats.org/officeDocument/2006/relationships" xmlns:p="http://schemas.openxmlformats.org/presentationml/2006/main">
+  <p:cSld>
+    <p:spTree>
+      <p:nvGrpSpPr>
+        <p:cNvPr id="1" name=""/>
+        <p:cNvGrpSpPr/>
+        <p:nvPr/>
+      </p:nvGrpSpPr>
+      <p:grpSpPr>
+        <a:xfrm>
+          <a:off x="0" y="0"/>
+          <a:ext cx="0" cy="0"/>
+          <a:chOff x="0" y="0"/>
+          <a:chExt cx="0" cy="0"/>
+        </a:xfrm>
+      </p:grpSpPr>
+      <p:pic>
+        <p:nvPicPr>
+          <p:cNvPr id="11" name="그림 10">
+            <a:extLst>
+              <a:ext uri="{FF2B5EF4-FFF2-40B4-BE49-F238E27FC236}">
+                <a16:creationId xmlns:a16="http://schemas.microsoft.com/office/drawing/2014/main" id="{2F3AF7D9-F7DC-6F88-9AC1-56842FB538BA}"/>
+              </a:ext>
+            </a:extLst>
+          </p:cNvPr>
+          <p:cNvPicPr>
+            <a:picLocks noChangeAspect="1"/>
+          </p:cNvPicPr>
+          <p:nvPr/>
+        </p:nvPicPr>
+        <p:blipFill>
+          <a:blip r:embed="rId3"/>
+          <a:stretch>
+            <a:fillRect/>
+          </a:stretch>
+        </p:blipFill>
+        <p:spPr>
+          <a:xfrm>
+            <a:off x="3662344" y="833418"/>
+            <a:ext cx="4867311" cy="5191163"/>
+          </a:xfrm>
+          <a:prstGeom prst="rect">
+            <a:avLst/>
+          </a:prstGeom>
+        </p:spPr>
+      </p:pic>
+      <p:sp>
+        <p:nvSpPr>
+          <p:cNvPr id="6" name="제목 1">
+            <a:extLst>
+              <a:ext uri="{FF2B5EF4-FFF2-40B4-BE49-F238E27FC236}">
+                <a16:creationId xmlns:a16="http://schemas.microsoft.com/office/drawing/2014/main" id="{1A9E6521-939D-B511-A530-A95EFFE5A88E}"/>
+              </a:ext>
+            </a:extLst>
+          </p:cNvPr>
+          <p:cNvSpPr txBox="1">
+            <a:spLocks/>
+          </p:cNvSpPr>
+          <p:nvPr/>
+        </p:nvSpPr>
+        <p:spPr>
+          <a:xfrm>
+            <a:off x="391961" y="186770"/>
+            <a:ext cx="10635703" cy="644504"/>
+          </a:xfrm>
+          <a:prstGeom prst="rect">
+            <a:avLst/>
+          </a:prstGeom>
+        </p:spPr>
+        <p:txBody>
+          <a:bodyPr vert="horz" lIns="91440" tIns="45720" rIns="91440" bIns="45720" rtlCol="0" anchor="ctr">
+            <a:noAutofit/>
+          </a:bodyPr>
+          <a:lstStyle>
+            <a:lvl1pPr algn="l" defTabSz="914400" rtl="0" eaLnBrk="1" latinLnBrk="1" hangingPunct="1">
+              <a:lnSpc>
+                <a:spcPct val="90000"/>
+              </a:lnSpc>
+              <a:spcBef>
+                <a:spcPct val="0"/>
+              </a:spcBef>
+              <a:buNone/>
+              <a:defRPr sz="3200" kern="1200">
+                <a:solidFill>
+                  <a:schemeClr val="tx1"/>
+                </a:solidFill>
+                <a:latin typeface="+mj-lt"/>
+                <a:ea typeface="+mj-ea"/>
+                <a:cs typeface="+mj-cs"/>
+              </a:defRPr>
+            </a:lvl1pPr>
+          </a:lstStyle>
+          <a:p>
+            <a:r>
+              <a:rPr lang="en-US" altLang="ko-KR" b="1" dirty="0">
+                <a:solidFill>
+                  <a:srgbClr val="00153E"/>
+                </a:solidFill>
+              </a:rPr>
+              <a:t>GitHub - eclipse import</a:t>
+            </a:r>
+            <a:endParaRPr lang="ko-KR" altLang="en-US" b="1" dirty="0">
+              <a:solidFill>
+                <a:srgbClr val="00153E"/>
+              </a:solidFill>
+            </a:endParaRPr>
+          </a:p>
+        </p:txBody>
+      </p:sp>
+      <p:sp>
+        <p:nvSpPr>
+          <p:cNvPr id="8" name="직사각형 7">
+            <a:extLst>
+              <a:ext uri="{FF2B5EF4-FFF2-40B4-BE49-F238E27FC236}">
+                <a16:creationId xmlns:a16="http://schemas.microsoft.com/office/drawing/2014/main" id="{0EA1A05C-D804-3723-CD47-F33794CCCC52}"/>
+              </a:ext>
+            </a:extLst>
+          </p:cNvPr>
+          <p:cNvSpPr/>
+          <p:nvPr/>
+        </p:nvSpPr>
+        <p:spPr>
+          <a:xfrm>
+            <a:off x="4702954" y="2100027"/>
+            <a:ext cx="1808310" cy="195177"/>
+          </a:xfrm>
+          <a:prstGeom prst="rect">
+            <a:avLst/>
+          </a:prstGeom>
+          <a:noFill/>
+          <a:ln w="38100">
+            <a:solidFill>
+              <a:srgbClr val="FF0000"/>
+            </a:solidFill>
+          </a:ln>
+        </p:spPr>
+        <p:style>
+          <a:lnRef idx="2">
+            <a:schemeClr val="accent1">
+              <a:shade val="50000"/>
+            </a:schemeClr>
+          </a:lnRef>
+          <a:fillRef idx="1">
+            <a:schemeClr val="accent1"/>
+          </a:fillRef>
+          <a:effectRef idx="0">
+            <a:schemeClr val="accent1"/>
+          </a:effectRef>
+          <a:fontRef idx="minor">
+            <a:schemeClr val="lt1"/>
+          </a:fontRef>
+        </p:style>
+        <p:txBody>
+          <a:bodyPr rtlCol="0" anchor="ctr"/>
+          <a:lstStyle/>
+          <a:p>
+            <a:pPr algn="ctr"/>
+            <a:endParaRPr lang="ko-KR" altLang="en-US" dirty="0"/>
+          </a:p>
+        </p:txBody>
+      </p:sp>
+      <p:sp>
+        <p:nvSpPr>
+          <p:cNvPr id="10" name="TextBox 9">
+            <a:extLst>
+              <a:ext uri="{FF2B5EF4-FFF2-40B4-BE49-F238E27FC236}">
+                <a16:creationId xmlns:a16="http://schemas.microsoft.com/office/drawing/2014/main" id="{982AC022-176A-DAAA-C25A-CD75253FE8A8}"/>
+              </a:ext>
+            </a:extLst>
+          </p:cNvPr>
+          <p:cNvSpPr txBox="1"/>
+          <p:nvPr/>
+        </p:nvSpPr>
+        <p:spPr>
+          <a:xfrm>
+            <a:off x="6095999" y="1730695"/>
+            <a:ext cx="2270401" cy="369332"/>
+          </a:xfrm>
+          <a:prstGeom prst="rect">
+            <a:avLst/>
+          </a:prstGeom>
+          <a:noFill/>
+        </p:spPr>
+        <p:txBody>
+          <a:bodyPr wrap="square">
+            <a:spAutoFit/>
+          </a:bodyPr>
+          <a:lstStyle/>
+          <a:p>
+            <a:pPr algn="ctr"/>
+            <a:r>
+              <a:rPr lang="en-US" altLang="ko-KR" b="1" dirty="0">
+                <a:highlight>
+                  <a:srgbClr val="FFFF00"/>
+                </a:highlight>
+              </a:rPr>
+              <a:t>Clone URI</a:t>
+            </a:r>
+            <a:endParaRPr lang="ko-KR" altLang="en-US" b="1" dirty="0">
+              <a:highlight>
+                <a:srgbClr val="FFFF00"/>
+              </a:highlight>
+            </a:endParaRPr>
+          </a:p>
+        </p:txBody>
+      </p:sp>
+      <p:sp>
+        <p:nvSpPr>
+          <p:cNvPr id="2" name="TextBox 1">
+            <a:extLst>
+              <a:ext uri="{FF2B5EF4-FFF2-40B4-BE49-F238E27FC236}">
+                <a16:creationId xmlns:a16="http://schemas.microsoft.com/office/drawing/2014/main" id="{A4290CA2-0A5E-3FCE-215E-76B26D63BE47}"/>
+              </a:ext>
+            </a:extLst>
+          </p:cNvPr>
+          <p:cNvSpPr txBox="1"/>
+          <p:nvPr/>
+        </p:nvSpPr>
+        <p:spPr>
+          <a:xfrm>
+            <a:off x="6737350" y="3428999"/>
+            <a:ext cx="3215854" cy="369332"/>
+          </a:xfrm>
+          <a:prstGeom prst="rect">
+            <a:avLst/>
+          </a:prstGeom>
+          <a:noFill/>
+        </p:spPr>
+        <p:txBody>
+          <a:bodyPr wrap="square">
+            <a:spAutoFit/>
+          </a:bodyPr>
+          <a:lstStyle/>
+          <a:p>
+            <a:pPr algn="ctr"/>
+            <a:r>
+              <a:rPr lang="en-US" altLang="ko-KR" b="1" dirty="0">
+                <a:highlight>
+                  <a:srgbClr val="FFFF00"/>
+                </a:highlight>
+              </a:rPr>
+              <a:t>GitHub </a:t>
+            </a:r>
+            <a:r>
+              <a:rPr lang="ko-KR" altLang="en-US" b="1" dirty="0">
+                <a:highlight>
+                  <a:srgbClr val="FFFF00"/>
+                </a:highlight>
+              </a:rPr>
+              <a:t>아이디</a:t>
+            </a:r>
+            <a:r>
+              <a:rPr lang="en-US" altLang="ko-KR" b="1" dirty="0">
+                <a:highlight>
+                  <a:srgbClr val="FFFF00"/>
+                </a:highlight>
+              </a:rPr>
+              <a:t>(</a:t>
+            </a:r>
+            <a:r>
+              <a:rPr lang="ko-KR" altLang="en-US" b="1" dirty="0" err="1">
+                <a:highlight>
+                  <a:srgbClr val="FFFF00"/>
+                </a:highlight>
+              </a:rPr>
+              <a:t>이메일주소</a:t>
+            </a:r>
+            <a:r>
+              <a:rPr lang="en-US" altLang="ko-KR" b="1" dirty="0">
+                <a:highlight>
+                  <a:srgbClr val="FFFF00"/>
+                </a:highlight>
+              </a:rPr>
+              <a:t>)</a:t>
+            </a:r>
+            <a:endParaRPr lang="ko-KR" altLang="en-US" b="1" dirty="0">
+              <a:highlight>
+                <a:srgbClr val="FFFF00"/>
+              </a:highlight>
+            </a:endParaRPr>
+          </a:p>
+        </p:txBody>
+      </p:sp>
+      <p:sp>
+        <p:nvSpPr>
+          <p:cNvPr id="3" name="TextBox 2">
+            <a:extLst>
+              <a:ext uri="{FF2B5EF4-FFF2-40B4-BE49-F238E27FC236}">
+                <a16:creationId xmlns:a16="http://schemas.microsoft.com/office/drawing/2014/main" id="{FCE33544-D887-DBEF-8871-64E101634B05}"/>
+              </a:ext>
+            </a:extLst>
+          </p:cNvPr>
+          <p:cNvSpPr txBox="1"/>
+          <p:nvPr/>
+        </p:nvSpPr>
+        <p:spPr>
+          <a:xfrm>
+            <a:off x="6737350" y="4371435"/>
+            <a:ext cx="3584610" cy="369332"/>
+          </a:xfrm>
+          <a:prstGeom prst="rect">
+            <a:avLst/>
+          </a:prstGeom>
+          <a:noFill/>
+        </p:spPr>
+        <p:txBody>
+          <a:bodyPr wrap="square">
+            <a:spAutoFit/>
+          </a:bodyPr>
+          <a:lstStyle/>
+          <a:p>
+            <a:pPr algn="ctr"/>
+            <a:r>
+              <a:rPr lang="ko-KR" altLang="en-US" b="1" dirty="0">
+                <a:highlight>
+                  <a:srgbClr val="FFFF00"/>
+                </a:highlight>
+              </a:rPr>
+              <a:t>발급받은 </a:t>
+            </a:r>
+            <a:r>
+              <a:rPr lang="ko-KR" altLang="en-US" b="1" dirty="0" err="1">
+                <a:highlight>
+                  <a:srgbClr val="FFFF00"/>
+                </a:highlight>
+              </a:rPr>
+              <a:t>토큰값</a:t>
+            </a:r>
+            <a:r>
+              <a:rPr lang="en-US" altLang="ko-KR" b="1" dirty="0">
+                <a:highlight>
+                  <a:srgbClr val="FFFF00"/>
+                </a:highlight>
+              </a:rPr>
+              <a:t>(</a:t>
+            </a:r>
+            <a:r>
+              <a:rPr lang="ko-KR" altLang="en-US" b="1" dirty="0">
+                <a:highlight>
+                  <a:srgbClr val="FFFF00"/>
+                </a:highlight>
+              </a:rPr>
+              <a:t>비밀번호 아님</a:t>
+            </a:r>
+            <a:r>
+              <a:rPr lang="en-US" altLang="ko-KR" b="1" dirty="0">
+                <a:highlight>
+                  <a:srgbClr val="FFFF00"/>
+                </a:highlight>
+              </a:rPr>
+              <a:t>!)</a:t>
+            </a:r>
+            <a:endParaRPr lang="ko-KR" altLang="en-US" b="1" dirty="0">
+              <a:highlight>
+                <a:srgbClr val="FFFF00"/>
+              </a:highlight>
+            </a:endParaRPr>
+          </a:p>
+        </p:txBody>
+      </p:sp>
+      <p:sp>
+        <p:nvSpPr>
+          <p:cNvPr id="4" name="직사각형 3">
+            <a:extLst>
+              <a:ext uri="{FF2B5EF4-FFF2-40B4-BE49-F238E27FC236}">
+                <a16:creationId xmlns:a16="http://schemas.microsoft.com/office/drawing/2014/main" id="{BA9D1DD3-1D7D-4875-34F7-5ED774680D2C}"/>
+              </a:ext>
+            </a:extLst>
+          </p:cNvPr>
+          <p:cNvSpPr/>
+          <p:nvPr/>
+        </p:nvSpPr>
+        <p:spPr>
+          <a:xfrm>
+            <a:off x="5709812" y="5683985"/>
+            <a:ext cx="868958" cy="231999"/>
+          </a:xfrm>
+          <a:prstGeom prst="rect">
+            <a:avLst/>
+          </a:prstGeom>
+          <a:noFill/>
+          <a:ln w="38100">
+            <a:solidFill>
+              <a:srgbClr val="FF0000"/>
+            </a:solidFill>
+          </a:ln>
+        </p:spPr>
+        <p:style>
+          <a:lnRef idx="2">
+            <a:schemeClr val="accent1">
+              <a:shade val="50000"/>
+            </a:schemeClr>
+          </a:lnRef>
+          <a:fillRef idx="1">
+            <a:schemeClr val="accent1"/>
+          </a:fillRef>
+          <a:effectRef idx="0">
+            <a:schemeClr val="accent1"/>
+          </a:effectRef>
+          <a:fontRef idx="minor">
+            <a:schemeClr val="lt1"/>
+          </a:fontRef>
+        </p:style>
+        <p:txBody>
+          <a:bodyPr rtlCol="0" anchor="ctr"/>
+          <a:lstStyle/>
+          <a:p>
+            <a:pPr algn="ctr"/>
+            <a:endParaRPr lang="ko-KR" altLang="en-US" dirty="0"/>
+          </a:p>
+        </p:txBody>
+      </p:sp>
+    </p:spTree>
+    <p:extLst>
+      <p:ext uri="{BB962C8B-B14F-4D97-AF65-F5344CB8AC3E}">
+        <p14:creationId xmlns:p14="http://schemas.microsoft.com/office/powerpoint/2010/main" val="393733843"/>
+      </p:ext>
+    </p:extLst>
+  </p:cSld>
+  <p:clrMapOvr>
+    <a:masterClrMapping/>
+  </p:clrMapOvr>
+</p:sld>
+</file>
+
+<file path=ppt/slides/slide24.xml><?xml version="1.0" encoding="utf-8"?>
+<p:sld xmlns:a="http://schemas.openxmlformats.org/drawingml/2006/main" xmlns:r="http://schemas.openxmlformats.org/officeDocument/2006/relationships" xmlns:p="http://schemas.openxmlformats.org/presentationml/2006/main">
+  <p:cSld>
+    <p:spTree>
+      <p:nvGrpSpPr>
+        <p:cNvPr id="1" name=""/>
+        <p:cNvGrpSpPr/>
+        <p:nvPr/>
+      </p:nvGrpSpPr>
+      <p:grpSpPr>
+        <a:xfrm>
+          <a:off x="0" y="0"/>
+          <a:ext cx="0" cy="0"/>
+          <a:chOff x="0" y="0"/>
+          <a:chExt cx="0" cy="0"/>
+        </a:xfrm>
+      </p:grpSpPr>
+      <p:pic>
+        <p:nvPicPr>
+          <p:cNvPr id="5" name="그림 4">
+            <a:extLst>
+              <a:ext uri="{FF2B5EF4-FFF2-40B4-BE49-F238E27FC236}">
+                <a16:creationId xmlns:a16="http://schemas.microsoft.com/office/drawing/2014/main" id="{30B8EE1E-1598-05F8-1A73-91FD2ABC60EC}"/>
+              </a:ext>
+            </a:extLst>
+          </p:cNvPr>
+          <p:cNvPicPr>
+            <a:picLocks noChangeAspect="1"/>
+          </p:cNvPicPr>
+          <p:nvPr/>
+        </p:nvPicPr>
+        <p:blipFill>
+          <a:blip r:embed="rId3"/>
+          <a:stretch>
+            <a:fillRect/>
+          </a:stretch>
+        </p:blipFill>
+        <p:spPr>
+          <a:xfrm>
+            <a:off x="3662344" y="838181"/>
+            <a:ext cx="4867311" cy="5181638"/>
+          </a:xfrm>
+          <a:prstGeom prst="rect">
+            <a:avLst/>
+          </a:prstGeom>
+        </p:spPr>
+      </p:pic>
+      <p:sp>
+        <p:nvSpPr>
+          <p:cNvPr id="6" name="제목 1">
+            <a:extLst>
+              <a:ext uri="{FF2B5EF4-FFF2-40B4-BE49-F238E27FC236}">
+                <a16:creationId xmlns:a16="http://schemas.microsoft.com/office/drawing/2014/main" id="{1A9E6521-939D-B511-A530-A95EFFE5A88E}"/>
+              </a:ext>
+            </a:extLst>
+          </p:cNvPr>
+          <p:cNvSpPr txBox="1">
+            <a:spLocks/>
+          </p:cNvSpPr>
+          <p:nvPr/>
+        </p:nvSpPr>
+        <p:spPr>
+          <a:xfrm>
+            <a:off x="391961" y="186770"/>
+            <a:ext cx="10635703" cy="644504"/>
+          </a:xfrm>
+          <a:prstGeom prst="rect">
+            <a:avLst/>
+          </a:prstGeom>
+        </p:spPr>
+        <p:txBody>
+          <a:bodyPr vert="horz" lIns="91440" tIns="45720" rIns="91440" bIns="45720" rtlCol="0" anchor="ctr">
+            <a:noAutofit/>
+          </a:bodyPr>
+          <a:lstStyle>
+            <a:lvl1pPr algn="l" defTabSz="914400" rtl="0" eaLnBrk="1" latinLnBrk="1" hangingPunct="1">
+              <a:lnSpc>
+                <a:spcPct val="90000"/>
+              </a:lnSpc>
+              <a:spcBef>
+                <a:spcPct val="0"/>
+              </a:spcBef>
+              <a:buNone/>
+              <a:defRPr sz="3200" kern="1200">
+                <a:solidFill>
+                  <a:schemeClr val="tx1"/>
+                </a:solidFill>
+                <a:latin typeface="+mj-lt"/>
+                <a:ea typeface="+mj-ea"/>
+                <a:cs typeface="+mj-cs"/>
+              </a:defRPr>
+            </a:lvl1pPr>
+          </a:lstStyle>
+          <a:p>
+            <a:r>
+              <a:rPr lang="en-US" altLang="ko-KR" b="1" dirty="0">
+                <a:solidFill>
+                  <a:srgbClr val="00153E"/>
+                </a:solidFill>
+              </a:rPr>
+              <a:t>GitHub - eclipse import</a:t>
+            </a:r>
+            <a:endParaRPr lang="ko-KR" altLang="en-US" b="1" dirty="0">
+              <a:solidFill>
+                <a:srgbClr val="00153E"/>
+              </a:solidFill>
+            </a:endParaRPr>
+          </a:p>
+        </p:txBody>
+      </p:sp>
+      <p:sp>
+        <p:nvSpPr>
+          <p:cNvPr id="8" name="직사각형 7">
+            <a:extLst>
+              <a:ext uri="{FF2B5EF4-FFF2-40B4-BE49-F238E27FC236}">
+                <a16:creationId xmlns:a16="http://schemas.microsoft.com/office/drawing/2014/main" id="{0EA1A05C-D804-3723-CD47-F33794CCCC52}"/>
+              </a:ext>
+            </a:extLst>
+          </p:cNvPr>
+          <p:cNvSpPr/>
+          <p:nvPr/>
+        </p:nvSpPr>
+        <p:spPr>
+          <a:xfrm>
+            <a:off x="5709812" y="5683985"/>
+            <a:ext cx="868958" cy="231999"/>
+          </a:xfrm>
+          <a:prstGeom prst="rect">
+            <a:avLst/>
+          </a:prstGeom>
+          <a:noFill/>
+          <a:ln w="38100">
+            <a:solidFill>
+              <a:srgbClr val="FF0000"/>
+            </a:solidFill>
+          </a:ln>
+        </p:spPr>
+        <p:style>
+          <a:lnRef idx="2">
+            <a:schemeClr val="accent1">
+              <a:shade val="50000"/>
+            </a:schemeClr>
+          </a:lnRef>
+          <a:fillRef idx="1">
+            <a:schemeClr val="accent1"/>
+          </a:fillRef>
+          <a:effectRef idx="0">
+            <a:schemeClr val="accent1"/>
+          </a:effectRef>
+          <a:fontRef idx="minor">
+            <a:schemeClr val="lt1"/>
+          </a:fontRef>
+        </p:style>
+        <p:txBody>
+          <a:bodyPr rtlCol="0" anchor="ctr"/>
+          <a:lstStyle/>
+          <a:p>
+            <a:pPr algn="ctr"/>
+            <a:endParaRPr lang="ko-KR" altLang="en-US" dirty="0"/>
+          </a:p>
+        </p:txBody>
+      </p:sp>
+    </p:spTree>
+    <p:extLst>
+      <p:ext uri="{BB962C8B-B14F-4D97-AF65-F5344CB8AC3E}">
+        <p14:creationId xmlns:p14="http://schemas.microsoft.com/office/powerpoint/2010/main" val="3978568699"/>
+      </p:ext>
+    </p:extLst>
+  </p:cSld>
+  <p:clrMapOvr>
+    <a:masterClrMapping/>
+  </p:clrMapOvr>
+</p:sld>
+</file>
+
+<file path=ppt/slides/slide25.xml><?xml version="1.0" encoding="utf-8"?>
+<p:sld xmlns:a="http://schemas.openxmlformats.org/drawingml/2006/main" xmlns:r="http://schemas.openxmlformats.org/officeDocument/2006/relationships" xmlns:p="http://schemas.openxmlformats.org/presentationml/2006/main">
+  <p:cSld>
+    <p:spTree>
+      <p:nvGrpSpPr>
+        <p:cNvPr id="1" name=""/>
+        <p:cNvGrpSpPr/>
+        <p:nvPr/>
+      </p:nvGrpSpPr>
+      <p:grpSpPr>
+        <a:xfrm>
+          <a:off x="0" y="0"/>
+          <a:ext cx="0" cy="0"/>
+          <a:chOff x="0" y="0"/>
+          <a:chExt cx="0" cy="0"/>
+        </a:xfrm>
+      </p:grpSpPr>
+      <p:pic>
+        <p:nvPicPr>
+          <p:cNvPr id="3" name="그림 2">
+            <a:extLst>
+              <a:ext uri="{FF2B5EF4-FFF2-40B4-BE49-F238E27FC236}">
+                <a16:creationId xmlns:a16="http://schemas.microsoft.com/office/drawing/2014/main" id="{3E93E7A3-FF80-F8AE-EF87-AEAE531BA3FB}"/>
+              </a:ext>
+            </a:extLst>
+          </p:cNvPr>
+          <p:cNvPicPr>
+            <a:picLocks noChangeAspect="1"/>
+          </p:cNvPicPr>
+          <p:nvPr/>
+        </p:nvPicPr>
+        <p:blipFill>
+          <a:blip r:embed="rId3"/>
+          <a:stretch>
+            <a:fillRect/>
+          </a:stretch>
+        </p:blipFill>
+        <p:spPr>
+          <a:xfrm>
+            <a:off x="3614719" y="828656"/>
+            <a:ext cx="4962561" cy="5200688"/>
+          </a:xfrm>
+          <a:prstGeom prst="rect">
+            <a:avLst/>
+          </a:prstGeom>
+        </p:spPr>
+      </p:pic>
+      <p:sp>
+        <p:nvSpPr>
+          <p:cNvPr id="6" name="제목 1">
+            <a:extLst>
+              <a:ext uri="{FF2B5EF4-FFF2-40B4-BE49-F238E27FC236}">
+                <a16:creationId xmlns:a16="http://schemas.microsoft.com/office/drawing/2014/main" id="{1A9E6521-939D-B511-A530-A95EFFE5A88E}"/>
+              </a:ext>
+            </a:extLst>
+          </p:cNvPr>
+          <p:cNvSpPr txBox="1">
+            <a:spLocks/>
+          </p:cNvSpPr>
+          <p:nvPr/>
+        </p:nvSpPr>
+        <p:spPr>
+          <a:xfrm>
+            <a:off x="391961" y="186770"/>
+            <a:ext cx="10635703" cy="644504"/>
+          </a:xfrm>
+          <a:prstGeom prst="rect">
+            <a:avLst/>
+          </a:prstGeom>
+        </p:spPr>
+        <p:txBody>
+          <a:bodyPr vert="horz" lIns="91440" tIns="45720" rIns="91440" bIns="45720" rtlCol="0" anchor="ctr">
+            <a:noAutofit/>
+          </a:bodyPr>
+          <a:lstStyle>
+            <a:lvl1pPr algn="l" defTabSz="914400" rtl="0" eaLnBrk="1" latinLnBrk="1" hangingPunct="1">
+              <a:lnSpc>
+                <a:spcPct val="90000"/>
+              </a:lnSpc>
+              <a:spcBef>
+                <a:spcPct val="0"/>
+              </a:spcBef>
+              <a:buNone/>
+              <a:defRPr sz="3200" kern="1200">
+                <a:solidFill>
+                  <a:schemeClr val="tx1"/>
+                </a:solidFill>
+                <a:latin typeface="+mj-lt"/>
+                <a:ea typeface="+mj-ea"/>
+                <a:cs typeface="+mj-cs"/>
+              </a:defRPr>
+            </a:lvl1pPr>
+          </a:lstStyle>
+          <a:p>
+            <a:r>
+              <a:rPr lang="en-US" altLang="ko-KR" b="1" dirty="0">
+                <a:solidFill>
+                  <a:srgbClr val="00153E"/>
+                </a:solidFill>
+              </a:rPr>
+              <a:t>GitHub - eclipse import</a:t>
+            </a:r>
+            <a:endParaRPr lang="ko-KR" altLang="en-US" b="1" dirty="0">
+              <a:solidFill>
+                <a:srgbClr val="00153E"/>
+              </a:solidFill>
+            </a:endParaRPr>
+          </a:p>
+        </p:txBody>
+      </p:sp>
+      <p:sp>
+        <p:nvSpPr>
+          <p:cNvPr id="8" name="직사각형 7">
+            <a:extLst>
+              <a:ext uri="{FF2B5EF4-FFF2-40B4-BE49-F238E27FC236}">
+                <a16:creationId xmlns:a16="http://schemas.microsoft.com/office/drawing/2014/main" id="{0EA1A05C-D804-3723-CD47-F33794CCCC52}"/>
+              </a:ext>
+            </a:extLst>
+          </p:cNvPr>
+          <p:cNvSpPr/>
+          <p:nvPr/>
+        </p:nvSpPr>
+        <p:spPr>
+          <a:xfrm>
+            <a:off x="5709812" y="5683985"/>
+            <a:ext cx="868958" cy="231999"/>
+          </a:xfrm>
+          <a:prstGeom prst="rect">
+            <a:avLst/>
+          </a:prstGeom>
+          <a:noFill/>
+          <a:ln w="38100">
+            <a:solidFill>
+              <a:srgbClr val="FF0000"/>
+            </a:solidFill>
+          </a:ln>
+        </p:spPr>
+        <p:style>
+          <a:lnRef idx="2">
+            <a:schemeClr val="accent1">
+              <a:shade val="50000"/>
+            </a:schemeClr>
+          </a:lnRef>
+          <a:fillRef idx="1">
+            <a:schemeClr val="accent1"/>
+          </a:fillRef>
+          <a:effectRef idx="0">
+            <a:schemeClr val="accent1"/>
+          </a:effectRef>
+          <a:fontRef idx="minor">
+            <a:schemeClr val="lt1"/>
+          </a:fontRef>
+        </p:style>
+        <p:txBody>
+          <a:bodyPr rtlCol="0" anchor="ctr"/>
+          <a:lstStyle/>
+          <a:p>
+            <a:pPr algn="ctr"/>
+            <a:endParaRPr lang="ko-KR" altLang="en-US" dirty="0"/>
+          </a:p>
+        </p:txBody>
+      </p:sp>
+      <p:sp>
+        <p:nvSpPr>
+          <p:cNvPr id="4" name="직사각형 3">
+            <a:extLst>
+              <a:ext uri="{FF2B5EF4-FFF2-40B4-BE49-F238E27FC236}">
+                <a16:creationId xmlns:a16="http://schemas.microsoft.com/office/drawing/2014/main" id="{D8453F97-7DEC-5FA6-6B84-4D119D0D72CA}"/>
+              </a:ext>
+            </a:extLst>
+          </p:cNvPr>
+          <p:cNvSpPr/>
+          <p:nvPr/>
+        </p:nvSpPr>
+        <p:spPr>
+          <a:xfrm>
+            <a:off x="4536639" y="2049910"/>
+            <a:ext cx="3858658" cy="294391"/>
+          </a:xfrm>
+          <a:prstGeom prst="rect">
+            <a:avLst/>
+          </a:prstGeom>
+          <a:noFill/>
+          <a:ln w="38100">
+            <a:solidFill>
+              <a:srgbClr val="FF0000"/>
+            </a:solidFill>
+          </a:ln>
+        </p:spPr>
+        <p:style>
+          <a:lnRef idx="2">
+            <a:schemeClr val="accent1">
+              <a:shade val="50000"/>
+            </a:schemeClr>
+          </a:lnRef>
+          <a:fillRef idx="1">
+            <a:schemeClr val="accent1"/>
+          </a:fillRef>
+          <a:effectRef idx="0">
+            <a:schemeClr val="accent1"/>
+          </a:effectRef>
+          <a:fontRef idx="minor">
+            <a:schemeClr val="lt1"/>
+          </a:fontRef>
+        </p:style>
+        <p:txBody>
+          <a:bodyPr rtlCol="0" anchor="ctr"/>
+          <a:lstStyle/>
+          <a:p>
+            <a:pPr algn="ctr"/>
+            <a:endParaRPr lang="ko-KR" altLang="en-US" dirty="0"/>
+          </a:p>
+        </p:txBody>
+      </p:sp>
+      <p:sp>
+        <p:nvSpPr>
+          <p:cNvPr id="7" name="TextBox 6">
+            <a:extLst>
+              <a:ext uri="{FF2B5EF4-FFF2-40B4-BE49-F238E27FC236}">
+                <a16:creationId xmlns:a16="http://schemas.microsoft.com/office/drawing/2014/main" id="{D24F4A5C-29D6-8CF0-349B-46EFB1C6052B}"/>
+              </a:ext>
+            </a:extLst>
+          </p:cNvPr>
+          <p:cNvSpPr txBox="1"/>
+          <p:nvPr/>
+        </p:nvSpPr>
+        <p:spPr>
+          <a:xfrm>
+            <a:off x="6196118" y="1567218"/>
+            <a:ext cx="3937853" cy="369332"/>
+          </a:xfrm>
+          <a:prstGeom prst="rect">
+            <a:avLst/>
+          </a:prstGeom>
+          <a:noFill/>
+        </p:spPr>
+        <p:txBody>
+          <a:bodyPr wrap="square">
+            <a:spAutoFit/>
+          </a:bodyPr>
+          <a:lstStyle/>
+          <a:p>
+            <a:pPr algn="ctr"/>
+            <a:r>
+              <a:rPr lang="ko-KR" altLang="en-US" b="1" dirty="0">
+                <a:highlight>
+                  <a:srgbClr val="FFFF00"/>
+                </a:highlight>
+              </a:rPr>
+              <a:t>저장 할 경로만 원하는 경로로 변경</a:t>
+            </a:r>
+          </a:p>
+        </p:txBody>
+      </p:sp>
+    </p:spTree>
+    <p:extLst>
+      <p:ext uri="{BB962C8B-B14F-4D97-AF65-F5344CB8AC3E}">
+        <p14:creationId xmlns:p14="http://schemas.microsoft.com/office/powerpoint/2010/main" val="610840975"/>
+      </p:ext>
+    </p:extLst>
+  </p:cSld>
+  <p:clrMapOvr>
+    <a:masterClrMapping/>
+  </p:clrMapOvr>
+</p:sld>
+</file>
+
+<file path=ppt/slides/slide26.xml><?xml version="1.0" encoding="utf-8"?>
+<p:sld xmlns:a="http://schemas.openxmlformats.org/drawingml/2006/main" xmlns:r="http://schemas.openxmlformats.org/officeDocument/2006/relationships" xmlns:p="http://schemas.openxmlformats.org/presentationml/2006/main">
+  <p:cSld>
+    <p:spTree>
+      <p:nvGrpSpPr>
+        <p:cNvPr id="1" name=""/>
+        <p:cNvGrpSpPr/>
+        <p:nvPr/>
+      </p:nvGrpSpPr>
+      <p:grpSpPr>
+        <a:xfrm>
+          <a:off x="0" y="0"/>
+          <a:ext cx="0" cy="0"/>
+          <a:chOff x="0" y="0"/>
+          <a:chExt cx="0" cy="0"/>
+        </a:xfrm>
+      </p:grpSpPr>
+      <p:pic>
+        <p:nvPicPr>
+          <p:cNvPr id="5" name="그림 4">
+            <a:extLst>
+              <a:ext uri="{FF2B5EF4-FFF2-40B4-BE49-F238E27FC236}">
+                <a16:creationId xmlns:a16="http://schemas.microsoft.com/office/drawing/2014/main" id="{9F6924A0-F436-2F48-F48C-4EC6F6CE053A}"/>
+              </a:ext>
+            </a:extLst>
+          </p:cNvPr>
+          <p:cNvPicPr>
+            <a:picLocks noChangeAspect="1"/>
+          </p:cNvPicPr>
+          <p:nvPr/>
+        </p:nvPicPr>
+        <p:blipFill>
+          <a:blip r:embed="rId3"/>
+          <a:stretch>
+            <a:fillRect/>
+          </a:stretch>
+        </p:blipFill>
+        <p:spPr>
+          <a:xfrm>
+            <a:off x="3643294" y="823893"/>
+            <a:ext cx="4905411" cy="5210213"/>
+          </a:xfrm>
+          <a:prstGeom prst="rect">
+            <a:avLst/>
+          </a:prstGeom>
+        </p:spPr>
+      </p:pic>
+      <p:sp>
+        <p:nvSpPr>
+          <p:cNvPr id="6" name="제목 1">
+            <a:extLst>
+              <a:ext uri="{FF2B5EF4-FFF2-40B4-BE49-F238E27FC236}">
+                <a16:creationId xmlns:a16="http://schemas.microsoft.com/office/drawing/2014/main" id="{1A9E6521-939D-B511-A530-A95EFFE5A88E}"/>
+              </a:ext>
+            </a:extLst>
+          </p:cNvPr>
+          <p:cNvSpPr txBox="1">
+            <a:spLocks/>
+          </p:cNvSpPr>
+          <p:nvPr/>
+        </p:nvSpPr>
+        <p:spPr>
+          <a:xfrm>
+            <a:off x="391961" y="186770"/>
+            <a:ext cx="10635703" cy="644504"/>
+          </a:xfrm>
+          <a:prstGeom prst="rect">
+            <a:avLst/>
+          </a:prstGeom>
+        </p:spPr>
+        <p:txBody>
+          <a:bodyPr vert="horz" lIns="91440" tIns="45720" rIns="91440" bIns="45720" rtlCol="0" anchor="ctr">
+            <a:noAutofit/>
+          </a:bodyPr>
+          <a:lstStyle>
+            <a:lvl1pPr algn="l" defTabSz="914400" rtl="0" eaLnBrk="1" latinLnBrk="1" hangingPunct="1">
+              <a:lnSpc>
+                <a:spcPct val="90000"/>
+              </a:lnSpc>
+              <a:spcBef>
+                <a:spcPct val="0"/>
+              </a:spcBef>
+              <a:buNone/>
+              <a:defRPr sz="3200" kern="1200">
+                <a:solidFill>
+                  <a:schemeClr val="tx1"/>
+                </a:solidFill>
+                <a:latin typeface="+mj-lt"/>
+                <a:ea typeface="+mj-ea"/>
+                <a:cs typeface="+mj-cs"/>
+              </a:defRPr>
+            </a:lvl1pPr>
+          </a:lstStyle>
+          <a:p>
+            <a:r>
+              <a:rPr lang="en-US" altLang="ko-KR" b="1" dirty="0">
+                <a:solidFill>
+                  <a:srgbClr val="00153E"/>
+                </a:solidFill>
+              </a:rPr>
+              <a:t>GitHub - eclipse import</a:t>
+            </a:r>
+            <a:endParaRPr lang="ko-KR" altLang="en-US" b="1" dirty="0">
+              <a:solidFill>
+                <a:srgbClr val="00153E"/>
+              </a:solidFill>
+            </a:endParaRPr>
+          </a:p>
+        </p:txBody>
+      </p:sp>
+      <p:sp>
+        <p:nvSpPr>
+          <p:cNvPr id="8" name="직사각형 7">
+            <a:extLst>
+              <a:ext uri="{FF2B5EF4-FFF2-40B4-BE49-F238E27FC236}">
+                <a16:creationId xmlns:a16="http://schemas.microsoft.com/office/drawing/2014/main" id="{0EA1A05C-D804-3723-CD47-F33794CCCC52}"/>
+              </a:ext>
+            </a:extLst>
+          </p:cNvPr>
+          <p:cNvSpPr/>
+          <p:nvPr/>
+        </p:nvSpPr>
+        <p:spPr>
+          <a:xfrm>
+            <a:off x="5709812" y="5683985"/>
+            <a:ext cx="868958" cy="231999"/>
+          </a:xfrm>
+          <a:prstGeom prst="rect">
+            <a:avLst/>
+          </a:prstGeom>
+          <a:noFill/>
+          <a:ln w="38100">
+            <a:solidFill>
+              <a:srgbClr val="FF0000"/>
+            </a:solidFill>
+          </a:ln>
+        </p:spPr>
+        <p:style>
+          <a:lnRef idx="2">
+            <a:schemeClr val="accent1">
+              <a:shade val="50000"/>
+            </a:schemeClr>
+          </a:lnRef>
+          <a:fillRef idx="1">
+            <a:schemeClr val="accent1"/>
+          </a:fillRef>
+          <a:effectRef idx="0">
+            <a:schemeClr val="accent1"/>
+          </a:effectRef>
+          <a:fontRef idx="minor">
+            <a:schemeClr val="lt1"/>
+          </a:fontRef>
+        </p:style>
+        <p:txBody>
+          <a:bodyPr rtlCol="0" anchor="ctr"/>
+          <a:lstStyle/>
+          <a:p>
+            <a:pPr algn="ctr"/>
+            <a:endParaRPr lang="ko-KR" altLang="en-US" dirty="0"/>
+          </a:p>
+        </p:txBody>
+      </p:sp>
+      <p:sp>
+        <p:nvSpPr>
+          <p:cNvPr id="4" name="직사각형 3">
+            <a:extLst>
+              <a:ext uri="{FF2B5EF4-FFF2-40B4-BE49-F238E27FC236}">
+                <a16:creationId xmlns:a16="http://schemas.microsoft.com/office/drawing/2014/main" id="{D8453F97-7DEC-5FA6-6B84-4D119D0D72CA}"/>
+              </a:ext>
+            </a:extLst>
+          </p:cNvPr>
+          <p:cNvSpPr/>
+          <p:nvPr/>
+        </p:nvSpPr>
+        <p:spPr>
+          <a:xfrm>
+            <a:off x="3720430" y="2006951"/>
+            <a:ext cx="1919393" cy="239159"/>
+          </a:xfrm>
+          <a:prstGeom prst="rect">
+            <a:avLst/>
+          </a:prstGeom>
+          <a:noFill/>
+          <a:ln w="38100">
+            <a:solidFill>
+              <a:srgbClr val="FF0000"/>
+            </a:solidFill>
+          </a:ln>
+        </p:spPr>
+        <p:style>
+          <a:lnRef idx="2">
+            <a:schemeClr val="accent1">
+              <a:shade val="50000"/>
+            </a:schemeClr>
+          </a:lnRef>
+          <a:fillRef idx="1">
+            <a:schemeClr val="accent1"/>
+          </a:fillRef>
+          <a:effectRef idx="0">
+            <a:schemeClr val="accent1"/>
+          </a:effectRef>
+          <a:fontRef idx="minor">
+            <a:schemeClr val="lt1"/>
+          </a:fontRef>
+        </p:style>
+        <p:txBody>
+          <a:bodyPr rtlCol="0" anchor="ctr"/>
+          <a:lstStyle/>
+          <a:p>
+            <a:pPr algn="ctr"/>
+            <a:endParaRPr lang="ko-KR" altLang="en-US" dirty="0"/>
+          </a:p>
+        </p:txBody>
+      </p:sp>
+    </p:spTree>
+    <p:extLst>
+      <p:ext uri="{BB962C8B-B14F-4D97-AF65-F5344CB8AC3E}">
+        <p14:creationId xmlns:p14="http://schemas.microsoft.com/office/powerpoint/2010/main" val="478767533"/>
+      </p:ext>
+    </p:extLst>
+  </p:cSld>
+  <p:clrMapOvr>
+    <a:masterClrMapping/>
+  </p:clrMapOvr>
+</p:sld>
+</file>
+
+<file path=ppt/slides/slide27.xml><?xml version="1.0" encoding="utf-8"?>
+<p:sld xmlns:a="http://schemas.openxmlformats.org/drawingml/2006/main" xmlns:r="http://schemas.openxmlformats.org/officeDocument/2006/relationships" xmlns:p="http://schemas.openxmlformats.org/presentationml/2006/main">
+  <p:cSld>
+    <p:spTree>
+      <p:nvGrpSpPr>
+        <p:cNvPr id="1" name=""/>
+        <p:cNvGrpSpPr/>
+        <p:nvPr/>
+      </p:nvGrpSpPr>
+      <p:grpSpPr>
+        <a:xfrm>
+          <a:off x="0" y="0"/>
+          <a:ext cx="0" cy="0"/>
+          <a:chOff x="0" y="0"/>
+          <a:chExt cx="0" cy="0"/>
+        </a:xfrm>
+      </p:grpSpPr>
+      <p:pic>
+        <p:nvPicPr>
+          <p:cNvPr id="3" name="그림 2">
+            <a:extLst>
+              <a:ext uri="{FF2B5EF4-FFF2-40B4-BE49-F238E27FC236}">
+                <a16:creationId xmlns:a16="http://schemas.microsoft.com/office/drawing/2014/main" id="{B5536FFF-BBA9-828C-5E8F-F67E91F0B1B8}"/>
+              </a:ext>
+            </a:extLst>
+          </p:cNvPr>
+          <p:cNvPicPr>
+            <a:picLocks noChangeAspect="1"/>
+          </p:cNvPicPr>
+          <p:nvPr/>
+        </p:nvPicPr>
+        <p:blipFill>
+          <a:blip r:embed="rId3"/>
+          <a:stretch>
+            <a:fillRect/>
+          </a:stretch>
+        </p:blipFill>
+        <p:spPr>
+          <a:xfrm>
+            <a:off x="3643294" y="790555"/>
+            <a:ext cx="4905411" cy="5276889"/>
+          </a:xfrm>
+          <a:prstGeom prst="rect">
+            <a:avLst/>
+          </a:prstGeom>
+        </p:spPr>
+      </p:pic>
+      <p:sp>
+        <p:nvSpPr>
+          <p:cNvPr id="6" name="제목 1">
+            <a:extLst>
+              <a:ext uri="{FF2B5EF4-FFF2-40B4-BE49-F238E27FC236}">
+                <a16:creationId xmlns:a16="http://schemas.microsoft.com/office/drawing/2014/main" id="{1A9E6521-939D-B511-A530-A95EFFE5A88E}"/>
+              </a:ext>
+            </a:extLst>
+          </p:cNvPr>
+          <p:cNvSpPr txBox="1">
+            <a:spLocks/>
+          </p:cNvSpPr>
+          <p:nvPr/>
+        </p:nvSpPr>
+        <p:spPr>
+          <a:xfrm>
+            <a:off x="391961" y="186770"/>
+            <a:ext cx="10635703" cy="644504"/>
+          </a:xfrm>
+          <a:prstGeom prst="rect">
+            <a:avLst/>
+          </a:prstGeom>
+        </p:spPr>
+        <p:txBody>
+          <a:bodyPr vert="horz" lIns="91440" tIns="45720" rIns="91440" bIns="45720" rtlCol="0" anchor="ctr">
+            <a:noAutofit/>
+          </a:bodyPr>
+          <a:lstStyle>
+            <a:lvl1pPr algn="l" defTabSz="914400" rtl="0" eaLnBrk="1" latinLnBrk="1" hangingPunct="1">
+              <a:lnSpc>
+                <a:spcPct val="90000"/>
+              </a:lnSpc>
+              <a:spcBef>
+                <a:spcPct val="0"/>
+              </a:spcBef>
+              <a:buNone/>
+              <a:defRPr sz="3200" kern="1200">
+                <a:solidFill>
+                  <a:schemeClr val="tx1"/>
+                </a:solidFill>
+                <a:latin typeface="+mj-lt"/>
+                <a:ea typeface="+mj-ea"/>
+                <a:cs typeface="+mj-cs"/>
+              </a:defRPr>
+            </a:lvl1pPr>
+          </a:lstStyle>
+          <a:p>
+            <a:r>
+              <a:rPr lang="en-US" altLang="ko-KR" b="1" dirty="0">
+                <a:solidFill>
+                  <a:srgbClr val="00153E"/>
+                </a:solidFill>
+              </a:rPr>
+              <a:t>GitHub - eclipse import</a:t>
+            </a:r>
+            <a:endParaRPr lang="ko-KR" altLang="en-US" b="1" dirty="0">
+              <a:solidFill>
+                <a:srgbClr val="00153E"/>
+              </a:solidFill>
+            </a:endParaRPr>
+          </a:p>
+        </p:txBody>
+      </p:sp>
+      <p:sp>
+        <p:nvSpPr>
+          <p:cNvPr id="8" name="직사각형 7">
+            <a:extLst>
+              <a:ext uri="{FF2B5EF4-FFF2-40B4-BE49-F238E27FC236}">
+                <a16:creationId xmlns:a16="http://schemas.microsoft.com/office/drawing/2014/main" id="{0EA1A05C-D804-3723-CD47-F33794CCCC52}"/>
+              </a:ext>
+            </a:extLst>
+          </p:cNvPr>
+          <p:cNvSpPr/>
+          <p:nvPr/>
+        </p:nvSpPr>
+        <p:spPr>
+          <a:xfrm>
+            <a:off x="6605801" y="5683985"/>
+            <a:ext cx="868958" cy="231999"/>
+          </a:xfrm>
+          <a:prstGeom prst="rect">
+            <a:avLst/>
+          </a:prstGeom>
+          <a:noFill/>
+          <a:ln w="38100">
+            <a:solidFill>
+              <a:srgbClr val="FF0000"/>
+            </a:solidFill>
+          </a:ln>
+        </p:spPr>
+        <p:style>
+          <a:lnRef idx="2">
+            <a:schemeClr val="accent1">
+              <a:shade val="50000"/>
+            </a:schemeClr>
+          </a:lnRef>
+          <a:fillRef idx="1">
+            <a:schemeClr val="accent1"/>
+          </a:fillRef>
+          <a:effectRef idx="0">
+            <a:schemeClr val="accent1"/>
+          </a:effectRef>
+          <a:fontRef idx="minor">
+            <a:schemeClr val="lt1"/>
+          </a:fontRef>
+        </p:style>
+        <p:txBody>
+          <a:bodyPr rtlCol="0" anchor="ctr"/>
+          <a:lstStyle/>
+          <a:p>
+            <a:pPr algn="ctr"/>
+            <a:endParaRPr lang="ko-KR" altLang="en-US" dirty="0"/>
+          </a:p>
+        </p:txBody>
+      </p:sp>
+      <p:pic>
+        <p:nvPicPr>
+          <p:cNvPr id="9" name="그림 8">
+            <a:extLst>
+              <a:ext uri="{FF2B5EF4-FFF2-40B4-BE49-F238E27FC236}">
+                <a16:creationId xmlns:a16="http://schemas.microsoft.com/office/drawing/2014/main" id="{21259D0A-54AA-5E32-5A38-2D023E05C83B}"/>
+              </a:ext>
+            </a:extLst>
+          </p:cNvPr>
+          <p:cNvPicPr>
+            <a:picLocks noChangeAspect="1"/>
+          </p:cNvPicPr>
+          <p:nvPr/>
+        </p:nvPicPr>
+        <p:blipFill>
+          <a:blip r:embed="rId4"/>
+          <a:stretch>
+            <a:fillRect/>
+          </a:stretch>
+        </p:blipFill>
+        <p:spPr>
+          <a:xfrm>
+            <a:off x="4429113" y="1447785"/>
+            <a:ext cx="3333774" cy="3962429"/>
+          </a:xfrm>
+          <a:prstGeom prst="rect">
+            <a:avLst/>
+          </a:prstGeom>
+        </p:spPr>
+      </p:pic>
+    </p:spTree>
+    <p:extLst>
+      <p:ext uri="{BB962C8B-B14F-4D97-AF65-F5344CB8AC3E}">
+        <p14:creationId xmlns:p14="http://schemas.microsoft.com/office/powerpoint/2010/main" val="3004138942"/>
+      </p:ext>
+    </p:extLst>
+  </p:cSld>
+  <p:clrMapOvr>
+    <a:masterClrMapping/>
+  </p:clrMapOvr>
+</p:sld>
+</file>
+
+<file path=ppt/slides/slide28.xml><?xml version="1.0" encoding="utf-8"?>
+<p:sld xmlns:a="http://schemas.openxmlformats.org/drawingml/2006/main" xmlns:r="http://schemas.openxmlformats.org/officeDocument/2006/relationships" xmlns:p="http://schemas.openxmlformats.org/presentationml/2006/main">
+  <p:cSld>
+    <p:spTree>
+      <p:nvGrpSpPr>
+        <p:cNvPr id="1" name=""/>
+        <p:cNvGrpSpPr/>
+        <p:nvPr/>
+      </p:nvGrpSpPr>
+      <p:grpSpPr>
+        <a:xfrm>
+          <a:off x="0" y="0"/>
+          <a:ext cx="0" cy="0"/>
+          <a:chOff x="0" y="0"/>
+          <a:chExt cx="0" cy="0"/>
+        </a:xfrm>
+      </p:grpSpPr>
+      <p:sp>
+        <p:nvSpPr>
+          <p:cNvPr id="6" name="제목 1">
+            <a:extLst>
+              <a:ext uri="{FF2B5EF4-FFF2-40B4-BE49-F238E27FC236}">
+                <a16:creationId xmlns:a16="http://schemas.microsoft.com/office/drawing/2014/main" id="{1A9E6521-939D-B511-A530-A95EFFE5A88E}"/>
+              </a:ext>
+            </a:extLst>
+          </p:cNvPr>
+          <p:cNvSpPr txBox="1">
+            <a:spLocks/>
+          </p:cNvSpPr>
+          <p:nvPr/>
+        </p:nvSpPr>
+        <p:spPr>
+          <a:xfrm>
+            <a:off x="391961" y="186770"/>
+            <a:ext cx="10635703" cy="644504"/>
+          </a:xfrm>
+          <a:prstGeom prst="rect">
+            <a:avLst/>
+          </a:prstGeom>
+        </p:spPr>
+        <p:txBody>
+          <a:bodyPr vert="horz" lIns="91440" tIns="45720" rIns="91440" bIns="45720" rtlCol="0" anchor="ctr">
+            <a:noAutofit/>
+          </a:bodyPr>
+          <a:lstStyle>
+            <a:lvl1pPr algn="l" defTabSz="914400" rtl="0" eaLnBrk="1" latinLnBrk="1" hangingPunct="1">
+              <a:lnSpc>
+                <a:spcPct val="90000"/>
+              </a:lnSpc>
+              <a:spcBef>
+                <a:spcPct val="0"/>
+              </a:spcBef>
+              <a:buNone/>
+              <a:defRPr sz="3200" kern="1200">
+                <a:solidFill>
+                  <a:schemeClr val="tx1"/>
+                </a:solidFill>
+                <a:latin typeface="+mj-lt"/>
+                <a:ea typeface="+mj-ea"/>
+                <a:cs typeface="+mj-cs"/>
+              </a:defRPr>
+            </a:lvl1pPr>
+          </a:lstStyle>
+          <a:p>
+            <a:r>
+              <a:rPr lang="en-US" altLang="ko-KR" b="1" dirty="0">
+                <a:solidFill>
+                  <a:srgbClr val="00153E"/>
+                </a:solidFill>
+              </a:rPr>
+              <a:t>GitHub - eclipse import</a:t>
+            </a:r>
+            <a:endParaRPr lang="ko-KR" altLang="en-US" b="1" dirty="0">
+              <a:solidFill>
+                <a:srgbClr val="00153E"/>
+              </a:solidFill>
+            </a:endParaRPr>
+          </a:p>
+        </p:txBody>
+      </p:sp>
+      <p:pic>
+        <p:nvPicPr>
+          <p:cNvPr id="9" name="그림 8">
+            <a:extLst>
+              <a:ext uri="{FF2B5EF4-FFF2-40B4-BE49-F238E27FC236}">
+                <a16:creationId xmlns:a16="http://schemas.microsoft.com/office/drawing/2014/main" id="{21259D0A-54AA-5E32-5A38-2D023E05C83B}"/>
+              </a:ext>
+            </a:extLst>
+          </p:cNvPr>
+          <p:cNvPicPr>
+            <a:picLocks noChangeAspect="1"/>
+          </p:cNvPicPr>
+          <p:nvPr/>
+        </p:nvPicPr>
+        <p:blipFill>
+          <a:blip r:embed="rId3"/>
+          <a:stretch>
+            <a:fillRect/>
+          </a:stretch>
+        </p:blipFill>
+        <p:spPr>
+          <a:xfrm>
+            <a:off x="4079067" y="1031730"/>
+            <a:ext cx="4033866" cy="4794539"/>
+          </a:xfrm>
+          <a:prstGeom prst="rect">
+            <a:avLst/>
+          </a:prstGeom>
+          <a:ln>
+            <a:solidFill>
+              <a:schemeClr val="tx1"/>
+            </a:solidFill>
+          </a:ln>
+        </p:spPr>
+      </p:pic>
+      <p:sp>
+        <p:nvSpPr>
+          <p:cNvPr id="2" name="TextBox 1">
+            <a:extLst>
+              <a:ext uri="{FF2B5EF4-FFF2-40B4-BE49-F238E27FC236}">
+                <a16:creationId xmlns:a16="http://schemas.microsoft.com/office/drawing/2014/main" id="{1DC4C88A-B3D3-69D6-D75F-9395242ABE63}"/>
+              </a:ext>
+            </a:extLst>
+          </p:cNvPr>
+          <p:cNvSpPr txBox="1"/>
+          <p:nvPr/>
+        </p:nvSpPr>
+        <p:spPr>
+          <a:xfrm>
+            <a:off x="3035981" y="6278295"/>
+            <a:ext cx="6120036" cy="369332"/>
+          </a:xfrm>
+          <a:prstGeom prst="rect">
+            <a:avLst/>
+          </a:prstGeom>
+          <a:noFill/>
+        </p:spPr>
+        <p:txBody>
+          <a:bodyPr wrap="square">
+            <a:spAutoFit/>
+          </a:bodyPr>
+          <a:lstStyle/>
+          <a:p>
+            <a:pPr algn="ctr"/>
+            <a:r>
+              <a:rPr lang="en-US" altLang="ko-KR" b="1" dirty="0">
+                <a:highlight>
+                  <a:srgbClr val="FFFF00"/>
+                </a:highlight>
+              </a:rPr>
+              <a:t>Import </a:t>
+            </a:r>
+            <a:r>
+              <a:rPr lang="ko-KR" altLang="en-US" b="1" dirty="0">
+                <a:highlight>
+                  <a:srgbClr val="FFFF00"/>
+                </a:highlight>
+              </a:rPr>
+              <a:t>성공</a:t>
+            </a:r>
+            <a:r>
+              <a:rPr lang="en-US" altLang="ko-KR" b="1" dirty="0">
+                <a:highlight>
+                  <a:srgbClr val="FFFF00"/>
+                </a:highlight>
+              </a:rPr>
+              <a:t>!</a:t>
+            </a:r>
+            <a:endParaRPr lang="ko-KR" altLang="en-US" b="1" dirty="0">
+              <a:highlight>
+                <a:srgbClr val="FFFF00"/>
+              </a:highlight>
+            </a:endParaRPr>
+          </a:p>
+        </p:txBody>
+      </p:sp>
+    </p:spTree>
+    <p:extLst>
+      <p:ext uri="{BB962C8B-B14F-4D97-AF65-F5344CB8AC3E}">
+        <p14:creationId xmlns:p14="http://schemas.microsoft.com/office/powerpoint/2010/main" val="430168432"/>
+      </p:ext>
+    </p:extLst>
+  </p:cSld>
+  <p:clrMapOvr>
+    <a:masterClrMapping/>
+  </p:clrMapOvr>
+</p:sld>
+</file>
+
+<file path=ppt/slides/slide3.xml><?xml version="1.0" encoding="utf-8"?>
+<p:sld xmlns:a="http://schemas.openxmlformats.org/drawingml/2006/main" xmlns:r="http://schemas.openxmlformats.org/officeDocument/2006/relationships" xmlns:p="http://schemas.openxmlformats.org/presentationml/2006/main">
+  <p:cSld>
+    <p:spTree>
+      <p:nvGrpSpPr>
+        <p:cNvPr id="1" name=""/>
+        <p:cNvGrpSpPr/>
+        <p:nvPr/>
+      </p:nvGrpSpPr>
+      <p:grpSpPr>
+        <a:xfrm>
+          <a:off x="0" y="0"/>
+          <a:ext cx="0" cy="0"/>
+          <a:chOff x="0" y="0"/>
+          <a:chExt cx="0" cy="0"/>
+        </a:xfrm>
+      </p:grpSpPr>
+      <p:pic>
+        <p:nvPicPr>
+          <p:cNvPr id="3" name="그림 2">
+            <a:extLst>
+              <a:ext uri="{FF2B5EF4-FFF2-40B4-BE49-F238E27FC236}">
+                <a16:creationId xmlns:a16="http://schemas.microsoft.com/office/drawing/2014/main" id="{E6ADDC7F-3CEB-8FA5-C353-A20D9004473F}"/>
+              </a:ext>
+            </a:extLst>
+          </p:cNvPr>
+          <p:cNvPicPr>
+            <a:picLocks noChangeAspect="1"/>
+          </p:cNvPicPr>
+          <p:nvPr/>
+        </p:nvPicPr>
+        <p:blipFill rotWithShape="1">
+          <a:blip r:embed="rId3"/>
+          <a:srcRect b="9885"/>
+          <a:stretch/>
+        </p:blipFill>
+        <p:spPr>
+          <a:xfrm>
+            <a:off x="1057984" y="1105226"/>
+            <a:ext cx="10076033" cy="4188134"/>
+          </a:xfrm>
+          <a:prstGeom prst="rect">
+            <a:avLst/>
+          </a:prstGeom>
+        </p:spPr>
+      </p:pic>
+      <p:sp>
+        <p:nvSpPr>
+          <p:cNvPr id="9" name="제목 1">
+            <a:extLst>
+              <a:ext uri="{FF2B5EF4-FFF2-40B4-BE49-F238E27FC236}">
+                <a16:creationId xmlns:a16="http://schemas.microsoft.com/office/drawing/2014/main" id="{6628CBDC-D94D-D5A8-D1E5-5484076AF844}"/>
+              </a:ext>
+            </a:extLst>
+          </p:cNvPr>
+          <p:cNvSpPr txBox="1">
+            <a:spLocks/>
+          </p:cNvSpPr>
+          <p:nvPr/>
+        </p:nvSpPr>
+        <p:spPr>
+          <a:xfrm>
+            <a:off x="391961" y="186770"/>
+            <a:ext cx="10635703" cy="644504"/>
+          </a:xfrm>
+          <a:prstGeom prst="rect">
+            <a:avLst/>
+          </a:prstGeom>
+        </p:spPr>
+        <p:txBody>
+          <a:bodyPr vert="horz" lIns="91440" tIns="45720" rIns="91440" bIns="45720" rtlCol="0" anchor="ctr">
+            <a:noAutofit/>
+          </a:bodyPr>
+          <a:lstStyle>
+            <a:lvl1pPr algn="l" defTabSz="914400" rtl="0" eaLnBrk="1" latinLnBrk="1" hangingPunct="1">
+              <a:lnSpc>
+                <a:spcPct val="90000"/>
+              </a:lnSpc>
+              <a:spcBef>
+                <a:spcPct val="0"/>
+              </a:spcBef>
+              <a:buNone/>
+              <a:defRPr sz="3200" kern="1200">
+                <a:solidFill>
+                  <a:schemeClr val="tx1"/>
+                </a:solidFill>
+                <a:latin typeface="+mj-lt"/>
+                <a:ea typeface="+mj-ea"/>
+                <a:cs typeface="+mj-cs"/>
+              </a:defRPr>
+            </a:lvl1pPr>
+          </a:lstStyle>
+          <a:p>
+            <a:r>
+              <a:rPr lang="en-US" altLang="ko-KR" b="1" dirty="0">
+                <a:solidFill>
+                  <a:srgbClr val="00153E"/>
+                </a:solidFill>
+              </a:rPr>
+              <a:t>GitHub </a:t>
+            </a:r>
+            <a:r>
+              <a:rPr lang="ko-KR" altLang="en-US" b="1" dirty="0">
+                <a:solidFill>
+                  <a:srgbClr val="00153E"/>
+                </a:solidFill>
+              </a:rPr>
+              <a:t>토큰발행 </a:t>
+            </a:r>
+            <a:r>
+              <a:rPr lang="en-US" altLang="ko-KR" b="1" dirty="0">
+                <a:solidFill>
+                  <a:srgbClr val="00153E"/>
+                </a:solidFill>
+              </a:rPr>
+              <a:t>- 2</a:t>
+            </a:r>
+            <a:endParaRPr lang="ko-KR" altLang="en-US" b="1" dirty="0">
+              <a:solidFill>
+                <a:srgbClr val="00153E"/>
+              </a:solidFill>
+            </a:endParaRPr>
+          </a:p>
+        </p:txBody>
+      </p:sp>
+      <p:sp>
+        <p:nvSpPr>
+          <p:cNvPr id="15" name="직사각형 14">
+            <a:extLst>
+              <a:ext uri="{FF2B5EF4-FFF2-40B4-BE49-F238E27FC236}">
+                <a16:creationId xmlns:a16="http://schemas.microsoft.com/office/drawing/2014/main" id="{7709D30D-C669-79CC-55C1-3D3D3E12270D}"/>
+              </a:ext>
+            </a:extLst>
+          </p:cNvPr>
+          <p:cNvSpPr/>
+          <p:nvPr/>
+        </p:nvSpPr>
+        <p:spPr>
+          <a:xfrm>
+            <a:off x="1057982" y="3157555"/>
+            <a:ext cx="2701217" cy="271445"/>
+          </a:xfrm>
+          <a:prstGeom prst="rect">
+            <a:avLst/>
+          </a:prstGeom>
+          <a:noFill/>
+          <a:ln w="38100">
+            <a:solidFill>
+              <a:srgbClr val="FF0000"/>
+            </a:solidFill>
+          </a:ln>
+        </p:spPr>
+        <p:style>
+          <a:lnRef idx="2">
+            <a:schemeClr val="accent1">
+              <a:shade val="50000"/>
+            </a:schemeClr>
+          </a:lnRef>
+          <a:fillRef idx="1">
+            <a:schemeClr val="accent1"/>
+          </a:fillRef>
+          <a:effectRef idx="0">
+            <a:schemeClr val="accent1"/>
+          </a:effectRef>
+          <a:fontRef idx="minor">
+            <a:schemeClr val="lt1"/>
+          </a:fontRef>
+        </p:style>
+        <p:txBody>
+          <a:bodyPr rtlCol="0" anchor="ctr"/>
+          <a:lstStyle/>
+          <a:p>
+            <a:pPr algn="ctr"/>
+            <a:endParaRPr lang="ko-KR" altLang="en-US"/>
+          </a:p>
+        </p:txBody>
+      </p:sp>
+      <p:sp>
+        <p:nvSpPr>
+          <p:cNvPr id="16" name="직사각형 15">
+            <a:extLst>
+              <a:ext uri="{FF2B5EF4-FFF2-40B4-BE49-F238E27FC236}">
+                <a16:creationId xmlns:a16="http://schemas.microsoft.com/office/drawing/2014/main" id="{43E02637-37E4-317E-0592-B5D8CC93C844}"/>
+              </a:ext>
+            </a:extLst>
+          </p:cNvPr>
+          <p:cNvSpPr/>
+          <p:nvPr/>
+        </p:nvSpPr>
+        <p:spPr>
+          <a:xfrm>
+            <a:off x="1370201" y="3791527"/>
+            <a:ext cx="938889" cy="189345"/>
+          </a:xfrm>
+          <a:prstGeom prst="rect">
+            <a:avLst/>
+          </a:prstGeom>
+          <a:noFill/>
+          <a:ln w="38100">
+            <a:solidFill>
+              <a:srgbClr val="FF0000"/>
+            </a:solidFill>
+          </a:ln>
+        </p:spPr>
+        <p:style>
+          <a:lnRef idx="2">
+            <a:schemeClr val="accent1">
+              <a:shade val="50000"/>
+            </a:schemeClr>
+          </a:lnRef>
+          <a:fillRef idx="1">
+            <a:schemeClr val="accent1"/>
+          </a:fillRef>
+          <a:effectRef idx="0">
+            <a:schemeClr val="accent1"/>
+          </a:effectRef>
+          <a:fontRef idx="minor">
+            <a:schemeClr val="lt1"/>
+          </a:fontRef>
+        </p:style>
+        <p:txBody>
+          <a:bodyPr rtlCol="0" anchor="ctr"/>
+          <a:lstStyle/>
+          <a:p>
+            <a:pPr algn="ctr"/>
+            <a:endParaRPr lang="ko-KR" altLang="en-US" dirty="0"/>
+          </a:p>
+        </p:txBody>
+      </p:sp>
+      <p:sp>
+        <p:nvSpPr>
+          <p:cNvPr id="4" name="직사각형 3">
+            <a:extLst>
+              <a:ext uri="{FF2B5EF4-FFF2-40B4-BE49-F238E27FC236}">
+                <a16:creationId xmlns:a16="http://schemas.microsoft.com/office/drawing/2014/main" id="{D5FF899F-1CB7-12AD-6B8E-C7399979CBCE}"/>
+              </a:ext>
+            </a:extLst>
+          </p:cNvPr>
+          <p:cNvSpPr/>
+          <p:nvPr/>
+        </p:nvSpPr>
+        <p:spPr>
+          <a:xfrm>
+            <a:off x="9585946" y="2530764"/>
+            <a:ext cx="1441718" cy="258618"/>
+          </a:xfrm>
+          <a:prstGeom prst="rect">
+            <a:avLst/>
+          </a:prstGeom>
+          <a:noFill/>
+          <a:ln w="38100">
+            <a:solidFill>
+              <a:srgbClr val="FF0000"/>
+            </a:solidFill>
+          </a:ln>
+        </p:spPr>
+        <p:style>
+          <a:lnRef idx="2">
+            <a:schemeClr val="accent1">
+              <a:shade val="50000"/>
+            </a:schemeClr>
+          </a:lnRef>
+          <a:fillRef idx="1">
+            <a:schemeClr val="accent1"/>
+          </a:fillRef>
+          <a:effectRef idx="0">
+            <a:schemeClr val="accent1"/>
+          </a:effectRef>
+          <a:fontRef idx="minor">
+            <a:schemeClr val="lt1"/>
+          </a:fontRef>
+        </p:style>
+        <p:txBody>
+          <a:bodyPr rtlCol="0" anchor="ctr"/>
+          <a:lstStyle/>
+          <a:p>
+            <a:pPr algn="ctr"/>
             <a:endParaRPr lang="ko-KR" altLang="en-US" dirty="0"/>
           </a:p>
         </p:txBody>
@@ -7958,7 +11880,7 @@
 </p:sld>
 </file>
 
-<file path=ppt/slides/slide3.xml><?xml version="1.0" encoding="utf-8"?>
+<file path=ppt/slides/slide4.xml><?xml version="1.0" encoding="utf-8"?>
 <p:sld xmlns:a="http://schemas.openxmlformats.org/drawingml/2006/main" xmlns:r="http://schemas.openxmlformats.org/officeDocument/2006/relationships" xmlns:p="http://schemas.openxmlformats.org/presentationml/2006/main">
   <p:cSld>
     <p:spTree>
@@ -8337,7 +12259,7 @@
 </p:sld>
 </file>
 
-<file path=ppt/slides/slide4.xml><?xml version="1.0" encoding="utf-8"?>
+<file path=ppt/slides/slide5.xml><?xml version="1.0" encoding="utf-8"?>
 <p:sld xmlns:a="http://schemas.openxmlformats.org/drawingml/2006/main" xmlns:r="http://schemas.openxmlformats.org/officeDocument/2006/relationships" xmlns:p="http://schemas.openxmlformats.org/presentationml/2006/main">
   <p:cSld>
     <p:spTree>
@@ -8564,245 +12486,6 @@
     <p:extLst>
       <p:ext uri="{BB962C8B-B14F-4D97-AF65-F5344CB8AC3E}">
         <p14:creationId xmlns:p14="http://schemas.microsoft.com/office/powerpoint/2010/main" val="2369092827"/>
-      </p:ext>
-    </p:extLst>
-  </p:cSld>
-  <p:clrMapOvr>
-    <a:masterClrMapping/>
-  </p:clrMapOvr>
-</p:sld>
-</file>
-
-<file path=ppt/slides/slide5.xml><?xml version="1.0" encoding="utf-8"?>
-<p:sld xmlns:a="http://schemas.openxmlformats.org/drawingml/2006/main" xmlns:r="http://schemas.openxmlformats.org/officeDocument/2006/relationships" xmlns:p="http://schemas.openxmlformats.org/presentationml/2006/main">
-  <p:cSld>
-    <p:spTree>
-      <p:nvGrpSpPr>
-        <p:cNvPr id="1" name=""/>
-        <p:cNvGrpSpPr/>
-        <p:nvPr/>
-      </p:nvGrpSpPr>
-      <p:grpSpPr>
-        <a:xfrm>
-          <a:off x="0" y="0"/>
-          <a:ext cx="0" cy="0"/>
-          <a:chOff x="0" y="0"/>
-          <a:chExt cx="0" cy="0"/>
-        </a:xfrm>
-      </p:grpSpPr>
-      <p:pic>
-        <p:nvPicPr>
-          <p:cNvPr id="4" name="그림 3">
-            <a:extLst>
-              <a:ext uri="{FF2B5EF4-FFF2-40B4-BE49-F238E27FC236}">
-                <a16:creationId xmlns:a16="http://schemas.microsoft.com/office/drawing/2014/main" id="{2A990AF3-8D23-5EA5-674D-437B138B5D66}"/>
-              </a:ext>
-            </a:extLst>
-          </p:cNvPr>
-          <p:cNvPicPr>
-            <a:picLocks noChangeAspect="1"/>
-          </p:cNvPicPr>
-          <p:nvPr/>
-        </p:nvPicPr>
-        <p:blipFill>
-          <a:blip r:embed="rId3"/>
-          <a:stretch>
-            <a:fillRect/>
-          </a:stretch>
-        </p:blipFill>
-        <p:spPr>
-          <a:xfrm>
-            <a:off x="2310863" y="1076087"/>
-            <a:ext cx="7426409" cy="4258277"/>
-          </a:xfrm>
-          <a:prstGeom prst="rect">
-            <a:avLst/>
-          </a:prstGeom>
-        </p:spPr>
-      </p:pic>
-      <p:sp>
-        <p:nvSpPr>
-          <p:cNvPr id="9" name="제목 1">
-            <a:extLst>
-              <a:ext uri="{FF2B5EF4-FFF2-40B4-BE49-F238E27FC236}">
-                <a16:creationId xmlns:a16="http://schemas.microsoft.com/office/drawing/2014/main" id="{6628CBDC-D94D-D5A8-D1E5-5484076AF844}"/>
-              </a:ext>
-            </a:extLst>
-          </p:cNvPr>
-          <p:cNvSpPr txBox="1">
-            <a:spLocks/>
-          </p:cNvSpPr>
-          <p:nvPr/>
-        </p:nvSpPr>
-        <p:spPr>
-          <a:xfrm>
-            <a:off x="391961" y="186770"/>
-            <a:ext cx="10635703" cy="644504"/>
-          </a:xfrm>
-          <a:prstGeom prst="rect">
-            <a:avLst/>
-          </a:prstGeom>
-        </p:spPr>
-        <p:txBody>
-          <a:bodyPr vert="horz" lIns="91440" tIns="45720" rIns="91440" bIns="45720" rtlCol="0" anchor="ctr">
-            <a:noAutofit/>
-          </a:bodyPr>
-          <a:lstStyle>
-            <a:lvl1pPr algn="l" defTabSz="914400" rtl="0" eaLnBrk="1" latinLnBrk="1" hangingPunct="1">
-              <a:lnSpc>
-                <a:spcPct val="90000"/>
-              </a:lnSpc>
-              <a:spcBef>
-                <a:spcPct val="0"/>
-              </a:spcBef>
-              <a:buNone/>
-              <a:defRPr sz="3200" kern="1200">
-                <a:solidFill>
-                  <a:schemeClr val="tx1"/>
-                </a:solidFill>
-                <a:latin typeface="+mj-lt"/>
-                <a:ea typeface="+mj-ea"/>
-                <a:cs typeface="+mj-cs"/>
-              </a:defRPr>
-            </a:lvl1pPr>
-          </a:lstStyle>
-          <a:p>
-            <a:r>
-              <a:rPr lang="en-US" altLang="ko-KR" b="1" dirty="0">
-                <a:solidFill>
-                  <a:srgbClr val="00153E"/>
-                </a:solidFill>
-              </a:rPr>
-              <a:t>GitHub </a:t>
-            </a:r>
-            <a:r>
-              <a:rPr lang="ko-KR" altLang="en-US" b="1" dirty="0">
-                <a:solidFill>
-                  <a:srgbClr val="00153E"/>
-                </a:solidFill>
-              </a:rPr>
-              <a:t>토큰발행 </a:t>
-            </a:r>
-            <a:r>
-              <a:rPr lang="en-US" altLang="ko-KR" b="1" dirty="0">
-                <a:solidFill>
-                  <a:srgbClr val="00153E"/>
-                </a:solidFill>
-              </a:rPr>
-              <a:t>- 5</a:t>
-            </a:r>
-            <a:endParaRPr lang="ko-KR" altLang="en-US" b="1" dirty="0">
-              <a:solidFill>
-                <a:srgbClr val="00153E"/>
-              </a:solidFill>
-            </a:endParaRPr>
-          </a:p>
-        </p:txBody>
-      </p:sp>
-      <p:sp>
-        <p:nvSpPr>
-          <p:cNvPr id="5" name="직사각형 4">
-            <a:extLst>
-              <a:ext uri="{FF2B5EF4-FFF2-40B4-BE49-F238E27FC236}">
-                <a16:creationId xmlns:a16="http://schemas.microsoft.com/office/drawing/2014/main" id="{A788C0E3-C9FA-7F25-360F-2592F6E7F991}"/>
-              </a:ext>
-            </a:extLst>
-          </p:cNvPr>
-          <p:cNvSpPr/>
-          <p:nvPr/>
-        </p:nvSpPr>
-        <p:spPr>
-          <a:xfrm>
-            <a:off x="4593318" y="3755404"/>
-            <a:ext cx="5058681" cy="369555"/>
-          </a:xfrm>
-          <a:prstGeom prst="rect">
-            <a:avLst/>
-          </a:prstGeom>
-          <a:noFill/>
-          <a:ln w="38100">
-            <a:solidFill>
-              <a:srgbClr val="FF0000"/>
-            </a:solidFill>
-          </a:ln>
-        </p:spPr>
-        <p:style>
-          <a:lnRef idx="2">
-            <a:schemeClr val="accent1">
-              <a:shade val="50000"/>
-            </a:schemeClr>
-          </a:lnRef>
-          <a:fillRef idx="1">
-            <a:schemeClr val="accent1"/>
-          </a:fillRef>
-          <a:effectRef idx="0">
-            <a:schemeClr val="accent1"/>
-          </a:effectRef>
-          <a:fontRef idx="minor">
-            <a:schemeClr val="lt1"/>
-          </a:fontRef>
-        </p:style>
-        <p:txBody>
-          <a:bodyPr rtlCol="0" anchor="ctr"/>
-          <a:lstStyle/>
-          <a:p>
-            <a:pPr algn="ctr"/>
-            <a:endParaRPr lang="ko-KR" altLang="en-US" dirty="0"/>
-          </a:p>
-        </p:txBody>
-      </p:sp>
-      <p:sp>
-        <p:nvSpPr>
-          <p:cNvPr id="10" name="TextBox 9">
-            <a:extLst>
-              <a:ext uri="{FF2B5EF4-FFF2-40B4-BE49-F238E27FC236}">
-                <a16:creationId xmlns:a16="http://schemas.microsoft.com/office/drawing/2014/main" id="{0890F086-72B0-54A9-DAEC-9BA586F9CB2C}"/>
-              </a:ext>
-            </a:extLst>
-          </p:cNvPr>
-          <p:cNvSpPr txBox="1"/>
-          <p:nvPr/>
-        </p:nvSpPr>
-        <p:spPr>
-          <a:xfrm>
-            <a:off x="2238930" y="5385068"/>
-            <a:ext cx="7570273" cy="369332"/>
-          </a:xfrm>
-          <a:prstGeom prst="rect">
-            <a:avLst/>
-          </a:prstGeom>
-          <a:noFill/>
-        </p:spPr>
-        <p:txBody>
-          <a:bodyPr wrap="square">
-            <a:spAutoFit/>
-          </a:bodyPr>
-          <a:lstStyle/>
-          <a:p>
-            <a:pPr algn="ctr"/>
-            <a:r>
-              <a:rPr lang="ko-KR" altLang="en-US" dirty="0">
-                <a:highlight>
-                  <a:srgbClr val="FFFF00"/>
-                </a:highlight>
-              </a:rPr>
-              <a:t>토큰발행 완료</a:t>
-            </a:r>
-            <a:r>
-              <a:rPr lang="en-US" altLang="ko-KR" dirty="0">
-                <a:highlight>
-                  <a:srgbClr val="FFFF00"/>
-                </a:highlight>
-              </a:rPr>
-              <a:t>!</a:t>
-            </a:r>
-          </a:p>
-        </p:txBody>
-      </p:sp>
-    </p:spTree>
-    <p:extLst>
-      <p:ext uri="{BB962C8B-B14F-4D97-AF65-F5344CB8AC3E}">
-        <p14:creationId xmlns:p14="http://schemas.microsoft.com/office/powerpoint/2010/main" val="205445058"/>
       </p:ext>
     </p:extLst>
   </p:cSld>
@@ -8829,6 +12512,36 @@
           <a:chExt cx="0" cy="0"/>
         </a:xfrm>
       </p:grpSpPr>
+      <p:pic>
+        <p:nvPicPr>
+          <p:cNvPr id="4" name="그림 3">
+            <a:extLst>
+              <a:ext uri="{FF2B5EF4-FFF2-40B4-BE49-F238E27FC236}">
+                <a16:creationId xmlns:a16="http://schemas.microsoft.com/office/drawing/2014/main" id="{2A990AF3-8D23-5EA5-674D-437B138B5D66}"/>
+              </a:ext>
+            </a:extLst>
+          </p:cNvPr>
+          <p:cNvPicPr>
+            <a:picLocks noChangeAspect="1"/>
+          </p:cNvPicPr>
+          <p:nvPr/>
+        </p:nvPicPr>
+        <p:blipFill>
+          <a:blip r:embed="rId3"/>
+          <a:stretch>
+            <a:fillRect/>
+          </a:stretch>
+        </p:blipFill>
+        <p:spPr>
+          <a:xfrm>
+            <a:off x="2310863" y="1076087"/>
+            <a:ext cx="7426409" cy="4258277"/>
+          </a:xfrm>
+          <a:prstGeom prst="rect">
+            <a:avLst/>
+          </a:prstGeom>
+        </p:spPr>
+      </p:pic>
       <p:sp>
         <p:nvSpPr>
           <p:cNvPr id="9" name="제목 1">
@@ -8882,7 +12595,23 @@
                   <a:srgbClr val="00153E"/>
                 </a:solidFill>
               </a:rPr>
-              <a:t>GitHub Create repository</a:t>
+              <a:t>GitHub </a:t>
+            </a:r>
+            <a:r>
+              <a:rPr lang="ko-KR" altLang="en-US" b="1" dirty="0">
+                <a:solidFill>
+                  <a:srgbClr val="00153E"/>
+                </a:solidFill>
+              </a:rPr>
+              <a:t>토큰발행 </a:t>
+            </a:r>
+            <a:r>
+              <a:rPr lang="en-US" altLang="ko-KR" b="1" dirty="0">
+                <a:solidFill>
+                  <a:srgbClr val="00153E"/>
+                </a:solidFill>
+              </a:rPr>
+              <a:t>- 5</a:t>
             </a:r>
             <a:endParaRPr lang="ko-KR" altLang="en-US" b="1" dirty="0">
               <a:solidFill>
@@ -8892,42 +12621,12 @@
           </a:p>
         </p:txBody>
       </p:sp>
-      <p:pic>
-        <p:nvPicPr>
-          <p:cNvPr id="3" name="그림 2">
-            <a:extLst>
-              <a:ext uri="{FF2B5EF4-FFF2-40B4-BE49-F238E27FC236}">
-                <a16:creationId xmlns:a16="http://schemas.microsoft.com/office/drawing/2014/main" id="{0949EB69-D1ED-523F-F7B7-7EC3B4463FBF}"/>
-              </a:ext>
-            </a:extLst>
-          </p:cNvPr>
-          <p:cNvPicPr>
-            <a:picLocks noChangeAspect="1"/>
-          </p:cNvPicPr>
-          <p:nvPr/>
-        </p:nvPicPr>
-        <p:blipFill>
-          <a:blip r:embed="rId3"/>
-          <a:stretch>
-            <a:fillRect/>
-          </a:stretch>
-        </p:blipFill>
-        <p:spPr>
-          <a:xfrm>
-            <a:off x="2086100" y="852742"/>
-            <a:ext cx="8019800" cy="5152516"/>
-          </a:xfrm>
-          <a:prstGeom prst="rect">
-            <a:avLst/>
-          </a:prstGeom>
-        </p:spPr>
-      </p:pic>
-      <p:sp>
-        <p:nvSpPr>
-          <p:cNvPr id="6" name="직사각형 5">
-            <a:extLst>
-              <a:ext uri="{FF2B5EF4-FFF2-40B4-BE49-F238E27FC236}">
-                <a16:creationId xmlns:a16="http://schemas.microsoft.com/office/drawing/2014/main" id="{1AEB0DA1-D9CD-1CA0-6F33-8F74D654E61B}"/>
+      <p:sp>
+        <p:nvSpPr>
+          <p:cNvPr id="5" name="직사각형 4">
+            <a:extLst>
+              <a:ext uri="{FF2B5EF4-FFF2-40B4-BE49-F238E27FC236}">
+                <a16:creationId xmlns:a16="http://schemas.microsoft.com/office/drawing/2014/main" id="{A788C0E3-C9FA-7F25-360F-2592F6E7F991}"/>
               </a:ext>
             </a:extLst>
           </p:cNvPr>
@@ -8936,8 +12635,8 @@
         </p:nvSpPr>
         <p:spPr>
           <a:xfrm>
-            <a:off x="2205719" y="2587005"/>
-            <a:ext cx="1177562" cy="288276"/>
+            <a:off x="4593318" y="3755404"/>
+            <a:ext cx="5058681" cy="369555"/>
           </a:xfrm>
           <a:prstGeom prst="rect">
             <a:avLst/>
@@ -8976,10 +12675,10 @@
       </p:sp>
       <p:sp>
         <p:nvSpPr>
-          <p:cNvPr id="8" name="TextBox 7">
-            <a:extLst>
-              <a:ext uri="{FF2B5EF4-FFF2-40B4-BE49-F238E27FC236}">
-                <a16:creationId xmlns:a16="http://schemas.microsoft.com/office/drawing/2014/main" id="{675F65E3-F3DC-FEB0-2523-02567BE09DD5}"/>
+          <p:cNvPr id="10" name="TextBox 9">
+            <a:extLst>
+              <a:ext uri="{FF2B5EF4-FFF2-40B4-BE49-F238E27FC236}">
+                <a16:creationId xmlns:a16="http://schemas.microsoft.com/office/drawing/2014/main" id="{0890F086-72B0-54A9-DAEC-9BA586F9CB2C}"/>
               </a:ext>
             </a:extLst>
           </p:cNvPr>
@@ -8988,8 +12687,8 @@
         </p:nvSpPr>
         <p:spPr>
           <a:xfrm>
-            <a:off x="2205718" y="6119614"/>
-            <a:ext cx="7900181" cy="369332"/>
+            <a:off x="2238930" y="5385068"/>
+            <a:ext cx="7570273" cy="369332"/>
           </a:xfrm>
           <a:prstGeom prst="rect">
             <a:avLst/>
@@ -9003,26 +12702,29 @@
           <a:lstStyle/>
           <a:p>
             <a:pPr algn="ctr"/>
+            <a:r>
+              <a:rPr lang="ko-KR" altLang="en-US" dirty="0">
+                <a:highlight>
+                  <a:srgbClr val="FFFF00"/>
+                </a:highlight>
+              </a:rPr>
+              <a:t>토큰발행 완료</a:t>
+            </a:r>
             <a:r>
               <a:rPr lang="en-US" altLang="ko-KR" dirty="0">
                 <a:highlight>
                   <a:srgbClr val="FFFF00"/>
                 </a:highlight>
               </a:rPr>
-              <a:t>Create repository</a:t>
-            </a:r>
-            <a:endParaRPr lang="ko-KR" altLang="en-US" dirty="0">
-              <a:highlight>
-                <a:srgbClr val="FFFF00"/>
-              </a:highlight>
-            </a:endParaRPr>
+              <a:t>!</a:t>
+            </a:r>
           </a:p>
         </p:txBody>
       </p:sp>
     </p:spTree>
     <p:extLst>
       <p:ext uri="{BB962C8B-B14F-4D97-AF65-F5344CB8AC3E}">
-        <p14:creationId xmlns:p14="http://schemas.microsoft.com/office/powerpoint/2010/main" val="60276280"/>
+        <p14:creationId xmlns:p14="http://schemas.microsoft.com/office/powerpoint/2010/main" val="205445058"/>
       </p:ext>
     </p:extLst>
   </p:cSld>
@@ -9049,36 +12751,6 @@
           <a:chExt cx="0" cy="0"/>
         </a:xfrm>
       </p:grpSpPr>
-      <p:pic>
-        <p:nvPicPr>
-          <p:cNvPr id="4" name="그림 3">
-            <a:extLst>
-              <a:ext uri="{FF2B5EF4-FFF2-40B4-BE49-F238E27FC236}">
-                <a16:creationId xmlns:a16="http://schemas.microsoft.com/office/drawing/2014/main" id="{67FCC8D5-4451-7243-399C-7795C408781D}"/>
-              </a:ext>
-            </a:extLst>
-          </p:cNvPr>
-          <p:cNvPicPr>
-            <a:picLocks noChangeAspect="1"/>
-          </p:cNvPicPr>
-          <p:nvPr/>
-        </p:nvPicPr>
-        <p:blipFill>
-          <a:blip r:embed="rId3"/>
-          <a:stretch>
-            <a:fillRect/>
-          </a:stretch>
-        </p:blipFill>
-        <p:spPr>
-          <a:xfrm>
-            <a:off x="3087147" y="1003462"/>
-            <a:ext cx="6017705" cy="5667768"/>
-          </a:xfrm>
-          <a:prstGeom prst="rect">
-            <a:avLst/>
-          </a:prstGeom>
-        </p:spPr>
-      </p:pic>
       <p:sp>
         <p:nvSpPr>
           <p:cNvPr id="9" name="제목 1">
@@ -9142,6 +12814,36 @@
           </a:p>
         </p:txBody>
       </p:sp>
+      <p:pic>
+        <p:nvPicPr>
+          <p:cNvPr id="3" name="그림 2">
+            <a:extLst>
+              <a:ext uri="{FF2B5EF4-FFF2-40B4-BE49-F238E27FC236}">
+                <a16:creationId xmlns:a16="http://schemas.microsoft.com/office/drawing/2014/main" id="{0949EB69-D1ED-523F-F7B7-7EC3B4463FBF}"/>
+              </a:ext>
+            </a:extLst>
+          </p:cNvPr>
+          <p:cNvPicPr>
+            <a:picLocks noChangeAspect="1"/>
+          </p:cNvPicPr>
+          <p:nvPr/>
+        </p:nvPicPr>
+        <p:blipFill>
+          <a:blip r:embed="rId3"/>
+          <a:stretch>
+            <a:fillRect/>
+          </a:stretch>
+        </p:blipFill>
+        <p:spPr>
+          <a:xfrm>
+            <a:off x="2086100" y="852742"/>
+            <a:ext cx="8019800" cy="5152516"/>
+          </a:xfrm>
+          <a:prstGeom prst="rect">
+            <a:avLst/>
+          </a:prstGeom>
+        </p:spPr>
+      </p:pic>
       <p:sp>
         <p:nvSpPr>
           <p:cNvPr id="6" name="직사각형 5">
@@ -9156,8 +12858,8 @@
         </p:nvSpPr>
         <p:spPr>
           <a:xfrm>
-            <a:off x="3922758" y="2231404"/>
-            <a:ext cx="2691401" cy="450835"/>
+            <a:off x="2205719" y="2587005"/>
+            <a:ext cx="1177562" cy="288276"/>
           </a:xfrm>
           <a:prstGeom prst="rect">
             <a:avLst/>
@@ -9208,8 +12910,8 @@
         </p:nvSpPr>
         <p:spPr>
           <a:xfrm>
-            <a:off x="4990052" y="6335950"/>
-            <a:ext cx="6583680" cy="369332"/>
+            <a:off x="2205718" y="6119614"/>
+            <a:ext cx="7900181" cy="369332"/>
           </a:xfrm>
           <a:prstGeom prst="rect">
             <a:avLst/>
@@ -9239,62 +12941,10 @@
           </a:p>
         </p:txBody>
       </p:sp>
-      <p:sp>
-        <p:nvSpPr>
-          <p:cNvPr id="5" name="직사각형 4">
-            <a:extLst>
-              <a:ext uri="{FF2B5EF4-FFF2-40B4-BE49-F238E27FC236}">
-                <a16:creationId xmlns:a16="http://schemas.microsoft.com/office/drawing/2014/main" id="{B84C570B-41CC-8F29-A79B-E8AE6E94E551}"/>
-              </a:ext>
-            </a:extLst>
-          </p:cNvPr>
-          <p:cNvSpPr/>
-          <p:nvPr/>
-        </p:nvSpPr>
-        <p:spPr>
-          <a:xfrm>
-            <a:off x="4013200" y="6350000"/>
-            <a:ext cx="863600" cy="213360"/>
-          </a:xfrm>
-          <a:prstGeom prst="rect">
-            <a:avLst/>
-          </a:prstGeom>
-          <a:noFill/>
-          <a:ln w="38100">
-            <a:solidFill>
-              <a:srgbClr val="FF0000"/>
-            </a:solidFill>
-          </a:ln>
-        </p:spPr>
-        <p:style>
-          <a:lnRef idx="2">
-            <a:schemeClr val="accent1">
-              <a:shade val="50000"/>
-            </a:schemeClr>
-          </a:lnRef>
-          <a:fillRef idx="1">
-            <a:schemeClr val="accent1"/>
-          </a:fillRef>
-          <a:effectRef idx="0">
-            <a:schemeClr val="accent1"/>
-          </a:effectRef>
-          <a:fontRef idx="minor">
-            <a:schemeClr val="lt1"/>
-          </a:fontRef>
-        </p:style>
-        <p:txBody>
-          <a:bodyPr rtlCol="0" anchor="ctr"/>
-          <a:lstStyle/>
-          <a:p>
-            <a:pPr algn="ctr"/>
-            <a:endParaRPr lang="ko-KR" altLang="en-US" dirty="0"/>
-          </a:p>
-        </p:txBody>
-      </p:sp>
     </p:spTree>
     <p:extLst>
       <p:ext uri="{BB962C8B-B14F-4D97-AF65-F5344CB8AC3E}">
-        <p14:creationId xmlns:p14="http://schemas.microsoft.com/office/powerpoint/2010/main" val="3854727979"/>
+        <p14:creationId xmlns:p14="http://schemas.microsoft.com/office/powerpoint/2010/main" val="60276280"/>
       </p:ext>
     </p:extLst>
   </p:cSld>
@@ -9323,10 +12973,10 @@
       </p:grpSpPr>
       <p:pic>
         <p:nvPicPr>
-          <p:cNvPr id="3" name="그림 2">
-            <a:extLst>
-              <a:ext uri="{FF2B5EF4-FFF2-40B4-BE49-F238E27FC236}">
-                <a16:creationId xmlns:a16="http://schemas.microsoft.com/office/drawing/2014/main" id="{386DC383-65CF-72F2-727F-3289C123CC1E}"/>
+          <p:cNvPr id="4" name="그림 3">
+            <a:extLst>
+              <a:ext uri="{FF2B5EF4-FFF2-40B4-BE49-F238E27FC236}">
+                <a16:creationId xmlns:a16="http://schemas.microsoft.com/office/drawing/2014/main" id="{67FCC8D5-4451-7243-399C-7795C408781D}"/>
               </a:ext>
             </a:extLst>
           </p:cNvPr>
@@ -9343,8 +12993,8 @@
         </p:blipFill>
         <p:spPr>
           <a:xfrm>
-            <a:off x="2744958" y="895592"/>
-            <a:ext cx="6519205" cy="5809690"/>
+            <a:off x="3087147" y="1003462"/>
+            <a:ext cx="6017705" cy="5667768"/>
           </a:xfrm>
           <a:prstGeom prst="rect">
             <a:avLst/>
@@ -9428,8 +13078,8 @@
         </p:nvSpPr>
         <p:spPr>
           <a:xfrm>
-            <a:off x="8646160" y="2499360"/>
-            <a:ext cx="325120" cy="223521"/>
+            <a:off x="3922758" y="2231404"/>
+            <a:ext cx="2691401" cy="450835"/>
           </a:xfrm>
           <a:prstGeom prst="rect">
             <a:avLst/>
@@ -9480,8 +13130,8 @@
         </p:nvSpPr>
         <p:spPr>
           <a:xfrm>
-            <a:off x="9052560" y="2426454"/>
-            <a:ext cx="1383252" cy="369332"/>
+            <a:off x="4990052" y="6335950"/>
+            <a:ext cx="6583680" cy="369332"/>
           </a:xfrm>
           <a:prstGeom prst="rect">
             <a:avLst/>
@@ -9501,7 +13151,7 @@
                   <a:srgbClr val="FFFF00"/>
                 </a:highlight>
               </a:rPr>
-              <a:t>URI Copy</a:t>
+              <a:t>Create repository</a:t>
             </a:r>
             <a:endParaRPr lang="ko-KR" altLang="en-US" dirty="0">
               <a:highlight>
@@ -9511,10 +13161,62 @@
           </a:p>
         </p:txBody>
       </p:sp>
+      <p:sp>
+        <p:nvSpPr>
+          <p:cNvPr id="5" name="직사각형 4">
+            <a:extLst>
+              <a:ext uri="{FF2B5EF4-FFF2-40B4-BE49-F238E27FC236}">
+                <a16:creationId xmlns:a16="http://schemas.microsoft.com/office/drawing/2014/main" id="{B84C570B-41CC-8F29-A79B-E8AE6E94E551}"/>
+              </a:ext>
+            </a:extLst>
+          </p:cNvPr>
+          <p:cNvSpPr/>
+          <p:nvPr/>
+        </p:nvSpPr>
+        <p:spPr>
+          <a:xfrm>
+            <a:off x="4013200" y="6350000"/>
+            <a:ext cx="863600" cy="213360"/>
+          </a:xfrm>
+          <a:prstGeom prst="rect">
+            <a:avLst/>
+          </a:prstGeom>
+          <a:noFill/>
+          <a:ln w="38100">
+            <a:solidFill>
+              <a:srgbClr val="FF0000"/>
+            </a:solidFill>
+          </a:ln>
+        </p:spPr>
+        <p:style>
+          <a:lnRef idx="2">
+            <a:schemeClr val="accent1">
+              <a:shade val="50000"/>
+            </a:schemeClr>
+          </a:lnRef>
+          <a:fillRef idx="1">
+            <a:schemeClr val="accent1"/>
+          </a:fillRef>
+          <a:effectRef idx="0">
+            <a:schemeClr val="accent1"/>
+          </a:effectRef>
+          <a:fontRef idx="minor">
+            <a:schemeClr val="lt1"/>
+          </a:fontRef>
+        </p:style>
+        <p:txBody>
+          <a:bodyPr rtlCol="0" anchor="ctr"/>
+          <a:lstStyle/>
+          <a:p>
+            <a:pPr algn="ctr"/>
+            <a:endParaRPr lang="ko-KR" altLang="en-US" dirty="0"/>
+          </a:p>
+        </p:txBody>
+      </p:sp>
     </p:spTree>
     <p:extLst>
       <p:ext uri="{BB962C8B-B14F-4D97-AF65-F5344CB8AC3E}">
-        <p14:creationId xmlns:p14="http://schemas.microsoft.com/office/powerpoint/2010/main" val="1339731952"/>
+        <p14:creationId xmlns:p14="http://schemas.microsoft.com/office/powerpoint/2010/main" val="3854727979"/>
       </p:ext>
     </p:extLst>
   </p:cSld>
@@ -9543,10 +13245,10 @@
       </p:grpSpPr>
       <p:pic>
         <p:nvPicPr>
-          <p:cNvPr id="11" name="그림 10">
-            <a:extLst>
-              <a:ext uri="{FF2B5EF4-FFF2-40B4-BE49-F238E27FC236}">
-                <a16:creationId xmlns:a16="http://schemas.microsoft.com/office/drawing/2014/main" id="{A4FD75BA-4E13-4485-B844-4A6092DBE9F0}"/>
+          <p:cNvPr id="3" name="그림 2">
+            <a:extLst>
+              <a:ext uri="{FF2B5EF4-FFF2-40B4-BE49-F238E27FC236}">
+                <a16:creationId xmlns:a16="http://schemas.microsoft.com/office/drawing/2014/main" id="{386DC383-65CF-72F2-727F-3289C123CC1E}"/>
               </a:ext>
             </a:extLst>
           </p:cNvPr>
@@ -9563,8 +13265,8 @@
         </p:blipFill>
         <p:spPr>
           <a:xfrm>
-            <a:off x="2342313" y="831274"/>
-            <a:ext cx="7507373" cy="5667768"/>
+            <a:off x="2744958" y="895592"/>
+            <a:ext cx="6519205" cy="5809690"/>
           </a:xfrm>
           <a:prstGeom prst="rect">
             <a:avLst/>
@@ -9619,20 +13321,12 @@
           </a:lstStyle>
           <a:p>
             <a:r>
-              <a:rPr lang="ko-KR" altLang="en-US" b="1" dirty="0">
-                <a:solidFill>
-                  <a:srgbClr val="00153E"/>
-                </a:solidFill>
-              </a:rPr>
-              <a:t>이클립스 </a:t>
-            </a:r>
-            <a:r>
               <a:rPr lang="en-US" altLang="ko-KR" b="1" dirty="0">
                 <a:solidFill>
                   <a:srgbClr val="00153E"/>
                 </a:solidFill>
               </a:rPr>
-              <a:t>Share Project</a:t>
+              <a:t>GitHub Create repository</a:t>
             </a:r>
             <a:endParaRPr lang="ko-KR" altLang="en-US" b="1" dirty="0">
               <a:solidFill>
@@ -9656,8 +13350,8 @@
         </p:nvSpPr>
         <p:spPr>
           <a:xfrm>
-            <a:off x="2580640" y="5557521"/>
-            <a:ext cx="2275840" cy="223520"/>
+            <a:off x="8646160" y="2499360"/>
+            <a:ext cx="325120" cy="223521"/>
           </a:xfrm>
           <a:prstGeom prst="rect">
             <a:avLst/>
@@ -9708,8 +13402,8 @@
         </p:nvSpPr>
         <p:spPr>
           <a:xfrm>
-            <a:off x="3535679" y="6181202"/>
-            <a:ext cx="5120640" cy="369332"/>
+            <a:off x="9052560" y="2426454"/>
+            <a:ext cx="1383252" cy="369332"/>
           </a:xfrm>
           <a:prstGeom prst="rect">
             <a:avLst/>
@@ -9729,32 +13423,7 @@
                   <a:srgbClr val="FFFF00"/>
                 </a:highlight>
               </a:rPr>
-              <a:t>Project </a:t>
-            </a:r>
-            <a:r>
-              <a:rPr lang="ko-KR" altLang="en-US" dirty="0" err="1">
-                <a:highlight>
-                  <a:srgbClr val="FFFF00"/>
-                </a:highlight>
-              </a:rPr>
-              <a:t>우클릭</a:t>
-            </a:r>
-            <a:r>
-              <a:rPr lang="en-US" altLang="ko-KR" dirty="0">
-                <a:highlight>
-                  <a:srgbClr val="FFFF00"/>
-                </a:highlight>
-              </a:rPr>
-              <a:t> </a:t>
-            </a:r>
-            <a:r>
-              <a:rPr lang="en-US" altLang="ko-KR" dirty="0">
-                <a:highlight>
-                  <a:srgbClr val="FFFF00"/>
-                </a:highlight>
-                <a:sym typeface="Wingdings" panose="05000000000000000000" pitchFamily="2" charset="2"/>
-              </a:rPr>
-              <a:t> [Team]  [Share Project]</a:t>
+              <a:t>URI Copy</a:t>
             </a:r>
             <a:endParaRPr lang="ko-KR" altLang="en-US" dirty="0">
               <a:highlight>
@@ -9764,62 +13433,10 @@
           </a:p>
         </p:txBody>
       </p:sp>
-      <p:sp>
-        <p:nvSpPr>
-          <p:cNvPr id="12" name="직사각형 11">
-            <a:extLst>
-              <a:ext uri="{FF2B5EF4-FFF2-40B4-BE49-F238E27FC236}">
-                <a16:creationId xmlns:a16="http://schemas.microsoft.com/office/drawing/2014/main" id="{07250474-DCC0-E76B-41BB-E6ACB3790302}"/>
-              </a:ext>
-            </a:extLst>
-          </p:cNvPr>
-          <p:cNvSpPr/>
-          <p:nvPr/>
-        </p:nvSpPr>
-        <p:spPr>
-          <a:xfrm>
-            <a:off x="4856480" y="5803206"/>
-            <a:ext cx="1310640" cy="223520"/>
-          </a:xfrm>
-          <a:prstGeom prst="rect">
-            <a:avLst/>
-          </a:prstGeom>
-          <a:noFill/>
-          <a:ln w="38100">
-            <a:solidFill>
-              <a:srgbClr val="FF0000"/>
-            </a:solidFill>
-          </a:ln>
-        </p:spPr>
-        <p:style>
-          <a:lnRef idx="2">
-            <a:schemeClr val="accent1">
-              <a:shade val="50000"/>
-            </a:schemeClr>
-          </a:lnRef>
-          <a:fillRef idx="1">
-            <a:schemeClr val="accent1"/>
-          </a:fillRef>
-          <a:effectRef idx="0">
-            <a:schemeClr val="accent1"/>
-          </a:effectRef>
-          <a:fontRef idx="minor">
-            <a:schemeClr val="lt1"/>
-          </a:fontRef>
-        </p:style>
-        <p:txBody>
-          <a:bodyPr rtlCol="0" anchor="ctr"/>
-          <a:lstStyle/>
-          <a:p>
-            <a:pPr algn="ctr"/>
-            <a:endParaRPr lang="ko-KR" altLang="en-US" dirty="0"/>
-          </a:p>
-        </p:txBody>
-      </p:sp>
     </p:spTree>
     <p:extLst>
       <p:ext uri="{BB962C8B-B14F-4D97-AF65-F5344CB8AC3E}">
-        <p14:creationId xmlns:p14="http://schemas.microsoft.com/office/powerpoint/2010/main" val="3849307582"/>
+        <p14:creationId xmlns:p14="http://schemas.microsoft.com/office/powerpoint/2010/main" val="1339731952"/>
       </p:ext>
     </p:extLst>
   </p:cSld>
